--- a/model/working/モデルシート(ver奥山)0825.pptx
+++ b/model/working/モデルシート(ver奥山)0825.pptx
@@ -5,7 +5,7 @@
     <p:sldMasterId id="2147483714" r:id="rId1"/>
   </p:sldMasterIdLst>
   <p:sldIdLst>
-    <p:sldId id="256" r:id="rId2"/>
+    <p:sldId id="262" r:id="rId2"/>
     <p:sldId id="257" r:id="rId3"/>
     <p:sldId id="258" r:id="rId4"/>
     <p:sldId id="259" r:id="rId5"/>
@@ -248,7 +248,7 @@
           <a:p>
             <a:fld id="{1D063AC1-C124-4785-98D1-11CFD963530E}" type="datetimeFigureOut">
               <a:rPr kumimoji="1" lang="ja-JP" altLang="en-US" smtClean="0"/>
-              <a:t>2017/8/24</a:t>
+              <a:t>2017/8/25</a:t>
             </a:fld>
             <a:endParaRPr kumimoji="1" lang="ja-JP" altLang="en-US"/>
           </a:p>
@@ -450,7 +450,7 @@
           <a:p>
             <a:fld id="{1D063AC1-C124-4785-98D1-11CFD963530E}" type="datetimeFigureOut">
               <a:rPr kumimoji="1" lang="ja-JP" altLang="en-US" smtClean="0"/>
-              <a:t>2017/8/24</a:t>
+              <a:t>2017/8/25</a:t>
             </a:fld>
             <a:endParaRPr kumimoji="1" lang="ja-JP" altLang="en-US"/>
           </a:p>
@@ -662,7 +662,7 @@
           <a:p>
             <a:fld id="{1D063AC1-C124-4785-98D1-11CFD963530E}" type="datetimeFigureOut">
               <a:rPr kumimoji="1" lang="ja-JP" altLang="en-US" smtClean="0"/>
-              <a:t>2017/8/24</a:t>
+              <a:t>2017/8/25</a:t>
             </a:fld>
             <a:endParaRPr kumimoji="1" lang="ja-JP" altLang="en-US"/>
           </a:p>
@@ -864,7 +864,7 @@
           <a:p>
             <a:fld id="{1D063AC1-C124-4785-98D1-11CFD963530E}" type="datetimeFigureOut">
               <a:rPr kumimoji="1" lang="ja-JP" altLang="en-US" smtClean="0"/>
-              <a:t>2017/8/24</a:t>
+              <a:t>2017/8/25</a:t>
             </a:fld>
             <a:endParaRPr kumimoji="1" lang="ja-JP" altLang="en-US"/>
           </a:p>
@@ -1108,7 +1108,7 @@
           <a:p>
             <a:fld id="{1D063AC1-C124-4785-98D1-11CFD963530E}" type="datetimeFigureOut">
               <a:rPr kumimoji="1" lang="ja-JP" altLang="en-US" smtClean="0"/>
-              <a:t>2017/8/24</a:t>
+              <a:t>2017/8/25</a:t>
             </a:fld>
             <a:endParaRPr kumimoji="1" lang="ja-JP" altLang="en-US"/>
           </a:p>
@@ -1404,7 +1404,7 @@
           <a:p>
             <a:fld id="{1D063AC1-C124-4785-98D1-11CFD963530E}" type="datetimeFigureOut">
               <a:rPr kumimoji="1" lang="ja-JP" altLang="en-US" smtClean="0"/>
-              <a:t>2017/8/24</a:t>
+              <a:t>2017/8/25</a:t>
             </a:fld>
             <a:endParaRPr kumimoji="1" lang="ja-JP" altLang="en-US"/>
           </a:p>
@@ -1835,7 +1835,7 @@
           <a:p>
             <a:fld id="{1D063AC1-C124-4785-98D1-11CFD963530E}" type="datetimeFigureOut">
               <a:rPr kumimoji="1" lang="ja-JP" altLang="en-US" smtClean="0"/>
-              <a:t>2017/8/24</a:t>
+              <a:t>2017/8/25</a:t>
             </a:fld>
             <a:endParaRPr kumimoji="1" lang="ja-JP" altLang="en-US"/>
           </a:p>
@@ -1953,7 +1953,7 @@
           <a:p>
             <a:fld id="{1D063AC1-C124-4785-98D1-11CFD963530E}" type="datetimeFigureOut">
               <a:rPr kumimoji="1" lang="ja-JP" altLang="en-US" smtClean="0"/>
-              <a:t>2017/8/24</a:t>
+              <a:t>2017/8/25</a:t>
             </a:fld>
             <a:endParaRPr kumimoji="1" lang="ja-JP" altLang="en-US"/>
           </a:p>
@@ -2048,7 +2048,7 @@
           <a:p>
             <a:fld id="{1D063AC1-C124-4785-98D1-11CFD963530E}" type="datetimeFigureOut">
               <a:rPr kumimoji="1" lang="ja-JP" altLang="en-US" smtClean="0"/>
-              <a:t>2017/8/24</a:t>
+              <a:t>2017/8/25</a:t>
             </a:fld>
             <a:endParaRPr kumimoji="1" lang="ja-JP" altLang="en-US"/>
           </a:p>
@@ -2357,7 +2357,7 @@
           <a:p>
             <a:fld id="{1D063AC1-C124-4785-98D1-11CFD963530E}" type="datetimeFigureOut">
               <a:rPr kumimoji="1" lang="ja-JP" altLang="en-US" smtClean="0"/>
-              <a:t>2017/8/24</a:t>
+              <a:t>2017/8/25</a:t>
             </a:fld>
             <a:endParaRPr kumimoji="1" lang="ja-JP" altLang="en-US"/>
           </a:p>
@@ -2614,7 +2614,7 @@
           <a:p>
             <a:fld id="{1D063AC1-C124-4785-98D1-11CFD963530E}" type="datetimeFigureOut">
               <a:rPr kumimoji="1" lang="ja-JP" altLang="en-US" smtClean="0"/>
-              <a:t>2017/8/24</a:t>
+              <a:t>2017/8/25</a:t>
             </a:fld>
             <a:endParaRPr kumimoji="1" lang="ja-JP" altLang="en-US"/>
           </a:p>
@@ -2859,7 +2859,7 @@
           <a:p>
             <a:fld id="{1D063AC1-C124-4785-98D1-11CFD963530E}" type="datetimeFigureOut">
               <a:rPr kumimoji="1" lang="ja-JP" altLang="en-US" smtClean="0"/>
-              <a:t>2017/8/24</a:t>
+              <a:t>2017/8/25</a:t>
             </a:fld>
             <a:endParaRPr kumimoji="1" lang="ja-JP" altLang="en-US"/>
           </a:p>
@@ -3250,14 +3250,6 @@
 <file path=ppt/slides/slide1.xml><?xml version="1.0" encoding="utf-8"?>
 <p:sld xmlns:a="http://schemas.openxmlformats.org/drawingml/2006/main" xmlns:r="http://schemas.openxmlformats.org/officeDocument/2006/relationships" xmlns:p="http://schemas.openxmlformats.org/presentationml/2006/main">
   <p:cSld>
-    <p:bg>
-      <p:bgPr>
-        <a:solidFill>
-          <a:schemeClr val="bg1"/>
-        </a:solidFill>
-        <a:effectLst/>
-      </p:bgPr>
-    </p:bg>
     <p:spTree>
       <p:nvGrpSpPr>
         <p:cNvPr id="1" name=""/>
@@ -3533,17 +3525,7 @@
                 <a:latin typeface="游ゴシック" panose="020B0400000000000000" pitchFamily="50" charset="-128"/>
                 <a:ea typeface="游ゴシック" panose="020B0400000000000000" pitchFamily="50" charset="-128"/>
               </a:rPr>
-              <a:t>目標          </a:t>
-            </a:r>
-            <a:r>
-              <a:rPr lang="ja-JP" altLang="en-US" sz="1500" dirty="0" smtClean="0">
-                <a:solidFill>
-                  <a:schemeClr val="bg1"/>
-                </a:solidFill>
-                <a:latin typeface="游ゴシック" panose="020B0400000000000000" pitchFamily="50" charset="-128"/>
-                <a:ea typeface="游ゴシック" panose="020B0400000000000000" pitchFamily="50" charset="-128"/>
-              </a:rPr>
-              <a:t>   </a:t>
+              <a:t>目標             </a:t>
             </a:r>
             <a:r>
               <a:rPr lang="en-US" altLang="ja-JP" sz="1500" dirty="0" smtClean="0">
@@ -3653,15 +3635,6 @@
           <a:bodyPr rtlCol="0" anchor="t"/>
           <a:lstStyle/>
           <a:p>
-            <a:endParaRPr lang="en-US" altLang="ja-JP" sz="1350" dirty="0">
-              <a:solidFill>
-                <a:schemeClr val="bg1"/>
-              </a:solidFill>
-              <a:latin typeface="游ゴシック" panose="020B0400000000000000" pitchFamily="50" charset="-128"/>
-              <a:ea typeface="游ゴシック" panose="020B0400000000000000" pitchFamily="50" charset="-128"/>
-            </a:endParaRPr>
-          </a:p>
-          <a:p>
             <a:r>
               <a:rPr lang="ja-JP" altLang="en-US" sz="1000" b="1" dirty="0" smtClean="0">
                 <a:solidFill>
@@ -3670,9 +3643,39 @@
                 <a:latin typeface="游ゴシック" panose="020B0400000000000000" pitchFamily="50" charset="-128"/>
                 <a:ea typeface="游ゴシック" panose="020B0400000000000000" pitchFamily="50" charset="-128"/>
               </a:rPr>
-              <a:t>要件定義と走行戦略</a:t>
-            </a:r>
-            <a:endParaRPr lang="en-US" altLang="ja-JP" sz="1000" b="1" dirty="0">
+              <a:t>要件</a:t>
+            </a:r>
+            <a:r>
+              <a:rPr lang="ja-JP" altLang="en-US" sz="1000" b="1" dirty="0" smtClean="0">
+                <a:solidFill>
+                  <a:schemeClr val="accent1"/>
+                </a:solidFill>
+                <a:latin typeface="游ゴシック" panose="020B0400000000000000" pitchFamily="50" charset="-128"/>
+                <a:ea typeface="游ゴシック" panose="020B0400000000000000" pitchFamily="50" charset="-128"/>
+              </a:rPr>
+              <a:t>定義</a:t>
+            </a:r>
+            <a:r>
+              <a:rPr lang="ja-JP" altLang="en-US" sz="1000" b="1" dirty="0" smtClean="0">
+                <a:solidFill>
+                  <a:schemeClr val="accent1"/>
+                </a:solidFill>
+                <a:latin typeface="游ゴシック" panose="020B0400000000000000" pitchFamily="50" charset="-128"/>
+                <a:ea typeface="游ゴシック" panose="020B0400000000000000" pitchFamily="50" charset="-128"/>
+              </a:rPr>
+              <a:t>と</a:t>
+            </a:r>
+            <a:r>
+              <a:rPr lang="ja-JP" altLang="en-US" sz="1000" b="1" dirty="0" smtClean="0">
+                <a:solidFill>
+                  <a:schemeClr val="accent1"/>
+                </a:solidFill>
+                <a:latin typeface="游ゴシック" panose="020B0400000000000000" pitchFamily="50" charset="-128"/>
+                <a:ea typeface="游ゴシック" panose="020B0400000000000000" pitchFamily="50" charset="-128"/>
+              </a:rPr>
+              <a:t>開発目標</a:t>
+            </a:r>
+            <a:endParaRPr lang="en-US" altLang="ja-JP" sz="1000" b="1" dirty="0" smtClean="0">
               <a:solidFill>
                 <a:schemeClr val="accent1"/>
               </a:solidFill>
@@ -3718,7 +3721,7 @@
                 <a:latin typeface="游ゴシック" panose="020B0400000000000000" pitchFamily="50" charset="-128"/>
                 <a:ea typeface="游ゴシック" panose="020B0400000000000000" pitchFamily="50" charset="-128"/>
               </a:rPr>
-              <a:t>、走行戦略を考えました</a:t>
+              <a:t>、開発目標を考えた</a:t>
             </a:r>
             <a:r>
               <a:rPr lang="ja-JP" altLang="en-US" sz="800" dirty="0" smtClean="0">
@@ -3739,6 +3742,15 @@
             </a:endParaRPr>
           </a:p>
           <a:p>
+            <a:endParaRPr lang="en-US" altLang="ja-JP" sz="800" dirty="0">
+              <a:solidFill>
+                <a:schemeClr val="tx1"/>
+              </a:solidFill>
+              <a:latin typeface="游ゴシック" panose="020B0400000000000000" pitchFamily="50" charset="-128"/>
+              <a:ea typeface="游ゴシック" panose="020B0400000000000000" pitchFamily="50" charset="-128"/>
+            </a:endParaRPr>
+          </a:p>
+          <a:p>
             <a:endParaRPr lang="en-US" altLang="ja-JP" sz="1050" dirty="0">
               <a:solidFill>
                 <a:schemeClr val="tx1"/>
@@ -3784,15 +3796,6 @@
             </a:endParaRPr>
           </a:p>
           <a:p>
-            <a:endParaRPr lang="en-US" altLang="ja-JP" sz="1050" dirty="0">
-              <a:solidFill>
-                <a:schemeClr val="tx1"/>
-              </a:solidFill>
-              <a:latin typeface="游ゴシック" panose="020B0400000000000000" pitchFamily="50" charset="-128"/>
-              <a:ea typeface="游ゴシック" panose="020B0400000000000000" pitchFamily="50" charset="-128"/>
-            </a:endParaRPr>
-          </a:p>
-          <a:p>
             <a:endParaRPr lang="ja-JP" altLang="en-US" sz="1050" dirty="0">
               <a:solidFill>
                 <a:schemeClr val="tx1"/>
@@ -3803,23 +3806,997 @@
           </a:p>
         </p:txBody>
       </p:sp>
+      <p:sp>
+        <p:nvSpPr>
+          <p:cNvPr id="5" name="正方形/長方形 4"/>
+          <p:cNvSpPr/>
+          <p:nvPr/>
+        </p:nvSpPr>
+        <p:spPr>
+          <a:xfrm>
+            <a:off x="3120117" y="1140761"/>
+            <a:ext cx="6023883" cy="5547317"/>
+          </a:xfrm>
+          <a:prstGeom prst="rect">
+            <a:avLst/>
+          </a:prstGeom>
+          <a:solidFill>
+            <a:srgbClr val="FFFFFF">
+              <a:alpha val="80000"/>
+            </a:srgbClr>
+          </a:solidFill>
+          <a:ln w="38100">
+            <a:solidFill>
+              <a:schemeClr val="accent1"/>
+            </a:solidFill>
+            <a:prstDash val="dash"/>
+          </a:ln>
+        </p:spPr>
+        <p:style>
+          <a:lnRef idx="2">
+            <a:schemeClr val="accent1">
+              <a:shade val="50000"/>
+            </a:schemeClr>
+          </a:lnRef>
+          <a:fillRef idx="1">
+            <a:schemeClr val="accent1"/>
+          </a:fillRef>
+          <a:effectRef idx="0">
+            <a:schemeClr val="accent1"/>
+          </a:effectRef>
+          <a:fontRef idx="minor">
+            <a:schemeClr val="lt1"/>
+          </a:fontRef>
+        </p:style>
+        <p:txBody>
+          <a:bodyPr rtlCol="0" anchor="t"/>
+          <a:lstStyle/>
+          <a:p>
+            <a:endParaRPr lang="en-US" altLang="ja-JP" sz="1350" b="1" dirty="0">
+              <a:solidFill>
+                <a:schemeClr val="accent1"/>
+              </a:solidFill>
+              <a:latin typeface="游ゴシック" panose="020B0400000000000000" pitchFamily="50" charset="-128"/>
+              <a:ea typeface="游ゴシック" panose="020B0400000000000000" pitchFamily="50" charset="-128"/>
+            </a:endParaRPr>
+          </a:p>
+        </p:txBody>
+      </p:sp>
+      <p:pic>
+        <p:nvPicPr>
+          <p:cNvPr id="29" name="図 28"/>
+          <p:cNvPicPr>
+            <a:picLocks noChangeAspect="1"/>
+          </p:cNvPicPr>
+          <p:nvPr/>
+        </p:nvPicPr>
+        <p:blipFill>
+          <a:blip r:embed="rId3" cstate="print">
+            <a:extLst>
+              <a:ext uri="{28A0092B-C50C-407E-A947-70E740481C1C}">
+                <a14:useLocalDpi xmlns:a14="http://schemas.microsoft.com/office/drawing/2010/main" val="0"/>
+              </a:ext>
+            </a:extLst>
+          </a:blip>
+          <a:stretch>
+            <a:fillRect/>
+          </a:stretch>
+        </p:blipFill>
+        <p:spPr>
+          <a:xfrm>
+            <a:off x="1911191" y="5778000"/>
+            <a:ext cx="1080000" cy="1080000"/>
+          </a:xfrm>
+          <a:prstGeom prst="rect">
+            <a:avLst/>
+          </a:prstGeom>
+        </p:spPr>
+      </p:pic>
+      <p:pic>
+        <p:nvPicPr>
+          <p:cNvPr id="30" name="図 29"/>
+          <p:cNvPicPr>
+            <a:picLocks noChangeAspect="1"/>
+          </p:cNvPicPr>
+          <p:nvPr/>
+        </p:nvPicPr>
+        <p:blipFill>
+          <a:blip r:embed="rId4" cstate="print">
+            <a:extLst>
+              <a:ext uri="{28A0092B-C50C-407E-A947-70E740481C1C}">
+                <a14:useLocalDpi xmlns:a14="http://schemas.microsoft.com/office/drawing/2010/main" val="0"/>
+              </a:ext>
+            </a:extLst>
+          </a:blip>
+          <a:stretch>
+            <a:fillRect/>
+          </a:stretch>
+        </p:blipFill>
+        <p:spPr>
+          <a:xfrm>
+            <a:off x="1674154" y="5778000"/>
+            <a:ext cx="1080000" cy="1080000"/>
+          </a:xfrm>
+          <a:prstGeom prst="rect">
+            <a:avLst/>
+          </a:prstGeom>
+        </p:spPr>
+      </p:pic>
+      <p:pic>
+        <p:nvPicPr>
+          <p:cNvPr id="37" name="図 36"/>
+          <p:cNvPicPr>
+            <a:picLocks noChangeAspect="1"/>
+          </p:cNvPicPr>
+          <p:nvPr/>
+        </p:nvPicPr>
+        <p:blipFill>
+          <a:blip r:embed="rId5" cstate="print">
+            <a:extLst>
+              <a:ext uri="{28A0092B-C50C-407E-A947-70E740481C1C}">
+                <a14:useLocalDpi xmlns:a14="http://schemas.microsoft.com/office/drawing/2010/main" val="0"/>
+              </a:ext>
+            </a:extLst>
+          </a:blip>
+          <a:stretch>
+            <a:fillRect/>
+          </a:stretch>
+        </p:blipFill>
+        <p:spPr>
+          <a:xfrm>
+            <a:off x="1371191" y="5778000"/>
+            <a:ext cx="1080000" cy="1080000"/>
+          </a:xfrm>
+          <a:prstGeom prst="rect">
+            <a:avLst/>
+          </a:prstGeom>
+        </p:spPr>
+      </p:pic>
+      <p:pic>
+        <p:nvPicPr>
+          <p:cNvPr id="38" name="図 37"/>
+          <p:cNvPicPr>
+            <a:picLocks noChangeAspect="1"/>
+          </p:cNvPicPr>
+          <p:nvPr/>
+        </p:nvPicPr>
+        <p:blipFill>
+          <a:blip r:embed="rId6" cstate="print">
+            <a:extLst>
+              <a:ext uri="{28A0092B-C50C-407E-A947-70E740481C1C}">
+                <a14:useLocalDpi xmlns:a14="http://schemas.microsoft.com/office/drawing/2010/main" val="0"/>
+              </a:ext>
+            </a:extLst>
+          </a:blip>
+          <a:stretch>
+            <a:fillRect/>
+          </a:stretch>
+        </p:blipFill>
+        <p:spPr>
+          <a:xfrm>
+            <a:off x="1015635" y="5778000"/>
+            <a:ext cx="1080000" cy="1080000"/>
+          </a:xfrm>
+          <a:prstGeom prst="rect">
+            <a:avLst/>
+          </a:prstGeom>
+        </p:spPr>
+      </p:pic>
+      <p:pic>
+        <p:nvPicPr>
+          <p:cNvPr id="39" name="図 38"/>
+          <p:cNvPicPr>
+            <a:picLocks noChangeAspect="1"/>
+          </p:cNvPicPr>
+          <p:nvPr/>
+        </p:nvPicPr>
+        <p:blipFill>
+          <a:blip r:embed="rId7" cstate="print">
+            <a:extLst>
+              <a:ext uri="{28A0092B-C50C-407E-A947-70E740481C1C}">
+                <a14:useLocalDpi xmlns:a14="http://schemas.microsoft.com/office/drawing/2010/main" val="0"/>
+              </a:ext>
+            </a:extLst>
+          </a:blip>
+          <a:stretch>
+            <a:fillRect/>
+          </a:stretch>
+        </p:blipFill>
+        <p:spPr>
+          <a:xfrm>
+            <a:off x="10425" y="5508000"/>
+            <a:ext cx="1350000" cy="1350000"/>
+          </a:xfrm>
+          <a:prstGeom prst="rect">
+            <a:avLst/>
+          </a:prstGeom>
+        </p:spPr>
+      </p:pic>
+      <p:sp>
+        <p:nvSpPr>
+          <p:cNvPr id="40" name="角丸四角形吹き出し 39"/>
+          <p:cNvSpPr/>
+          <p:nvPr/>
+        </p:nvSpPr>
+        <p:spPr>
+          <a:xfrm>
+            <a:off x="91441" y="4884420"/>
+            <a:ext cx="2773680" cy="488580"/>
+          </a:xfrm>
+          <a:prstGeom prst="wedgeRoundRectCallout">
+            <a:avLst>
+              <a:gd name="adj1" fmla="val -26053"/>
+              <a:gd name="adj2" fmla="val 86604"/>
+              <a:gd name="adj3" fmla="val 16667"/>
+            </a:avLst>
+          </a:prstGeom>
+          <a:solidFill>
+            <a:schemeClr val="bg1"/>
+          </a:solidFill>
+        </p:spPr>
+        <p:style>
+          <a:lnRef idx="2">
+            <a:schemeClr val="accent1">
+              <a:shade val="50000"/>
+            </a:schemeClr>
+          </a:lnRef>
+          <a:fillRef idx="1">
+            <a:schemeClr val="accent1"/>
+          </a:fillRef>
+          <a:effectRef idx="0">
+            <a:schemeClr val="accent1"/>
+          </a:effectRef>
+          <a:fontRef idx="minor">
+            <a:schemeClr val="lt1"/>
+          </a:fontRef>
+        </p:style>
+        <p:txBody>
+          <a:bodyPr rtlCol="0" anchor="ctr"/>
+          <a:lstStyle/>
+          <a:p>
+            <a:pPr algn="ctr"/>
+            <a:r>
+              <a:rPr lang="ja-JP" altLang="en-US" sz="2400" b="1" dirty="0">
+                <a:solidFill>
+                  <a:srgbClr val="0070C0"/>
+                </a:solidFill>
+                <a:latin typeface="游ゴシック" panose="020B0400000000000000" pitchFamily="50" charset="-128"/>
+                <a:ea typeface="游ゴシック" panose="020B0400000000000000" pitchFamily="50" charset="-128"/>
+              </a:rPr>
+              <a:t>走行戦略</a:t>
+            </a:r>
+          </a:p>
+        </p:txBody>
+      </p:sp>
+      <p:sp>
+        <p:nvSpPr>
+          <p:cNvPr id="7" name="テキスト ボックス 6"/>
+          <p:cNvSpPr txBox="1"/>
+          <p:nvPr/>
+        </p:nvSpPr>
+        <p:spPr>
+          <a:xfrm>
+            <a:off x="3246188" y="1267301"/>
+            <a:ext cx="5489380" cy="1523494"/>
+          </a:xfrm>
+          <a:prstGeom prst="rect">
+            <a:avLst/>
+          </a:prstGeom>
+          <a:noFill/>
+        </p:spPr>
+        <p:txBody>
+          <a:bodyPr wrap="square" rtlCol="0">
+            <a:spAutoFit/>
+          </a:bodyPr>
+          <a:lstStyle/>
+          <a:p>
+            <a:r>
+              <a:rPr kumimoji="1" lang="ja-JP" altLang="en-US" sz="900" dirty="0" smtClean="0">
+                <a:latin typeface="游ゴシック" panose="020B0400000000000000" pitchFamily="50" charset="-128"/>
+                <a:ea typeface="游ゴシック" panose="020B0400000000000000" pitchFamily="50" charset="-128"/>
+              </a:rPr>
+              <a:t>＜前提になる要件：コースとは＞</a:t>
+            </a:r>
+            <a:endParaRPr kumimoji="1" lang="en-US" altLang="ja-JP" sz="900" dirty="0" smtClean="0">
+              <a:latin typeface="游ゴシック" panose="020B0400000000000000" pitchFamily="50" charset="-128"/>
+              <a:ea typeface="游ゴシック" panose="020B0400000000000000" pitchFamily="50" charset="-128"/>
+            </a:endParaRPr>
+          </a:p>
+          <a:p>
+            <a:endParaRPr kumimoji="1" lang="en-US" altLang="ja-JP" sz="700" dirty="0" smtClean="0">
+              <a:latin typeface="游ゴシック" panose="020B0400000000000000" pitchFamily="50" charset="-128"/>
+              <a:ea typeface="游ゴシック" panose="020B0400000000000000" pitchFamily="50" charset="-128"/>
+            </a:endParaRPr>
+          </a:p>
+          <a:p>
+            <a:r>
+              <a:rPr lang="ja-JP" altLang="en-US" sz="700" dirty="0" smtClean="0">
+                <a:latin typeface="游ゴシック" panose="020B0400000000000000" pitchFamily="50" charset="-128"/>
+                <a:ea typeface="游ゴシック" panose="020B0400000000000000" pitchFamily="50" charset="-128"/>
+              </a:rPr>
+              <a:t>コースとは、スタートとゴールを黒い</a:t>
+            </a:r>
+            <a:r>
+              <a:rPr lang="en-US" altLang="ja-JP" sz="700" dirty="0">
+                <a:latin typeface="游ゴシック" panose="020B0400000000000000" pitchFamily="50" charset="-128"/>
+                <a:ea typeface="游ゴシック" panose="020B0400000000000000" pitchFamily="50" charset="-128"/>
+              </a:rPr>
+              <a:t>1</a:t>
+            </a:r>
+            <a:r>
+              <a:rPr lang="ja-JP" altLang="en-US" sz="700" dirty="0">
+                <a:latin typeface="游ゴシック" panose="020B0400000000000000" pitchFamily="50" charset="-128"/>
+                <a:ea typeface="游ゴシック" panose="020B0400000000000000" pitchFamily="50" charset="-128"/>
+              </a:rPr>
+              <a:t>本</a:t>
+            </a:r>
+            <a:r>
+              <a:rPr lang="ja-JP" altLang="en-US" sz="700" dirty="0" smtClean="0">
+                <a:latin typeface="游ゴシック" panose="020B0400000000000000" pitchFamily="50" charset="-128"/>
+                <a:ea typeface="游ゴシック" panose="020B0400000000000000" pitchFamily="50" charset="-128"/>
+              </a:rPr>
+              <a:t>のラインで結んだものである。下地は白色である。</a:t>
+            </a:r>
+            <a:endParaRPr lang="en-US" altLang="ja-JP" sz="700" dirty="0" smtClean="0">
+              <a:latin typeface="游ゴシック" panose="020B0400000000000000" pitchFamily="50" charset="-128"/>
+              <a:ea typeface="游ゴシック" panose="020B0400000000000000" pitchFamily="50" charset="-128"/>
+            </a:endParaRPr>
+          </a:p>
+          <a:p>
+            <a:r>
+              <a:rPr kumimoji="1" lang="ja-JP" altLang="en-US" sz="700" dirty="0" smtClean="0">
+                <a:latin typeface="游ゴシック" panose="020B0400000000000000" pitchFamily="50" charset="-128"/>
+                <a:ea typeface="游ゴシック" panose="020B0400000000000000" pitchFamily="50" charset="-128"/>
+              </a:rPr>
+              <a:t>走行体は、スタートしてからコースに沿って走行し、ゴールに至る。</a:t>
+            </a:r>
+            <a:endParaRPr kumimoji="1" lang="en-US" altLang="ja-JP" sz="700" dirty="0" smtClean="0">
+              <a:latin typeface="游ゴシック" panose="020B0400000000000000" pitchFamily="50" charset="-128"/>
+              <a:ea typeface="游ゴシック" panose="020B0400000000000000" pitchFamily="50" charset="-128"/>
+            </a:endParaRPr>
+          </a:p>
+          <a:p>
+            <a:endParaRPr kumimoji="1" lang="en-US" altLang="ja-JP" sz="700" dirty="0" smtClean="0">
+              <a:latin typeface="游ゴシック" panose="020B0400000000000000" pitchFamily="50" charset="-128"/>
+              <a:ea typeface="游ゴシック" panose="020B0400000000000000" pitchFamily="50" charset="-128"/>
+            </a:endParaRPr>
+          </a:p>
+          <a:p>
+            <a:r>
+              <a:rPr lang="ja-JP" altLang="en-US" sz="700" dirty="0" smtClean="0">
+                <a:latin typeface="游ゴシック" panose="020B0400000000000000" pitchFamily="50" charset="-128"/>
+                <a:ea typeface="游ゴシック" panose="020B0400000000000000" pitchFamily="50" charset="-128"/>
+              </a:rPr>
+              <a:t>・コースは</a:t>
+            </a:r>
+            <a:r>
+              <a:rPr kumimoji="1" lang="ja-JP" altLang="en-US" sz="700" dirty="0" smtClean="0">
+                <a:latin typeface="游ゴシック" panose="020B0400000000000000" pitchFamily="50" charset="-128"/>
+                <a:ea typeface="游ゴシック" panose="020B0400000000000000" pitchFamily="50" charset="-128"/>
+              </a:rPr>
+              <a:t>高低差がないものとする。</a:t>
+            </a:r>
+            <a:endParaRPr kumimoji="1" lang="en-US" altLang="ja-JP" sz="700" dirty="0" smtClean="0">
+              <a:latin typeface="游ゴシック" panose="020B0400000000000000" pitchFamily="50" charset="-128"/>
+              <a:ea typeface="游ゴシック" panose="020B0400000000000000" pitchFamily="50" charset="-128"/>
+            </a:endParaRPr>
+          </a:p>
+          <a:p>
+            <a:r>
+              <a:rPr lang="ja-JP" altLang="en-US" sz="700" dirty="0">
+                <a:latin typeface="游ゴシック" panose="020B0400000000000000" pitchFamily="50" charset="-128"/>
+                <a:ea typeface="游ゴシック" panose="020B0400000000000000" pitchFamily="50" charset="-128"/>
+              </a:rPr>
+              <a:t>・</a:t>
+            </a:r>
+            <a:r>
+              <a:rPr lang="ja-JP" altLang="en-US" sz="700" dirty="0" smtClean="0">
+                <a:latin typeface="游ゴシック" panose="020B0400000000000000" pitchFamily="50" charset="-128"/>
+                <a:ea typeface="游ゴシック" panose="020B0400000000000000" pitchFamily="50" charset="-128"/>
+              </a:rPr>
+              <a:t>急峻</a:t>
+            </a:r>
+            <a:r>
+              <a:rPr lang="ja-JP" altLang="en-US" sz="700" dirty="0" smtClean="0">
+                <a:latin typeface="游ゴシック" panose="020B0400000000000000" pitchFamily="50" charset="-128"/>
+                <a:ea typeface="游ゴシック" panose="020B0400000000000000" pitchFamily="50" charset="-128"/>
+              </a:rPr>
+              <a:t>な上り坂、</a:t>
+            </a:r>
+            <a:r>
+              <a:rPr lang="ja-JP" altLang="en-US" sz="700" dirty="0" smtClean="0">
+                <a:latin typeface="游ゴシック" panose="020B0400000000000000" pitchFamily="50" charset="-128"/>
+                <a:ea typeface="游ゴシック" panose="020B0400000000000000" pitchFamily="50" charset="-128"/>
+              </a:rPr>
+              <a:t>下り坂は想定しない。</a:t>
+            </a:r>
+            <a:endParaRPr lang="en-US" altLang="ja-JP" sz="700" dirty="0" smtClean="0">
+              <a:latin typeface="游ゴシック" panose="020B0400000000000000" pitchFamily="50" charset="-128"/>
+              <a:ea typeface="游ゴシック" panose="020B0400000000000000" pitchFamily="50" charset="-128"/>
+            </a:endParaRPr>
+          </a:p>
+          <a:p>
+            <a:r>
+              <a:rPr lang="ja-JP" altLang="en-US" sz="700" dirty="0" smtClean="0">
+                <a:latin typeface="游ゴシック" panose="020B0400000000000000" pitchFamily="50" charset="-128"/>
+                <a:ea typeface="游ゴシック" panose="020B0400000000000000" pitchFamily="50" charset="-128"/>
+              </a:rPr>
+              <a:t>・水平・平坦な地面であり、凸凹はないものとする。</a:t>
+            </a:r>
+            <a:endParaRPr lang="en-US" altLang="ja-JP" sz="700" dirty="0" smtClean="0">
+              <a:latin typeface="游ゴシック" panose="020B0400000000000000" pitchFamily="50" charset="-128"/>
+              <a:ea typeface="游ゴシック" panose="020B0400000000000000" pitchFamily="50" charset="-128"/>
+            </a:endParaRPr>
+          </a:p>
+          <a:p>
+            <a:endParaRPr lang="en-US" altLang="ja-JP" sz="700" dirty="0" smtClean="0">
+              <a:latin typeface="游ゴシック" panose="020B0400000000000000" pitchFamily="50" charset="-128"/>
+              <a:ea typeface="游ゴシック" panose="020B0400000000000000" pitchFamily="50" charset="-128"/>
+            </a:endParaRPr>
+          </a:p>
+          <a:p>
+            <a:r>
+              <a:rPr lang="ja-JP" altLang="en-US" sz="700" dirty="0" smtClean="0">
+                <a:latin typeface="游ゴシック" panose="020B0400000000000000" pitchFamily="50" charset="-128"/>
+                <a:ea typeface="游ゴシック" panose="020B0400000000000000" pitchFamily="50" charset="-128"/>
+              </a:rPr>
+              <a:t>＜付帯要件＞</a:t>
+            </a:r>
+            <a:endParaRPr lang="en-US" altLang="ja-JP" sz="700" dirty="0">
+              <a:latin typeface="游ゴシック" panose="020B0400000000000000" pitchFamily="50" charset="-128"/>
+              <a:ea typeface="游ゴシック" panose="020B0400000000000000" pitchFamily="50" charset="-128"/>
+            </a:endParaRPr>
+          </a:p>
+          <a:p>
+            <a:r>
+              <a:rPr lang="ja-JP" altLang="en-US" sz="700" dirty="0" smtClean="0">
+                <a:latin typeface="游ゴシック" panose="020B0400000000000000" pitchFamily="50" charset="-128"/>
+                <a:ea typeface="游ゴシック" panose="020B0400000000000000" pitchFamily="50" charset="-128"/>
+              </a:rPr>
+              <a:t>◎ 本競技においては、</a:t>
+            </a:r>
+            <a:r>
+              <a:rPr lang="en-US" altLang="ja-JP" sz="700" dirty="0" smtClean="0">
+                <a:latin typeface="游ゴシック" panose="020B0400000000000000" pitchFamily="50" charset="-128"/>
+                <a:ea typeface="游ゴシック" panose="020B0400000000000000" pitchFamily="50" charset="-128"/>
+              </a:rPr>
+              <a:t>LR</a:t>
+            </a:r>
+            <a:r>
+              <a:rPr lang="ja-JP" altLang="en-US" sz="700" dirty="0" smtClean="0">
+                <a:latin typeface="游ゴシック" panose="020B0400000000000000" pitchFamily="50" charset="-128"/>
+                <a:ea typeface="游ゴシック" panose="020B0400000000000000" pitchFamily="50" charset="-128"/>
+              </a:rPr>
+              <a:t>の２つのコースであるが、ひとつのプログラムで両方のコースを走行するものとする。</a:t>
+            </a:r>
+            <a:endParaRPr lang="en-US" altLang="ja-JP" sz="700" dirty="0" smtClean="0">
+              <a:latin typeface="游ゴシック" panose="020B0400000000000000" pitchFamily="50" charset="-128"/>
+              <a:ea typeface="游ゴシック" panose="020B0400000000000000" pitchFamily="50" charset="-128"/>
+            </a:endParaRPr>
+          </a:p>
+          <a:p>
+            <a:r>
+              <a:rPr lang="ja-JP" altLang="en-US" sz="700" dirty="0" smtClean="0">
+                <a:latin typeface="游ゴシック" panose="020B0400000000000000" pitchFamily="50" charset="-128"/>
+                <a:ea typeface="游ゴシック" panose="020B0400000000000000" pitchFamily="50" charset="-128"/>
+              </a:rPr>
+              <a:t>◎ プログラムに対しては、走行するコースに関する事前情報 </a:t>
+            </a:r>
+            <a:r>
+              <a:rPr lang="en-US" altLang="ja-JP" sz="700" dirty="0" smtClean="0">
+                <a:latin typeface="游ゴシック" panose="020B0400000000000000" pitchFamily="50" charset="-128"/>
+                <a:ea typeface="游ゴシック" panose="020B0400000000000000" pitchFamily="50" charset="-128"/>
+              </a:rPr>
+              <a:t>(</a:t>
+            </a:r>
+            <a:r>
+              <a:rPr lang="ja-JP" altLang="en-US" sz="700" dirty="0" smtClean="0">
+                <a:latin typeface="游ゴシック" panose="020B0400000000000000" pitchFamily="50" charset="-128"/>
+                <a:ea typeface="游ゴシック" panose="020B0400000000000000" pitchFamily="50" charset="-128"/>
+              </a:rPr>
+              <a:t>区間ごとの距離、カーブの曲率</a:t>
+            </a:r>
+            <a:r>
+              <a:rPr lang="en-US" altLang="ja-JP" sz="700" dirty="0" smtClean="0">
+                <a:latin typeface="游ゴシック" panose="020B0400000000000000" pitchFamily="50" charset="-128"/>
+                <a:ea typeface="游ゴシック" panose="020B0400000000000000" pitchFamily="50" charset="-128"/>
+              </a:rPr>
+              <a:t>)</a:t>
+            </a:r>
+            <a:r>
+              <a:rPr lang="ja-JP" altLang="en-US" sz="700" dirty="0" smtClean="0">
+                <a:latin typeface="游ゴシック" panose="020B0400000000000000" pitchFamily="50" charset="-128"/>
+                <a:ea typeface="游ゴシック" panose="020B0400000000000000" pitchFamily="50" charset="-128"/>
+              </a:rPr>
+              <a:t>を</a:t>
+            </a:r>
+            <a:r>
+              <a:rPr lang="ja-JP" altLang="en-US" sz="700" dirty="0" smtClean="0">
+                <a:solidFill>
+                  <a:schemeClr val="accent2">
+                    <a:lumMod val="75000"/>
+                  </a:schemeClr>
+                </a:solidFill>
+                <a:latin typeface="游ゴシック" panose="020B0400000000000000" pitchFamily="50" charset="-128"/>
+                <a:ea typeface="游ゴシック" panose="020B0400000000000000" pitchFamily="50" charset="-128"/>
+              </a:rPr>
+              <a:t>できるだけ</a:t>
+            </a:r>
+            <a:r>
+              <a:rPr lang="ja-JP" altLang="en-US" sz="700" dirty="0" smtClean="0">
+                <a:latin typeface="游ゴシック" panose="020B0400000000000000" pitchFamily="50" charset="-128"/>
+                <a:ea typeface="游ゴシック" panose="020B0400000000000000" pitchFamily="50" charset="-128"/>
+              </a:rPr>
+              <a:t>、入力しない。</a:t>
+            </a:r>
+            <a:endParaRPr lang="en-US" altLang="ja-JP" sz="700" dirty="0" smtClean="0">
+              <a:latin typeface="游ゴシック" panose="020B0400000000000000" pitchFamily="50" charset="-128"/>
+              <a:ea typeface="游ゴシック" panose="020B0400000000000000" pitchFamily="50" charset="-128"/>
+            </a:endParaRPr>
+          </a:p>
+          <a:p>
+            <a:r>
+              <a:rPr lang="ja-JP" altLang="en-US" sz="700" dirty="0" smtClean="0">
+                <a:latin typeface="游ゴシック" panose="020B0400000000000000" pitchFamily="50" charset="-128"/>
+                <a:ea typeface="游ゴシック" panose="020B0400000000000000" pitchFamily="50" charset="-128"/>
+              </a:rPr>
+              <a:t>◎ 初めて走行するコースでも、「完走できる」。</a:t>
+            </a:r>
+            <a:endParaRPr lang="en-US" altLang="ja-JP" sz="700" dirty="0" smtClean="0">
+              <a:latin typeface="游ゴシック" panose="020B0400000000000000" pitchFamily="50" charset="-128"/>
+              <a:ea typeface="游ゴシック" panose="020B0400000000000000" pitchFamily="50" charset="-128"/>
+            </a:endParaRPr>
+          </a:p>
+        </p:txBody>
+      </p:sp>
+      <p:sp>
+        <p:nvSpPr>
+          <p:cNvPr id="21" name="テキスト ボックス 20"/>
+          <p:cNvSpPr txBox="1"/>
+          <p:nvPr/>
+        </p:nvSpPr>
+        <p:spPr>
+          <a:xfrm>
+            <a:off x="5521960" y="2040585"/>
+            <a:ext cx="2148166" cy="200055"/>
+          </a:xfrm>
+          <a:prstGeom prst="rect">
+            <a:avLst/>
+          </a:prstGeom>
+          <a:noFill/>
+        </p:spPr>
+        <p:txBody>
+          <a:bodyPr wrap="square" rtlCol="0">
+            <a:spAutoFit/>
+          </a:bodyPr>
+          <a:lstStyle/>
+          <a:p>
+            <a:r>
+              <a:rPr kumimoji="1" lang="en-US" altLang="ja-JP" sz="700" dirty="0" smtClean="0">
+                <a:latin typeface="游ゴシック" panose="020B0400000000000000" pitchFamily="50" charset="-128"/>
+                <a:ea typeface="游ゴシック" panose="020B0400000000000000" pitchFamily="50" charset="-128"/>
+              </a:rPr>
+              <a:t>※</a:t>
+            </a:r>
+            <a:r>
+              <a:rPr kumimoji="1" lang="ja-JP" altLang="en-US" sz="700" dirty="0" smtClean="0">
+                <a:latin typeface="游ゴシック" panose="020B0400000000000000" pitchFamily="50" charset="-128"/>
+                <a:ea typeface="游ゴシック" panose="020B0400000000000000" pitchFamily="50" charset="-128"/>
+              </a:rPr>
+              <a:t> 難所における段差は、ここでは言及しない。</a:t>
+            </a:r>
+            <a:endParaRPr kumimoji="1" lang="en-US" altLang="ja-JP" sz="700" dirty="0" smtClean="0">
+              <a:latin typeface="游ゴシック" panose="020B0400000000000000" pitchFamily="50" charset="-128"/>
+              <a:ea typeface="游ゴシック" panose="020B0400000000000000" pitchFamily="50" charset="-128"/>
+            </a:endParaRPr>
+          </a:p>
+        </p:txBody>
+      </p:sp>
+      <p:pic>
+        <p:nvPicPr>
+          <p:cNvPr id="15" name="図 14"/>
+          <p:cNvPicPr>
+            <a:picLocks noChangeAspect="1"/>
+          </p:cNvPicPr>
+          <p:nvPr/>
+        </p:nvPicPr>
+        <p:blipFill>
+          <a:blip r:embed="rId8"/>
+          <a:stretch>
+            <a:fillRect/>
+          </a:stretch>
+        </p:blipFill>
+        <p:spPr>
+          <a:xfrm>
+            <a:off x="3181436" y="2879165"/>
+            <a:ext cx="5901243" cy="3740510"/>
+          </a:xfrm>
+          <a:prstGeom prst="rect">
+            <a:avLst/>
+          </a:prstGeom>
+        </p:spPr>
+      </p:pic>
+      <p:sp>
+        <p:nvSpPr>
+          <p:cNvPr id="17" name="右矢印 16"/>
+          <p:cNvSpPr/>
+          <p:nvPr/>
+        </p:nvSpPr>
+        <p:spPr>
+          <a:xfrm>
+            <a:off x="5537200" y="3212114"/>
+            <a:ext cx="133191" cy="172720"/>
+          </a:xfrm>
+          <a:prstGeom prst="rightArrow">
+            <a:avLst/>
+          </a:prstGeom>
+          <a:solidFill>
+            <a:srgbClr val="FFC000"/>
+          </a:solidFill>
+        </p:spPr>
+        <p:style>
+          <a:lnRef idx="2">
+            <a:schemeClr val="accent1">
+              <a:shade val="50000"/>
+            </a:schemeClr>
+          </a:lnRef>
+          <a:fillRef idx="1">
+            <a:schemeClr val="accent1"/>
+          </a:fillRef>
+          <a:effectRef idx="0">
+            <a:schemeClr val="accent1"/>
+          </a:effectRef>
+          <a:fontRef idx="minor">
+            <a:schemeClr val="lt1"/>
+          </a:fontRef>
+        </p:style>
+        <p:txBody>
+          <a:bodyPr rtlCol="0" anchor="ctr"/>
+          <a:lstStyle/>
+          <a:p>
+            <a:pPr algn="ctr"/>
+            <a:endParaRPr kumimoji="1" lang="ja-JP" altLang="en-US" sz="1000" dirty="0" smtClean="0"/>
+          </a:p>
+        </p:txBody>
+      </p:sp>
+      <p:sp>
+        <p:nvSpPr>
+          <p:cNvPr id="27" name="右矢印 26"/>
+          <p:cNvSpPr/>
+          <p:nvPr/>
+        </p:nvSpPr>
+        <p:spPr>
+          <a:xfrm>
+            <a:off x="7199404" y="3192414"/>
+            <a:ext cx="133191" cy="172720"/>
+          </a:xfrm>
+          <a:prstGeom prst="rightArrow">
+            <a:avLst/>
+          </a:prstGeom>
+          <a:solidFill>
+            <a:srgbClr val="FFC000"/>
+          </a:solidFill>
+        </p:spPr>
+        <p:style>
+          <a:lnRef idx="2">
+            <a:schemeClr val="accent1">
+              <a:shade val="50000"/>
+            </a:schemeClr>
+          </a:lnRef>
+          <a:fillRef idx="1">
+            <a:schemeClr val="accent1"/>
+          </a:fillRef>
+          <a:effectRef idx="0">
+            <a:schemeClr val="accent1"/>
+          </a:effectRef>
+          <a:fontRef idx="minor">
+            <a:schemeClr val="lt1"/>
+          </a:fontRef>
+        </p:style>
+        <p:txBody>
+          <a:bodyPr rtlCol="0" anchor="ctr"/>
+          <a:lstStyle/>
+          <a:p>
+            <a:pPr algn="ctr"/>
+            <a:endParaRPr kumimoji="1" lang="ja-JP" altLang="en-US" sz="1000" dirty="0" smtClean="0"/>
+          </a:p>
+        </p:txBody>
+      </p:sp>
+      <p:sp>
+        <p:nvSpPr>
+          <p:cNvPr id="28" name="右矢印 27"/>
+          <p:cNvSpPr/>
+          <p:nvPr/>
+        </p:nvSpPr>
+        <p:spPr>
+          <a:xfrm>
+            <a:off x="5521960" y="5945154"/>
+            <a:ext cx="133191" cy="172720"/>
+          </a:xfrm>
+          <a:prstGeom prst="rightArrow">
+            <a:avLst/>
+          </a:prstGeom>
+          <a:solidFill>
+            <a:srgbClr val="FFC000"/>
+          </a:solidFill>
+        </p:spPr>
+        <p:style>
+          <a:lnRef idx="2">
+            <a:schemeClr val="accent1">
+              <a:shade val="50000"/>
+            </a:schemeClr>
+          </a:lnRef>
+          <a:fillRef idx="1">
+            <a:schemeClr val="accent1"/>
+          </a:fillRef>
+          <a:effectRef idx="0">
+            <a:schemeClr val="accent1"/>
+          </a:effectRef>
+          <a:fontRef idx="minor">
+            <a:schemeClr val="lt1"/>
+          </a:fontRef>
+        </p:style>
+        <p:txBody>
+          <a:bodyPr rtlCol="0" anchor="ctr"/>
+          <a:lstStyle/>
+          <a:p>
+            <a:pPr algn="ctr"/>
+            <a:endParaRPr kumimoji="1" lang="ja-JP" altLang="en-US" sz="1000" dirty="0" smtClean="0"/>
+          </a:p>
+        </p:txBody>
+      </p:sp>
+      <p:sp>
+        <p:nvSpPr>
+          <p:cNvPr id="31" name="右矢印 30"/>
+          <p:cNvSpPr/>
+          <p:nvPr/>
+        </p:nvSpPr>
+        <p:spPr>
+          <a:xfrm>
+            <a:off x="7232134" y="5888579"/>
+            <a:ext cx="133191" cy="172720"/>
+          </a:xfrm>
+          <a:prstGeom prst="rightArrow">
+            <a:avLst/>
+          </a:prstGeom>
+          <a:solidFill>
+            <a:srgbClr val="FFC000"/>
+          </a:solidFill>
+        </p:spPr>
+        <p:style>
+          <a:lnRef idx="2">
+            <a:schemeClr val="accent1">
+              <a:shade val="50000"/>
+            </a:schemeClr>
+          </a:lnRef>
+          <a:fillRef idx="1">
+            <a:schemeClr val="accent1"/>
+          </a:fillRef>
+          <a:effectRef idx="0">
+            <a:schemeClr val="accent1"/>
+          </a:effectRef>
+          <a:fontRef idx="minor">
+            <a:schemeClr val="lt1"/>
+          </a:fontRef>
+        </p:style>
+        <p:txBody>
+          <a:bodyPr rtlCol="0" anchor="ctr"/>
+          <a:lstStyle/>
+          <a:p>
+            <a:pPr algn="ctr"/>
+            <a:endParaRPr kumimoji="1" lang="ja-JP" altLang="en-US" sz="1000" dirty="0" smtClean="0"/>
+          </a:p>
+        </p:txBody>
+      </p:sp>
+      <p:sp>
+        <p:nvSpPr>
+          <p:cNvPr id="20" name="角丸四角形 19"/>
+          <p:cNvSpPr/>
+          <p:nvPr/>
+        </p:nvSpPr>
+        <p:spPr>
+          <a:xfrm>
+            <a:off x="8048752" y="3611346"/>
+            <a:ext cx="904240" cy="162559"/>
+          </a:xfrm>
+          <a:prstGeom prst="roundRect">
+            <a:avLst/>
+          </a:prstGeom>
+          <a:solidFill>
+            <a:srgbClr val="FFC000"/>
+          </a:solidFill>
+        </p:spPr>
+        <p:style>
+          <a:lnRef idx="2">
+            <a:schemeClr val="accent1">
+              <a:shade val="50000"/>
+            </a:schemeClr>
+          </a:lnRef>
+          <a:fillRef idx="1">
+            <a:schemeClr val="accent1"/>
+          </a:fillRef>
+          <a:effectRef idx="0">
+            <a:schemeClr val="accent1"/>
+          </a:effectRef>
+          <a:fontRef idx="minor">
+            <a:schemeClr val="lt1"/>
+          </a:fontRef>
+        </p:style>
+        <p:txBody>
+          <a:bodyPr rtlCol="0" anchor="ctr"/>
+          <a:lstStyle/>
+          <a:p>
+            <a:pPr algn="ctr"/>
+            <a:r>
+              <a:rPr kumimoji="1" lang="ja-JP" altLang="en-US" sz="800" dirty="0" smtClean="0"/>
+              <a:t>安定化スタート</a:t>
+            </a:r>
+            <a:endParaRPr kumimoji="1" lang="ja-JP" altLang="en-US" sz="800" dirty="0" smtClean="0"/>
+          </a:p>
+        </p:txBody>
+      </p:sp>
+      <p:sp>
+        <p:nvSpPr>
+          <p:cNvPr id="33" name="角丸四角形 32"/>
+          <p:cNvSpPr/>
+          <p:nvPr/>
+        </p:nvSpPr>
+        <p:spPr>
+          <a:xfrm>
+            <a:off x="8219775" y="5199434"/>
+            <a:ext cx="785639" cy="138641"/>
+          </a:xfrm>
+          <a:prstGeom prst="roundRect">
+            <a:avLst/>
+          </a:prstGeom>
+          <a:solidFill>
+            <a:srgbClr val="FFC000"/>
+          </a:solidFill>
+        </p:spPr>
+        <p:style>
+          <a:lnRef idx="2">
+            <a:schemeClr val="accent1">
+              <a:shade val="50000"/>
+            </a:schemeClr>
+          </a:lnRef>
+          <a:fillRef idx="1">
+            <a:schemeClr val="accent1"/>
+          </a:fillRef>
+          <a:effectRef idx="0">
+            <a:schemeClr val="accent1"/>
+          </a:effectRef>
+          <a:fontRef idx="minor">
+            <a:schemeClr val="lt1"/>
+          </a:fontRef>
+        </p:style>
+        <p:txBody>
+          <a:bodyPr rtlCol="0" anchor="ctr"/>
+          <a:lstStyle/>
+          <a:p>
+            <a:pPr algn="ctr"/>
+            <a:r>
+              <a:rPr kumimoji="1" lang="en-US" altLang="ja-JP" sz="800" dirty="0" smtClean="0"/>
+              <a:t>PID</a:t>
+            </a:r>
+            <a:r>
+              <a:rPr kumimoji="1" lang="ja-JP" altLang="en-US" sz="800" dirty="0" smtClean="0"/>
+              <a:t>制御</a:t>
+            </a:r>
+            <a:endParaRPr kumimoji="1" lang="ja-JP" altLang="en-US" sz="800" dirty="0" smtClean="0"/>
+          </a:p>
+        </p:txBody>
+      </p:sp>
+      <p:sp>
+        <p:nvSpPr>
+          <p:cNvPr id="34" name="角丸四角形 33"/>
+          <p:cNvSpPr/>
+          <p:nvPr/>
+        </p:nvSpPr>
+        <p:spPr>
+          <a:xfrm>
+            <a:off x="8215982" y="5373000"/>
+            <a:ext cx="785778" cy="144204"/>
+          </a:xfrm>
+          <a:prstGeom prst="roundRect">
+            <a:avLst/>
+          </a:prstGeom>
+          <a:solidFill>
+            <a:srgbClr val="FFC000"/>
+          </a:solidFill>
+        </p:spPr>
+        <p:style>
+          <a:lnRef idx="2">
+            <a:schemeClr val="accent1">
+              <a:shade val="50000"/>
+            </a:schemeClr>
+          </a:lnRef>
+          <a:fillRef idx="1">
+            <a:schemeClr val="accent1"/>
+          </a:fillRef>
+          <a:effectRef idx="0">
+            <a:schemeClr val="accent1"/>
+          </a:effectRef>
+          <a:fontRef idx="minor">
+            <a:schemeClr val="lt1"/>
+          </a:fontRef>
+        </p:style>
+        <p:txBody>
+          <a:bodyPr rtlCol="0" anchor="ctr"/>
+          <a:lstStyle/>
+          <a:p>
+            <a:pPr algn="ctr"/>
+            <a:r>
+              <a:rPr lang="ja-JP" altLang="en-US" sz="800" dirty="0" smtClean="0"/>
+              <a:t>スピード制御</a:t>
+            </a:r>
+            <a:endParaRPr kumimoji="1" lang="ja-JP" altLang="en-US" sz="800" dirty="0" smtClean="0"/>
+          </a:p>
+        </p:txBody>
+      </p:sp>
+      <p:sp>
+        <p:nvSpPr>
+          <p:cNvPr id="35" name="角丸四角形 34"/>
+          <p:cNvSpPr/>
+          <p:nvPr/>
+        </p:nvSpPr>
+        <p:spPr>
+          <a:xfrm>
+            <a:off x="7593925" y="6128935"/>
+            <a:ext cx="1407835" cy="189065"/>
+          </a:xfrm>
+          <a:prstGeom prst="roundRect">
+            <a:avLst/>
+          </a:prstGeom>
+          <a:solidFill>
+            <a:srgbClr val="FFC000"/>
+          </a:solidFill>
+        </p:spPr>
+        <p:style>
+          <a:lnRef idx="2">
+            <a:schemeClr val="accent1">
+              <a:shade val="50000"/>
+            </a:schemeClr>
+          </a:lnRef>
+          <a:fillRef idx="1">
+            <a:schemeClr val="accent1"/>
+          </a:fillRef>
+          <a:effectRef idx="0">
+            <a:schemeClr val="accent1"/>
+          </a:effectRef>
+          <a:fontRef idx="minor">
+            <a:schemeClr val="lt1"/>
+          </a:fontRef>
+        </p:style>
+        <p:txBody>
+          <a:bodyPr rtlCol="0" anchor="ctr"/>
+          <a:lstStyle/>
+          <a:p>
+            <a:pPr algn="ctr"/>
+            <a:r>
+              <a:rPr lang="ja-JP" altLang="en-US" sz="800" dirty="0" smtClean="0"/>
+              <a:t>ナビゲーション</a:t>
+            </a:r>
+            <a:endParaRPr kumimoji="1" lang="ja-JP" altLang="en-US" sz="800" dirty="0" smtClean="0"/>
+          </a:p>
+        </p:txBody>
+      </p:sp>
       <p:graphicFrame>
         <p:nvGraphicFramePr>
-          <p:cNvPr id="4" name="表 3"/>
+          <p:cNvPr id="36" name="表 35"/>
           <p:cNvGraphicFramePr>
             <a:graphicFrameLocks noGrp="1"/>
           </p:cNvGraphicFramePr>
           <p:nvPr>
             <p:extLst>
               <p:ext uri="{D42A27DB-BD31-4B8C-83A1-F6EECF244321}">
-                <p14:modId xmlns:p14="http://schemas.microsoft.com/office/powerpoint/2010/main" val="2413878243"/>
+                <p14:modId xmlns:p14="http://schemas.microsoft.com/office/powerpoint/2010/main" val="445600423"/>
               </p:ext>
             </p:extLst>
           </p:nvPr>
         </p:nvGraphicFramePr>
         <p:xfrm>
-          <a:off x="82419" y="2005218"/>
-          <a:ext cx="1395862" cy="844818"/>
+          <a:off x="91441" y="1691909"/>
+          <a:ext cx="2143587" cy="815340"/>
         </p:xfrm>
         <a:graphic>
           <a:graphicData uri="http://schemas.openxmlformats.org/drawingml/2006/table">
@@ -3835,9 +4812,9 @@
                 <a:tableStyleId>{5C22544A-7EE6-4342-B048-85BDC9FD1C3A}</a:tableStyleId>
               </a:tblPr>
               <a:tblGrid>
-                <a:gridCol w="1395862"/>
+                <a:gridCol w="2143587"/>
               </a:tblGrid>
-              <a:tr h="157497">
+              <a:tr h="169951">
                 <a:tc>
                   <a:txBody>
                     <a:bodyPr/>
@@ -3860,7 +4837,7 @@
                   <a:tcPr marL="68580" marR="68580" marT="34290" marB="34290" anchor="ctr"/>
                 </a:tc>
               </a:tr>
-              <a:tr h="237741">
+              <a:tr h="273830">
                 <a:tc>
                   <a:txBody>
                     <a:bodyPr/>
@@ -3868,25 +4845,29 @@
                     <a:p>
                       <a:r>
                         <a:rPr kumimoji="1" lang="en-US" altLang="ja-JP" sz="800" b="1" dirty="0" smtClean="0"/>
-                        <a:t>A.</a:t>
+                        <a:t>A</a:t>
+                      </a:r>
+                      <a:r>
+                        <a:rPr kumimoji="1" lang="en-US" altLang="ja-JP" sz="800" b="1" dirty="0" smtClean="0"/>
+                        <a:t>.</a:t>
                       </a:r>
                     </a:p>
                     <a:p>
                       <a:r>
                         <a:rPr kumimoji="1" lang="ja-JP" altLang="en-US" sz="800" b="1" dirty="0" smtClean="0"/>
-                        <a:t>完走する。</a:t>
+                        <a:t>安定したスタートをする。</a:t>
                       </a:r>
-                      <a:endParaRPr kumimoji="1" lang="ja-JP" altLang="en-US" sz="800" b="1" dirty="0"/>
+                      <a:endParaRPr kumimoji="1" lang="en-US" altLang="ja-JP" sz="800" b="1" dirty="0" smtClean="0"/>
                     </a:p>
                   </a:txBody>
                   <a:tcPr marL="68580" marR="68580" marT="34290" marB="34290">
                     <a:solidFill>
-                      <a:srgbClr val="FFCCFF"/>
+                      <a:srgbClr val="CCECFF"/>
                     </a:solidFill>
                   </a:tcPr>
                 </a:tc>
               </a:tr>
-              <a:tr h="341898">
+              <a:tr h="299667">
                 <a:tc>
                   <a:txBody>
                     <a:bodyPr/>
@@ -3898,16 +4879,32 @@
                       </a:r>
                     </a:p>
                     <a:p>
+                      <a:pPr marL="0" marR="0" lvl="0" indent="0" algn="l" defTabSz="914400" rtl="0" eaLnBrk="1" fontAlgn="auto" latinLnBrk="0" hangingPunct="1">
+                        <a:lnSpc>
+                          <a:spcPct val="100000"/>
+                        </a:lnSpc>
+                        <a:spcBef>
+                          <a:spcPts val="0"/>
+                        </a:spcBef>
+                        <a:spcAft>
+                          <a:spcPts val="0"/>
+                        </a:spcAft>
+                        <a:buClrTx/>
+                        <a:buSzTx/>
+                        <a:buFontTx/>
+                        <a:buNone/>
+                        <a:tabLst/>
+                        <a:defRPr/>
+                      </a:pPr>
                       <a:r>
                         <a:rPr kumimoji="1" lang="ja-JP" altLang="en-US" sz="800" b="1" dirty="0" smtClean="0"/>
-                        <a:t>安定したスタートをする。</a:t>
+                        <a:t>コースを走行してゴールまで完走する。</a:t>
                       </a:r>
-                      <a:endParaRPr kumimoji="1" lang="ja-JP" altLang="en-US" sz="800" b="1" dirty="0"/>
                     </a:p>
                   </a:txBody>
                   <a:tcPr marL="68580" marR="68580" marT="34290" marB="34290">
                     <a:solidFill>
-                      <a:srgbClr val="CCECFF"/>
+                      <a:srgbClr val="FFCCFF"/>
                     </a:solidFill>
                   </a:tcPr>
                 </a:tc>
@@ -3918,263 +4915,172 @@
       </p:graphicFrame>
       <p:sp>
         <p:nvSpPr>
-          <p:cNvPr id="5" name="正方形/長方形 4"/>
-          <p:cNvSpPr/>
-          <p:nvPr/>
-        </p:nvSpPr>
-        <p:spPr>
-          <a:xfrm>
-            <a:off x="3120117" y="1140761"/>
-            <a:ext cx="6023883" cy="5547317"/>
+          <p:cNvPr id="41" name="テキスト ボックス 40"/>
+          <p:cNvSpPr txBox="1"/>
+          <p:nvPr/>
+        </p:nvSpPr>
+        <p:spPr>
+          <a:xfrm>
+            <a:off x="36657" y="2574036"/>
+            <a:ext cx="2838888" cy="2354491"/>
           </a:xfrm>
           <a:prstGeom prst="rect">
             <a:avLst/>
           </a:prstGeom>
-          <a:solidFill>
-            <a:srgbClr val="FFFFFF">
-              <a:alpha val="80000"/>
-            </a:srgbClr>
-          </a:solidFill>
-          <a:ln w="38100">
-            <a:solidFill>
-              <a:schemeClr val="accent1"/>
-            </a:solidFill>
-            <a:prstDash val="dash"/>
-          </a:ln>
-        </p:spPr>
-        <p:style>
-          <a:lnRef idx="2">
-            <a:schemeClr val="accent1">
-              <a:shade val="50000"/>
-            </a:schemeClr>
-          </a:lnRef>
-          <a:fillRef idx="1">
-            <a:schemeClr val="accent1"/>
-          </a:fillRef>
-          <a:effectRef idx="0">
-            <a:schemeClr val="accent1"/>
-          </a:effectRef>
-          <a:fontRef idx="minor">
-            <a:schemeClr val="lt1"/>
-          </a:fontRef>
-        </p:style>
-        <p:txBody>
-          <a:bodyPr rtlCol="0" anchor="t"/>
-          <a:lstStyle/>
-          <a:p>
-            <a:endParaRPr lang="en-US" altLang="ja-JP" sz="1350" b="1" dirty="0">
-              <a:solidFill>
-                <a:schemeClr val="accent1"/>
-              </a:solidFill>
+          <a:noFill/>
+        </p:spPr>
+        <p:txBody>
+          <a:bodyPr wrap="square" rtlCol="0">
+            <a:spAutoFit/>
+          </a:bodyPr>
+          <a:lstStyle/>
+          <a:p>
+            <a:r>
+              <a:rPr lang="ja-JP" altLang="en-US" sz="700" dirty="0" smtClean="0">
+                <a:latin typeface="游ゴシック" panose="020B0400000000000000" pitchFamily="50" charset="-128"/>
+                <a:ea typeface="游ゴシック" panose="020B0400000000000000" pitchFamily="50" charset="-128"/>
+              </a:rPr>
+              <a:t>コースを走行するために、まずは「スタート」が重要と考えた。</a:t>
+            </a:r>
+            <a:endParaRPr lang="en-US" altLang="ja-JP" sz="700" dirty="0" smtClean="0">
               <a:latin typeface="游ゴシック" panose="020B0400000000000000" pitchFamily="50" charset="-128"/>
               <a:ea typeface="游ゴシック" panose="020B0400000000000000" pitchFamily="50" charset="-128"/>
             </a:endParaRPr>
           </a:p>
-        </p:txBody>
-      </p:sp>
-      <p:pic>
-        <p:nvPicPr>
-          <p:cNvPr id="29" name="図 28"/>
-          <p:cNvPicPr>
-            <a:picLocks noChangeAspect="1"/>
-          </p:cNvPicPr>
-          <p:nvPr/>
-        </p:nvPicPr>
-        <p:blipFill>
-          <a:blip r:embed="rId3" cstate="print">
-            <a:extLst>
-              <a:ext uri="{28A0092B-C50C-407E-A947-70E740481C1C}">
-                <a14:useLocalDpi xmlns:a14="http://schemas.microsoft.com/office/drawing/2010/main" val="0"/>
-              </a:ext>
-            </a:extLst>
-          </a:blip>
-          <a:stretch>
-            <a:fillRect/>
-          </a:stretch>
-        </p:blipFill>
-        <p:spPr>
-          <a:xfrm>
-            <a:off x="1911191" y="5778000"/>
-            <a:ext cx="1080000" cy="1080000"/>
-          </a:xfrm>
-          <a:prstGeom prst="rect">
-            <a:avLst/>
-          </a:prstGeom>
-        </p:spPr>
-      </p:pic>
-      <p:pic>
-        <p:nvPicPr>
-          <p:cNvPr id="30" name="図 29"/>
-          <p:cNvPicPr>
-            <a:picLocks noChangeAspect="1"/>
-          </p:cNvPicPr>
-          <p:nvPr/>
-        </p:nvPicPr>
-        <p:blipFill>
-          <a:blip r:embed="rId4" cstate="print">
-            <a:extLst>
-              <a:ext uri="{28A0092B-C50C-407E-A947-70E740481C1C}">
-                <a14:useLocalDpi xmlns:a14="http://schemas.microsoft.com/office/drawing/2010/main" val="0"/>
-              </a:ext>
-            </a:extLst>
-          </a:blip>
-          <a:stretch>
-            <a:fillRect/>
-          </a:stretch>
-        </p:blipFill>
-        <p:spPr>
-          <a:xfrm>
-            <a:off x="1674154" y="5778000"/>
-            <a:ext cx="1080000" cy="1080000"/>
-          </a:xfrm>
-          <a:prstGeom prst="rect">
-            <a:avLst/>
-          </a:prstGeom>
-        </p:spPr>
-      </p:pic>
-      <p:pic>
-        <p:nvPicPr>
-          <p:cNvPr id="37" name="図 36"/>
-          <p:cNvPicPr>
-            <a:picLocks noChangeAspect="1"/>
-          </p:cNvPicPr>
-          <p:nvPr/>
-        </p:nvPicPr>
-        <p:blipFill>
-          <a:blip r:embed="rId5" cstate="print">
-            <a:extLst>
-              <a:ext uri="{28A0092B-C50C-407E-A947-70E740481C1C}">
-                <a14:useLocalDpi xmlns:a14="http://schemas.microsoft.com/office/drawing/2010/main" val="0"/>
-              </a:ext>
-            </a:extLst>
-          </a:blip>
-          <a:stretch>
-            <a:fillRect/>
-          </a:stretch>
-        </p:blipFill>
-        <p:spPr>
-          <a:xfrm>
-            <a:off x="1371191" y="5778000"/>
-            <a:ext cx="1080000" cy="1080000"/>
-          </a:xfrm>
-          <a:prstGeom prst="rect">
-            <a:avLst/>
-          </a:prstGeom>
-        </p:spPr>
-      </p:pic>
-      <p:pic>
-        <p:nvPicPr>
-          <p:cNvPr id="38" name="図 37"/>
-          <p:cNvPicPr>
-            <a:picLocks noChangeAspect="1"/>
-          </p:cNvPicPr>
-          <p:nvPr/>
-        </p:nvPicPr>
-        <p:blipFill>
-          <a:blip r:embed="rId6" cstate="print">
-            <a:extLst>
-              <a:ext uri="{28A0092B-C50C-407E-A947-70E740481C1C}">
-                <a14:useLocalDpi xmlns:a14="http://schemas.microsoft.com/office/drawing/2010/main" val="0"/>
-              </a:ext>
-            </a:extLst>
-          </a:blip>
-          <a:stretch>
-            <a:fillRect/>
-          </a:stretch>
-        </p:blipFill>
-        <p:spPr>
-          <a:xfrm>
-            <a:off x="1015635" y="5778000"/>
-            <a:ext cx="1080000" cy="1080000"/>
-          </a:xfrm>
-          <a:prstGeom prst="rect">
-            <a:avLst/>
-          </a:prstGeom>
-        </p:spPr>
-      </p:pic>
-      <p:pic>
-        <p:nvPicPr>
-          <p:cNvPr id="39" name="図 38"/>
-          <p:cNvPicPr>
-            <a:picLocks noChangeAspect="1"/>
-          </p:cNvPicPr>
-          <p:nvPr/>
-        </p:nvPicPr>
-        <p:blipFill>
-          <a:blip r:embed="rId7" cstate="print">
-            <a:extLst>
-              <a:ext uri="{28A0092B-C50C-407E-A947-70E740481C1C}">
-                <a14:useLocalDpi xmlns:a14="http://schemas.microsoft.com/office/drawing/2010/main" val="0"/>
-              </a:ext>
-            </a:extLst>
-          </a:blip>
-          <a:stretch>
-            <a:fillRect/>
-          </a:stretch>
-        </p:blipFill>
-        <p:spPr>
-          <a:xfrm>
-            <a:off x="10425" y="5508000"/>
-            <a:ext cx="1350000" cy="1350000"/>
-          </a:xfrm>
-          <a:prstGeom prst="rect">
-            <a:avLst/>
-          </a:prstGeom>
-        </p:spPr>
-      </p:pic>
-      <p:sp>
-        <p:nvSpPr>
-          <p:cNvPr id="40" name="角丸四角形吹き出し 39"/>
-          <p:cNvSpPr/>
-          <p:nvPr/>
-        </p:nvSpPr>
-        <p:spPr>
-          <a:xfrm>
-            <a:off x="91441" y="4884420"/>
-            <a:ext cx="2773680" cy="488580"/>
-          </a:xfrm>
-          <a:prstGeom prst="wedgeRoundRectCallout">
-            <a:avLst>
-              <a:gd name="adj1" fmla="val -26053"/>
-              <a:gd name="adj2" fmla="val 86604"/>
-              <a:gd name="adj3" fmla="val 16667"/>
-            </a:avLst>
-          </a:prstGeom>
-          <a:solidFill>
-            <a:schemeClr val="bg1"/>
-          </a:solidFill>
-        </p:spPr>
-        <p:style>
-          <a:lnRef idx="2">
-            <a:schemeClr val="accent1">
-              <a:shade val="50000"/>
-            </a:schemeClr>
-          </a:lnRef>
-          <a:fillRef idx="1">
-            <a:schemeClr val="accent1"/>
-          </a:fillRef>
-          <a:effectRef idx="0">
-            <a:schemeClr val="accent1"/>
-          </a:effectRef>
-          <a:fontRef idx="minor">
-            <a:schemeClr val="lt1"/>
-          </a:fontRef>
-        </p:style>
-        <p:txBody>
-          <a:bodyPr rtlCol="0" anchor="ctr"/>
-          <a:lstStyle/>
-          <a:p>
-            <a:pPr algn="ctr"/>
-            <a:r>
-              <a:rPr lang="ja-JP" altLang="en-US" sz="2400" b="1" dirty="0">
-                <a:solidFill>
-                  <a:srgbClr val="0070C0"/>
-                </a:solidFill>
-                <a:latin typeface="游ゴシック" panose="020B0400000000000000" pitchFamily="50" charset="-128"/>
-                <a:ea typeface="游ゴシック" panose="020B0400000000000000" pitchFamily="50" charset="-128"/>
-              </a:rPr>
-              <a:t>走行戦略</a:t>
-            </a:r>
+          <a:p>
+            <a:endParaRPr lang="en-US" altLang="ja-JP" sz="700" dirty="0" smtClean="0">
+              <a:latin typeface="游ゴシック" panose="020B0400000000000000" pitchFamily="50" charset="-128"/>
+              <a:ea typeface="游ゴシック" panose="020B0400000000000000" pitchFamily="50" charset="-128"/>
+            </a:endParaRPr>
+          </a:p>
+          <a:p>
+            <a:r>
+              <a:rPr lang="ja-JP" altLang="en-US" sz="700" dirty="0" smtClean="0">
+                <a:latin typeface="游ゴシック" panose="020B0400000000000000" pitchFamily="50" charset="-128"/>
+                <a:ea typeface="游ゴシック" panose="020B0400000000000000" pitchFamily="50" charset="-128"/>
+              </a:rPr>
+              <a:t>これは試走をする度に、転倒し走行までに至らないケースが非常に多く、難所攻略のプログラムの開発にも支障がある。</a:t>
+            </a:r>
+            <a:endParaRPr lang="en-US" altLang="ja-JP" sz="700" dirty="0" smtClean="0">
+              <a:latin typeface="游ゴシック" panose="020B0400000000000000" pitchFamily="50" charset="-128"/>
+              <a:ea typeface="游ゴシック" panose="020B0400000000000000" pitchFamily="50" charset="-128"/>
+            </a:endParaRPr>
+          </a:p>
+          <a:p>
+            <a:endParaRPr lang="en-US" altLang="ja-JP" sz="700" dirty="0" smtClean="0">
+              <a:latin typeface="游ゴシック" panose="020B0400000000000000" pitchFamily="50" charset="-128"/>
+              <a:ea typeface="游ゴシック" panose="020B0400000000000000" pitchFamily="50" charset="-128"/>
+            </a:endParaRPr>
+          </a:p>
+          <a:p>
+            <a:r>
+              <a:rPr lang="ja-JP" altLang="en-US" sz="700" dirty="0" smtClean="0">
+                <a:latin typeface="游ゴシック" panose="020B0400000000000000" pitchFamily="50" charset="-128"/>
+                <a:ea typeface="游ゴシック" panose="020B0400000000000000" pitchFamily="50" charset="-128"/>
+              </a:rPr>
+              <a:t>第</a:t>
+            </a:r>
+            <a:r>
+              <a:rPr lang="en-US" altLang="ja-JP" sz="700" dirty="0" smtClean="0">
+                <a:latin typeface="游ゴシック" panose="020B0400000000000000" pitchFamily="50" charset="-128"/>
+                <a:ea typeface="游ゴシック" panose="020B0400000000000000" pitchFamily="50" charset="-128"/>
+              </a:rPr>
+              <a:t>1</a:t>
+            </a:r>
+            <a:r>
+              <a:rPr lang="ja-JP" altLang="en-US" sz="700" dirty="0" smtClean="0">
+                <a:latin typeface="游ゴシック" panose="020B0400000000000000" pitchFamily="50" charset="-128"/>
+                <a:ea typeface="游ゴシック" panose="020B0400000000000000" pitchFamily="50" charset="-128"/>
+              </a:rPr>
+              <a:t>の開発目標として、スタートを成功させること、とした。「安定した」というのは、スタートに失敗させる確率を低いものにすることの他に、ライントレース走行へいたる発進動作の際の走行体の安定性を指す。</a:t>
+            </a:r>
+            <a:endParaRPr lang="en-US" altLang="ja-JP" sz="700" dirty="0" smtClean="0">
+              <a:latin typeface="游ゴシック" panose="020B0400000000000000" pitchFamily="50" charset="-128"/>
+              <a:ea typeface="游ゴシック" panose="020B0400000000000000" pitchFamily="50" charset="-128"/>
+            </a:endParaRPr>
+          </a:p>
+          <a:p>
+            <a:endParaRPr lang="en-US" altLang="ja-JP" sz="700" dirty="0">
+              <a:latin typeface="游ゴシック" panose="020B0400000000000000" pitchFamily="50" charset="-128"/>
+              <a:ea typeface="游ゴシック" panose="020B0400000000000000" pitchFamily="50" charset="-128"/>
+            </a:endParaRPr>
+          </a:p>
+          <a:p>
+            <a:r>
+              <a:rPr lang="ja-JP" altLang="en-US" sz="700" dirty="0" smtClean="0">
+                <a:latin typeface="游ゴシック" panose="020B0400000000000000" pitchFamily="50" charset="-128"/>
+                <a:ea typeface="游ゴシック" panose="020B0400000000000000" pitchFamily="50" charset="-128"/>
+              </a:rPr>
+              <a:t>走行そのものは、光線センサーでラインのエッジを識別するライントレースによって、進路を決定する方式とした。</a:t>
+            </a:r>
+            <a:endParaRPr lang="en-US" altLang="ja-JP" sz="700" dirty="0" smtClean="0">
+              <a:latin typeface="游ゴシック" panose="020B0400000000000000" pitchFamily="50" charset="-128"/>
+              <a:ea typeface="游ゴシック" panose="020B0400000000000000" pitchFamily="50" charset="-128"/>
+            </a:endParaRPr>
+          </a:p>
+          <a:p>
+            <a:endParaRPr lang="en-US" altLang="ja-JP" sz="700" dirty="0" smtClean="0">
+              <a:latin typeface="游ゴシック" panose="020B0400000000000000" pitchFamily="50" charset="-128"/>
+              <a:ea typeface="游ゴシック" panose="020B0400000000000000" pitchFamily="50" charset="-128"/>
+            </a:endParaRPr>
+          </a:p>
+          <a:p>
+            <a:r>
+              <a:rPr lang="ja-JP" altLang="en-US" sz="700" dirty="0" smtClean="0">
+                <a:latin typeface="游ゴシック" panose="020B0400000000000000" pitchFamily="50" charset="-128"/>
+                <a:ea typeface="游ゴシック" panose="020B0400000000000000" pitchFamily="50" charset="-128"/>
+              </a:rPr>
+              <a:t>ラインを逸脱して、ゴールするまでの時間を短縮することは、本チームが考える「コース」の要件に反すると考えたからである。</a:t>
+            </a:r>
+            <a:endParaRPr lang="en-US" altLang="ja-JP" sz="700" dirty="0" smtClean="0">
+              <a:latin typeface="游ゴシック" panose="020B0400000000000000" pitchFamily="50" charset="-128"/>
+              <a:ea typeface="游ゴシック" panose="020B0400000000000000" pitchFamily="50" charset="-128"/>
+            </a:endParaRPr>
+          </a:p>
+          <a:p>
+            <a:endParaRPr lang="en-US" altLang="ja-JP" sz="700" dirty="0">
+              <a:latin typeface="游ゴシック" panose="020B0400000000000000" pitchFamily="50" charset="-128"/>
+              <a:ea typeface="游ゴシック" panose="020B0400000000000000" pitchFamily="50" charset="-128"/>
+            </a:endParaRPr>
+          </a:p>
+          <a:p>
+            <a:r>
+              <a:rPr lang="ja-JP" altLang="en-US" sz="700" dirty="0" smtClean="0">
+                <a:latin typeface="游ゴシック" panose="020B0400000000000000" pitchFamily="50" charset="-128"/>
+                <a:ea typeface="游ゴシック" panose="020B0400000000000000" pitchFamily="50" charset="-128"/>
+              </a:rPr>
+              <a:t>第</a:t>
+            </a:r>
+            <a:r>
+              <a:rPr lang="en-US" altLang="ja-JP" sz="700" dirty="0" smtClean="0">
+                <a:latin typeface="游ゴシック" panose="020B0400000000000000" pitchFamily="50" charset="-128"/>
+                <a:ea typeface="游ゴシック" panose="020B0400000000000000" pitchFamily="50" charset="-128"/>
+              </a:rPr>
+              <a:t>2</a:t>
+            </a:r>
+            <a:r>
+              <a:rPr lang="ja-JP" altLang="en-US" sz="700" dirty="0" smtClean="0">
+                <a:latin typeface="游ゴシック" panose="020B0400000000000000" pitchFamily="50" charset="-128"/>
+                <a:ea typeface="游ゴシック" panose="020B0400000000000000" pitchFamily="50" charset="-128"/>
+              </a:rPr>
+              <a:t>の開発目標として、ゴールまでの完走であるが、これには是前段で述べたように「ライントレース走行をする」ことが前提である。</a:t>
+            </a:r>
+            <a:endParaRPr lang="en-US" altLang="ja-JP" sz="700" dirty="0" smtClean="0">
+              <a:latin typeface="游ゴシック" panose="020B0400000000000000" pitchFamily="50" charset="-128"/>
+              <a:ea typeface="游ゴシック" panose="020B0400000000000000" pitchFamily="50" charset="-128"/>
+            </a:endParaRPr>
+          </a:p>
+          <a:p>
+            <a:endParaRPr lang="en-US" altLang="ja-JP" sz="700" dirty="0">
+              <a:latin typeface="游ゴシック" panose="020B0400000000000000" pitchFamily="50" charset="-128"/>
+              <a:ea typeface="游ゴシック" panose="020B0400000000000000" pitchFamily="50" charset="-128"/>
+            </a:endParaRPr>
+          </a:p>
+          <a:p>
+            <a:endParaRPr lang="en-US" altLang="ja-JP" sz="700" dirty="0" smtClean="0">
+              <a:latin typeface="游ゴシック" panose="020B0400000000000000" pitchFamily="50" charset="-128"/>
+              <a:ea typeface="游ゴシック" panose="020B0400000000000000" pitchFamily="50" charset="-128"/>
+            </a:endParaRPr>
           </a:p>
         </p:txBody>
       </p:sp>
@@ -4186,8 +5092,8 @@
         </p:nvSpPr>
         <p:spPr>
           <a:xfrm rot="21423746">
-            <a:off x="5964570" y="5698085"/>
-            <a:ext cx="1905565" cy="765485"/>
+            <a:off x="7256805" y="1436665"/>
+            <a:ext cx="1918352" cy="523554"/>
           </a:xfrm>
           <a:prstGeom prst="rect">
             <a:avLst/>
@@ -4227,7 +5133,7 @@
           <a:lstStyle/>
           <a:p>
             <a:r>
-              <a:rPr kumimoji="1" lang="ja-JP" altLang="en-US" sz="1100" b="1" u="sng" dirty="0" smtClean="0">
+              <a:rPr kumimoji="1" lang="ja-JP" altLang="en-US" sz="700" b="1" u="sng" dirty="0" smtClean="0">
                 <a:solidFill>
                   <a:srgbClr val="C00000"/>
                 </a:solidFill>
@@ -4236,7 +5142,7 @@
               </a:rPr>
               <a:t>ショートカットはしない</a:t>
             </a:r>
-            <a:endParaRPr kumimoji="1" lang="en-US" altLang="ja-JP" sz="1100" b="1" u="sng" dirty="0" smtClean="0">
+            <a:endParaRPr kumimoji="1" lang="en-US" altLang="ja-JP" sz="700" b="1" u="sng" dirty="0" smtClean="0">
               <a:solidFill>
                 <a:srgbClr val="C00000"/>
               </a:solidFill>
@@ -4246,801 +5152,36 @@
           </a:p>
           <a:p>
             <a:r>
-              <a:rPr lang="ja-JP" altLang="en-US" sz="1100" b="1" dirty="0" smtClean="0">
+              <a:rPr lang="ja-JP" altLang="en-US" sz="700" b="1" dirty="0" smtClean="0">
                 <a:latin typeface="游ゴシック" panose="020B0400000000000000" pitchFamily="50" charset="-128"/>
                 <a:ea typeface="游ゴシック" panose="020B0400000000000000" pitchFamily="50" charset="-128"/>
               </a:rPr>
               <a:t>理由</a:t>
             </a:r>
-            <a:endParaRPr lang="en-US" altLang="ja-JP" sz="1100" b="1" dirty="0" smtClean="0">
+            <a:endParaRPr lang="en-US" altLang="ja-JP" sz="700" b="1" dirty="0" smtClean="0">
               <a:latin typeface="游ゴシック" panose="020B0400000000000000" pitchFamily="50" charset="-128"/>
               <a:ea typeface="游ゴシック" panose="020B0400000000000000" pitchFamily="50" charset="-128"/>
             </a:endParaRPr>
           </a:p>
           <a:p>
             <a:r>
-              <a:rPr lang="ja-JP" altLang="en-US" sz="1100" dirty="0" smtClean="0">
-                <a:latin typeface="游ゴシック" panose="020B0400000000000000" pitchFamily="50" charset="-128"/>
-                <a:ea typeface="游ゴシック" panose="020B0400000000000000" pitchFamily="50" charset="-128"/>
-              </a:rPr>
-              <a:t>同じコースの同じ場所でしか使えない方法である</a:t>
-            </a:r>
-            <a:r>
-              <a:rPr lang="ja-JP" altLang="en-US" sz="1100" dirty="0">
-                <a:latin typeface="游ゴシック" panose="020B0400000000000000" pitchFamily="50" charset="-128"/>
-                <a:ea typeface="游ゴシック" panose="020B0400000000000000" pitchFamily="50" charset="-128"/>
-              </a:rPr>
-              <a:t>。</a:t>
-            </a:r>
-            <a:endParaRPr kumimoji="1" lang="ja-JP" altLang="en-US" sz="1100" dirty="0">
+              <a:rPr lang="ja-JP" altLang="en-US" sz="700" dirty="0" smtClean="0">
+                <a:latin typeface="游ゴシック" panose="020B0400000000000000" pitchFamily="50" charset="-128"/>
+                <a:ea typeface="游ゴシック" panose="020B0400000000000000" pitchFamily="50" charset="-128"/>
+              </a:rPr>
+              <a:t>同じコースの同じ場所でしか使えない方法である。</a:t>
+            </a:r>
+            <a:endParaRPr kumimoji="1" lang="ja-JP" altLang="en-US" sz="700" dirty="0">
               <a:latin typeface="游ゴシック" panose="020B0400000000000000" pitchFamily="50" charset="-128"/>
               <a:ea typeface="游ゴシック" panose="020B0400000000000000" pitchFamily="50" charset="-128"/>
             </a:endParaRPr>
           </a:p>
         </p:txBody>
       </p:sp>
-      <p:sp>
-        <p:nvSpPr>
-          <p:cNvPr id="7" name="テキスト ボックス 6"/>
-          <p:cNvSpPr txBox="1"/>
-          <p:nvPr/>
-        </p:nvSpPr>
-        <p:spPr>
-          <a:xfrm>
-            <a:off x="5736654" y="1407054"/>
-            <a:ext cx="2945684" cy="1569660"/>
-          </a:xfrm>
-          <a:prstGeom prst="rect">
-            <a:avLst/>
-          </a:prstGeom>
-          <a:noFill/>
-        </p:spPr>
-        <p:txBody>
-          <a:bodyPr wrap="square" rtlCol="0">
-            <a:spAutoFit/>
-          </a:bodyPr>
-          <a:lstStyle/>
-          <a:p>
-            <a:r>
-              <a:rPr kumimoji="1" lang="ja-JP" altLang="en-US" sz="800" dirty="0" smtClean="0"/>
-              <a:t>前提要件</a:t>
-            </a:r>
-            <a:endParaRPr kumimoji="1" lang="en-US" altLang="ja-JP" sz="800" dirty="0" smtClean="0"/>
-          </a:p>
-          <a:p>
-            <a:r>
-              <a:rPr kumimoji="1" lang="ja-JP" altLang="en-US" sz="800" dirty="0" smtClean="0">
-                <a:solidFill>
-                  <a:srgbClr val="FF0000"/>
-                </a:solidFill>
-              </a:rPr>
-              <a:t>どんなコースでも</a:t>
-            </a:r>
-            <a:endParaRPr lang="en-US" altLang="ja-JP" sz="800" dirty="0"/>
-          </a:p>
-          <a:p>
-            <a:r>
-              <a:rPr kumimoji="1" lang="ja-JP" altLang="en-US" sz="800" dirty="0" smtClean="0"/>
-              <a:t>とはどんなコースを想定しているのか、高低差があっても大丈夫か、</a:t>
-            </a:r>
-            <a:r>
-              <a:rPr lang="ja-JP" altLang="en-US" sz="800" dirty="0" smtClean="0"/>
-              <a:t>例えば、坂道発進できるのか？急峻な上り坂、下り坂を想定しているのか？</a:t>
-            </a:r>
-            <a:endParaRPr lang="en-US" altLang="ja-JP" sz="800" dirty="0" smtClean="0"/>
-          </a:p>
-          <a:p>
-            <a:endParaRPr lang="en-US" altLang="ja-JP" sz="800" dirty="0" smtClean="0"/>
-          </a:p>
-          <a:p>
-            <a:r>
-              <a:rPr lang="ja-JP" altLang="en-US" sz="800" dirty="0" smtClean="0"/>
-              <a:t>コースというものをきちんと定義したほうが良い</a:t>
-            </a:r>
-            <a:endParaRPr lang="en-US" altLang="ja-JP" sz="800" dirty="0" smtClean="0"/>
-          </a:p>
-          <a:p>
-            <a:endParaRPr lang="en-US" altLang="ja-JP" sz="800" dirty="0"/>
-          </a:p>
-          <a:p>
-            <a:r>
-              <a:rPr lang="ja-JP" altLang="en-US" sz="800" dirty="0" smtClean="0"/>
-              <a:t>森のくまさんにとっては、コースとはラインによって決まり、ラインをトレースした先にあるのが</a:t>
-            </a:r>
-            <a:r>
-              <a:rPr lang="en-US" altLang="ja-JP" sz="800" dirty="0" smtClean="0"/>
-              <a:t>GOAL</a:t>
-            </a:r>
-            <a:r>
-              <a:rPr lang="ja-JP" altLang="en-US" sz="800" dirty="0" smtClean="0"/>
-              <a:t>であること。</a:t>
-            </a:r>
-            <a:endParaRPr lang="en-US" altLang="ja-JP" sz="800" dirty="0" smtClean="0"/>
-          </a:p>
-          <a:p>
-            <a:endParaRPr lang="en-US" altLang="ja-JP" sz="800" dirty="0"/>
-          </a:p>
-          <a:p>
-            <a:r>
-              <a:rPr lang="ja-JP" altLang="en-US" sz="800" dirty="0" smtClean="0"/>
-              <a:t>客や荷物を運ぶタクシーやトラックを想定してみたら、どうか？</a:t>
-            </a:r>
-            <a:endParaRPr lang="en-US" altLang="ja-JP" sz="800" dirty="0"/>
-          </a:p>
-        </p:txBody>
-      </p:sp>
-      <p:sp>
-        <p:nvSpPr>
-          <p:cNvPr id="18" name="テキスト ボックス 17"/>
-          <p:cNvSpPr txBox="1"/>
-          <p:nvPr/>
-        </p:nvSpPr>
-        <p:spPr>
-          <a:xfrm>
-            <a:off x="3194636" y="3285223"/>
-            <a:ext cx="2288784" cy="2554545"/>
-          </a:xfrm>
-          <a:prstGeom prst="rect">
-            <a:avLst/>
-          </a:prstGeom>
-          <a:noFill/>
-        </p:spPr>
-        <p:txBody>
-          <a:bodyPr wrap="square" rtlCol="0">
-            <a:spAutoFit/>
-          </a:bodyPr>
-          <a:lstStyle/>
-          <a:p>
-            <a:r>
-              <a:rPr lang="ja-JP" altLang="en-US" sz="800" dirty="0" smtClean="0"/>
-              <a:t>一度でも転んだら、</a:t>
-            </a:r>
-            <a:r>
-              <a:rPr lang="en-US" altLang="ja-JP" sz="800" dirty="0" smtClean="0"/>
-              <a:t>GOAL</a:t>
-            </a:r>
-            <a:r>
-              <a:rPr lang="ja-JP" altLang="en-US" sz="800" dirty="0" smtClean="0"/>
-              <a:t>ができない。</a:t>
-            </a:r>
-            <a:endParaRPr lang="en-US" altLang="ja-JP" sz="800" dirty="0" smtClean="0"/>
-          </a:p>
-          <a:p>
-            <a:endParaRPr lang="en-US" altLang="ja-JP" sz="800" dirty="0" smtClean="0"/>
-          </a:p>
-          <a:p>
-            <a:r>
-              <a:rPr lang="ja-JP" altLang="en-US" sz="800" dirty="0" smtClean="0"/>
-              <a:t>転ぶリスクが高い部分は、どこか？</a:t>
-            </a:r>
-            <a:endParaRPr lang="en-US" altLang="ja-JP" sz="800" dirty="0" smtClean="0"/>
-          </a:p>
-          <a:p>
-            <a:endParaRPr lang="en-US" altLang="ja-JP" sz="800" dirty="0"/>
-          </a:p>
-          <a:p>
-            <a:r>
-              <a:rPr lang="ja-JP" altLang="en-US" sz="800" dirty="0" smtClean="0"/>
-              <a:t>スタート時である。</a:t>
-            </a:r>
-            <a:endParaRPr lang="en-US" altLang="ja-JP" sz="800" dirty="0" smtClean="0"/>
-          </a:p>
-          <a:p>
-            <a:r>
-              <a:rPr lang="en-US" altLang="ja-JP" sz="800" dirty="0" smtClean="0"/>
-              <a:t>(</a:t>
-            </a:r>
-            <a:r>
-              <a:rPr lang="ja-JP" altLang="en-US" sz="800" dirty="0" smtClean="0"/>
-              <a:t>と、考えた。あるいは実際に走行させたら、スタート時にコツがいる</a:t>
-            </a:r>
-            <a:r>
-              <a:rPr lang="en-US" altLang="ja-JP" sz="800" dirty="0" smtClean="0"/>
-              <a:t>)</a:t>
-            </a:r>
-            <a:r>
-              <a:rPr lang="ja-JP" altLang="en-US" sz="800" dirty="0" smtClean="0"/>
-              <a:t>→マニュアル車のようなもの</a:t>
-            </a:r>
-            <a:endParaRPr lang="en-US" altLang="ja-JP" sz="800" dirty="0" smtClean="0"/>
-          </a:p>
-          <a:p>
-            <a:endParaRPr lang="en-US" altLang="ja-JP" sz="800" dirty="0"/>
-          </a:p>
-          <a:p>
-            <a:r>
-              <a:rPr lang="ja-JP" altLang="en-US" sz="800" dirty="0">
-                <a:solidFill>
-                  <a:srgbClr val="FF0000"/>
-                </a:solidFill>
-              </a:rPr>
-              <a:t>・ジャイロセンサーの値の不安定さ。</a:t>
-            </a:r>
-            <a:endParaRPr lang="en-US" altLang="ja-JP" sz="800" dirty="0">
-              <a:solidFill>
-                <a:srgbClr val="FF0000"/>
-              </a:solidFill>
-            </a:endParaRPr>
-          </a:p>
-          <a:p>
-            <a:r>
-              <a:rPr lang="ja-JP" altLang="en-US" sz="800" dirty="0">
-                <a:solidFill>
-                  <a:srgbClr val="FF0000"/>
-                </a:solidFill>
-              </a:rPr>
-              <a:t>・走行体のスタート位置。</a:t>
-            </a:r>
-            <a:endParaRPr lang="en-US" altLang="ja-JP" sz="800" dirty="0">
-              <a:solidFill>
-                <a:srgbClr val="FF0000"/>
-              </a:solidFill>
-            </a:endParaRPr>
-          </a:p>
-          <a:p>
-            <a:r>
-              <a:rPr lang="ja-JP" altLang="en-US" sz="800" dirty="0">
-                <a:solidFill>
-                  <a:srgbClr val="FF0000"/>
-                </a:solidFill>
-              </a:rPr>
-              <a:t>・ラインを見失う。</a:t>
-            </a:r>
-            <a:endParaRPr lang="en-US" altLang="ja-JP" sz="800" dirty="0">
-              <a:solidFill>
-                <a:srgbClr val="FF0000"/>
-              </a:solidFill>
-            </a:endParaRPr>
-          </a:p>
-          <a:p>
-            <a:r>
-              <a:rPr lang="ja-JP" altLang="en-US" sz="800" dirty="0">
-                <a:solidFill>
-                  <a:srgbClr val="FF0000"/>
-                </a:solidFill>
-              </a:rPr>
-              <a:t>・タッチセンサーの押し下げによる衝撃</a:t>
-            </a:r>
-            <a:endParaRPr lang="en-US" altLang="ja-JP" sz="800" dirty="0">
-              <a:solidFill>
-                <a:srgbClr val="FF0000"/>
-              </a:solidFill>
-            </a:endParaRPr>
-          </a:p>
-          <a:p>
-            <a:endParaRPr lang="en-US" altLang="ja-JP" sz="800" dirty="0"/>
-          </a:p>
-          <a:p>
-            <a:r>
-              <a:rPr lang="ja-JP" altLang="en-US" sz="800" dirty="0" smtClean="0"/>
-              <a:t>これを、高級車、</a:t>
-            </a:r>
-            <a:r>
-              <a:rPr lang="en-US" altLang="ja-JP" sz="800" dirty="0" smtClean="0"/>
-              <a:t>AT</a:t>
-            </a:r>
-            <a:r>
-              <a:rPr lang="ja-JP" altLang="en-US" sz="800" dirty="0" smtClean="0"/>
-              <a:t>車、ハイブリッド車のようにきれいに発進させてた</a:t>
-            </a:r>
-            <a:r>
-              <a:rPr lang="ja-JP" altLang="en-US" sz="800" dirty="0" err="1" smtClean="0"/>
-              <a:t>い</a:t>
-            </a:r>
-            <a:r>
-              <a:rPr lang="ja-JP" altLang="en-US" sz="800" dirty="0" smtClean="0"/>
-              <a:t>。</a:t>
-            </a:r>
-            <a:endParaRPr lang="en-US" altLang="ja-JP" sz="800" dirty="0" smtClean="0"/>
-          </a:p>
-          <a:p>
-            <a:endParaRPr lang="en-US" altLang="ja-JP" sz="800" dirty="0" smtClean="0"/>
-          </a:p>
-          <a:p>
-            <a:r>
-              <a:rPr lang="ja-JP" altLang="en-US" sz="800" dirty="0" smtClean="0"/>
-              <a:t>誰が発進の操作をしても、倒れることなく安定して発進できる</a:t>
-            </a:r>
-            <a:endParaRPr lang="en-US" altLang="ja-JP" sz="800" dirty="0" smtClean="0"/>
-          </a:p>
-          <a:p>
-            <a:endParaRPr lang="en-US" altLang="ja-JP" sz="800" dirty="0"/>
-          </a:p>
-        </p:txBody>
-      </p:sp>
-      <p:sp>
-        <p:nvSpPr>
-          <p:cNvPr id="19" name="テキスト ボックス 18"/>
-          <p:cNvSpPr txBox="1"/>
-          <p:nvPr/>
-        </p:nvSpPr>
-        <p:spPr>
-          <a:xfrm>
-            <a:off x="5760202" y="3255758"/>
-            <a:ext cx="2945684" cy="2554545"/>
-          </a:xfrm>
-          <a:prstGeom prst="rect">
-            <a:avLst/>
-          </a:prstGeom>
-          <a:noFill/>
-        </p:spPr>
-        <p:txBody>
-          <a:bodyPr wrap="square" rtlCol="0">
-            <a:spAutoFit/>
-          </a:bodyPr>
-          <a:lstStyle/>
-          <a:p>
-            <a:r>
-              <a:rPr lang="ja-JP" altLang="en-US" sz="800" dirty="0" smtClean="0"/>
-              <a:t>ライントレースについて</a:t>
-            </a:r>
-            <a:endParaRPr lang="en-US" altLang="ja-JP" sz="800" dirty="0" smtClean="0"/>
-          </a:p>
-          <a:p>
-            <a:endParaRPr lang="en-US" altLang="ja-JP" sz="800" dirty="0"/>
-          </a:p>
-          <a:p>
-            <a:r>
-              <a:rPr lang="ja-JP" altLang="en-US" sz="800" dirty="0" smtClean="0"/>
-              <a:t>ラインをトレースするのが</a:t>
-            </a:r>
-            <a:r>
-              <a:rPr lang="en-US" altLang="ja-JP" sz="800" dirty="0" smtClean="0"/>
-              <a:t>GOAL</a:t>
-            </a:r>
-            <a:r>
-              <a:rPr lang="ja-JP" altLang="en-US" sz="800" dirty="0" err="1" smtClean="0"/>
-              <a:t>までの</a:t>
-            </a:r>
-            <a:r>
-              <a:rPr lang="ja-JP" altLang="en-US" sz="800" dirty="0" smtClean="0"/>
-              <a:t>最も確実な走行方法である、</a:t>
-            </a:r>
-            <a:endParaRPr lang="en-US" altLang="ja-JP" sz="800" dirty="0" smtClean="0"/>
-          </a:p>
-          <a:p>
-            <a:r>
-              <a:rPr lang="ja-JP" altLang="en-US" sz="800" dirty="0" smtClean="0"/>
-              <a:t>とまず考える。</a:t>
-            </a:r>
-            <a:endParaRPr lang="en-US" altLang="ja-JP" sz="800" dirty="0" smtClean="0"/>
-          </a:p>
-          <a:p>
-            <a:endParaRPr lang="en-US" altLang="ja-JP" sz="800" dirty="0"/>
-          </a:p>
-          <a:p>
-            <a:r>
-              <a:rPr lang="ja-JP" altLang="en-US" sz="800" dirty="0" smtClean="0"/>
-              <a:t>コースの距離や方向カーブが変わってもラインを確実にトレースできれば、</a:t>
-            </a:r>
-            <a:r>
-              <a:rPr lang="en-US" altLang="ja-JP" sz="800" dirty="0" smtClean="0"/>
-              <a:t>GOAL</a:t>
-            </a:r>
-            <a:r>
-              <a:rPr lang="ja-JP" altLang="en-US" sz="800" dirty="0" smtClean="0"/>
-              <a:t>できるから。</a:t>
-            </a:r>
-            <a:endParaRPr lang="en-US" altLang="ja-JP" sz="800" dirty="0" smtClean="0"/>
-          </a:p>
-          <a:p>
-            <a:endParaRPr lang="en-US" altLang="ja-JP" sz="800" dirty="0"/>
-          </a:p>
-          <a:p>
-            <a:r>
-              <a:rPr lang="ja-JP" altLang="en-US" sz="800" dirty="0" smtClean="0"/>
-              <a:t>だからこそのライントレース。「汎用性」という一言で表現しないこと。</a:t>
-            </a:r>
-            <a:endParaRPr lang="en-US" altLang="ja-JP" sz="800" dirty="0" smtClean="0"/>
-          </a:p>
-          <a:p>
-            <a:endParaRPr lang="en-US" altLang="ja-JP" sz="800" dirty="0" smtClean="0"/>
-          </a:p>
-          <a:p>
-            <a:r>
-              <a:rPr lang="ja-JP" altLang="en-US" sz="800" dirty="0" smtClean="0"/>
-              <a:t>ライントレースのリスク</a:t>
-            </a:r>
-            <a:r>
-              <a:rPr lang="en-US" altLang="ja-JP" sz="800" dirty="0" smtClean="0"/>
-              <a:t>(</a:t>
-            </a:r>
-            <a:r>
-              <a:rPr lang="ja-JP" altLang="en-US" sz="800" dirty="0" smtClean="0"/>
-              <a:t>大きく２つ）</a:t>
-            </a:r>
-            <a:endParaRPr lang="en-US" altLang="ja-JP" sz="800" dirty="0" smtClean="0"/>
-          </a:p>
-          <a:p>
-            <a:r>
-              <a:rPr lang="ja-JP" altLang="en-US" sz="800" dirty="0" smtClean="0"/>
-              <a:t>＜駆動に関わるもの＞</a:t>
-            </a:r>
-            <a:endParaRPr lang="en-US" altLang="ja-JP" sz="800" dirty="0" smtClean="0"/>
-          </a:p>
-          <a:p>
-            <a:r>
-              <a:rPr lang="ja-JP" altLang="en-US" sz="800" dirty="0" smtClean="0">
-                <a:solidFill>
-                  <a:srgbClr val="FF0000"/>
-                </a:solidFill>
-              </a:rPr>
-              <a:t> ・スピードの出し過ぎ</a:t>
-            </a:r>
-            <a:endParaRPr lang="en-US" altLang="ja-JP" sz="800" dirty="0" smtClean="0">
-              <a:solidFill>
-                <a:srgbClr val="FF0000"/>
-              </a:solidFill>
-            </a:endParaRPr>
-          </a:p>
-          <a:p>
-            <a:r>
-              <a:rPr lang="ja-JP" altLang="en-US" sz="800" dirty="0" smtClean="0">
-                <a:solidFill>
-                  <a:srgbClr val="FF0000"/>
-                </a:solidFill>
-              </a:rPr>
-              <a:t> ・カーブのはみだし</a:t>
-            </a:r>
-            <a:r>
-              <a:rPr lang="en-US" altLang="ja-JP" sz="800" dirty="0" smtClean="0">
-                <a:solidFill>
-                  <a:srgbClr val="FF0000"/>
-                </a:solidFill>
-              </a:rPr>
-              <a:t>(</a:t>
-            </a:r>
-            <a:r>
-              <a:rPr lang="ja-JP" altLang="en-US" sz="800" dirty="0" smtClean="0">
-                <a:solidFill>
-                  <a:srgbClr val="FF0000"/>
-                </a:solidFill>
-              </a:rPr>
-              <a:t>アンダーステア</a:t>
-            </a:r>
-            <a:r>
-              <a:rPr lang="en-US" altLang="ja-JP" sz="800" dirty="0" smtClean="0">
-                <a:solidFill>
-                  <a:srgbClr val="FF0000"/>
-                </a:solidFill>
-              </a:rPr>
-              <a:t>)</a:t>
-            </a:r>
-          </a:p>
-          <a:p>
-            <a:r>
-              <a:rPr lang="ja-JP" altLang="en-US" sz="800" dirty="0" smtClean="0">
-                <a:solidFill>
-                  <a:srgbClr val="FF0000"/>
-                </a:solidFill>
-              </a:rPr>
-              <a:t> ・ハンドルの切りすぎ</a:t>
-            </a:r>
-            <a:r>
-              <a:rPr lang="en-US" altLang="ja-JP" sz="800" dirty="0" smtClean="0">
-                <a:solidFill>
-                  <a:srgbClr val="FF0000"/>
-                </a:solidFill>
-              </a:rPr>
-              <a:t>(</a:t>
-            </a:r>
-            <a:r>
-              <a:rPr lang="ja-JP" altLang="en-US" sz="800" dirty="0" smtClean="0">
-                <a:solidFill>
-                  <a:srgbClr val="FF0000"/>
-                </a:solidFill>
-              </a:rPr>
-              <a:t>オーバーステア</a:t>
-            </a:r>
-            <a:r>
-              <a:rPr lang="en-US" altLang="ja-JP" sz="800" dirty="0" smtClean="0"/>
-              <a:t>)</a:t>
-            </a:r>
-          </a:p>
-          <a:p>
-            <a:endParaRPr lang="en-US" altLang="ja-JP" sz="800" dirty="0"/>
-          </a:p>
-          <a:p>
-            <a:r>
-              <a:rPr lang="ja-JP" altLang="en-US" sz="800" dirty="0" smtClean="0"/>
-              <a:t>＜センサーに関わるもの＞</a:t>
-            </a:r>
-            <a:endParaRPr lang="en-US" altLang="ja-JP" sz="800" dirty="0"/>
-          </a:p>
-          <a:p>
-            <a:r>
-              <a:rPr lang="ja-JP" altLang="en-US" sz="800" dirty="0" smtClean="0">
-                <a:solidFill>
-                  <a:srgbClr val="FF0000"/>
-                </a:solidFill>
-              </a:rPr>
-              <a:t> ・ラインを見失う</a:t>
-            </a:r>
-            <a:r>
-              <a:rPr lang="en-US" altLang="ja-JP" sz="800" dirty="0" smtClean="0">
-                <a:solidFill>
-                  <a:srgbClr val="FF0000"/>
-                </a:solidFill>
-              </a:rPr>
-              <a:t>(</a:t>
-            </a:r>
-            <a:r>
-              <a:rPr lang="ja-JP" altLang="en-US" sz="800" dirty="0" smtClean="0">
-                <a:solidFill>
-                  <a:srgbClr val="FF0000"/>
-                </a:solidFill>
-              </a:rPr>
-              <a:t>光センサの値の捕り方</a:t>
-            </a:r>
-            <a:r>
-              <a:rPr lang="en-US" altLang="ja-JP" sz="800" dirty="0" smtClean="0">
-                <a:solidFill>
-                  <a:srgbClr val="FF0000"/>
-                </a:solidFill>
-              </a:rPr>
-              <a:t>)</a:t>
-            </a:r>
-          </a:p>
-          <a:p>
-            <a:endParaRPr lang="en-US" altLang="ja-JP" sz="800" dirty="0"/>
-          </a:p>
-        </p:txBody>
-      </p:sp>
-      <p:sp>
-        <p:nvSpPr>
-          <p:cNvPr id="10" name="テキスト ボックス 9"/>
-          <p:cNvSpPr txBox="1"/>
-          <p:nvPr/>
-        </p:nvSpPr>
-        <p:spPr>
-          <a:xfrm>
-            <a:off x="3179427" y="1225196"/>
-            <a:ext cx="1968929" cy="2185214"/>
-          </a:xfrm>
-          <a:prstGeom prst="rect">
-            <a:avLst/>
-          </a:prstGeom>
-          <a:noFill/>
-        </p:spPr>
-        <p:txBody>
-          <a:bodyPr wrap="square" rtlCol="0">
-            <a:spAutoFit/>
-          </a:bodyPr>
-          <a:lstStyle/>
-          <a:p>
-            <a:r>
-              <a:rPr lang="ja-JP" altLang="en-US" sz="800" b="1" dirty="0">
-                <a:solidFill>
-                  <a:schemeClr val="accent1"/>
-                </a:solidFill>
-                <a:latin typeface="游ゴシック" panose="020B0400000000000000" pitchFamily="50" charset="-128"/>
-                <a:ea typeface="游ゴシック" panose="020B0400000000000000" pitchFamily="50" charset="-128"/>
-              </a:rPr>
-              <a:t>走行戦略の概要</a:t>
-            </a:r>
-            <a:endParaRPr lang="en-US" altLang="ja-JP" sz="800" b="1" dirty="0">
-              <a:solidFill>
-                <a:schemeClr val="accent1"/>
-              </a:solidFill>
-              <a:latin typeface="游ゴシック" panose="020B0400000000000000" pitchFamily="50" charset="-128"/>
-              <a:ea typeface="游ゴシック" panose="020B0400000000000000" pitchFamily="50" charset="-128"/>
-            </a:endParaRPr>
-          </a:p>
-          <a:p>
-            <a:r>
-              <a:rPr lang="en-US" altLang="ja-JP" sz="800" b="1" dirty="0">
-                <a:solidFill>
-                  <a:srgbClr val="C00000"/>
-                </a:solidFill>
-                <a:latin typeface="游ゴシック" panose="020B0400000000000000" pitchFamily="50" charset="-128"/>
-                <a:ea typeface="游ゴシック" panose="020B0400000000000000" pitchFamily="50" charset="-128"/>
-              </a:rPr>
-              <a:t>A – 1. </a:t>
-            </a:r>
-            <a:r>
-              <a:rPr lang="ja-JP" altLang="en-US" sz="800" b="1" dirty="0">
-                <a:solidFill>
-                  <a:srgbClr val="C00000"/>
-                </a:solidFill>
-                <a:latin typeface="游ゴシック" panose="020B0400000000000000" pitchFamily="50" charset="-128"/>
-                <a:ea typeface="游ゴシック" panose="020B0400000000000000" pitchFamily="50" charset="-128"/>
-              </a:rPr>
-              <a:t>ラインにそって走行する。</a:t>
-            </a:r>
-            <a:endParaRPr lang="en-US" altLang="ja-JP" sz="800" b="1" dirty="0">
-              <a:solidFill>
-                <a:srgbClr val="C00000"/>
-              </a:solidFill>
-              <a:latin typeface="游ゴシック" panose="020B0400000000000000" pitchFamily="50" charset="-128"/>
-              <a:ea typeface="游ゴシック" panose="020B0400000000000000" pitchFamily="50" charset="-128"/>
-            </a:endParaRPr>
-          </a:p>
-          <a:p>
-            <a:endParaRPr lang="en-US" altLang="ja-JP" sz="800" dirty="0">
-              <a:solidFill>
-                <a:srgbClr val="C00000"/>
-              </a:solidFill>
-              <a:latin typeface="游ゴシック" panose="020B0400000000000000" pitchFamily="50" charset="-128"/>
-              <a:ea typeface="游ゴシック" panose="020B0400000000000000" pitchFamily="50" charset="-128"/>
-            </a:endParaRPr>
-          </a:p>
-          <a:p>
-            <a:r>
-              <a:rPr lang="en-US" altLang="ja-JP" sz="800" u="sng" dirty="0">
-                <a:solidFill>
-                  <a:srgbClr val="C00000"/>
-                </a:solidFill>
-                <a:latin typeface="游ゴシック" panose="020B0400000000000000" pitchFamily="50" charset="-128"/>
-                <a:ea typeface="游ゴシック" panose="020B0400000000000000" pitchFamily="50" charset="-128"/>
-              </a:rPr>
-              <a:t>1. </a:t>
-            </a:r>
-            <a:r>
-              <a:rPr lang="ja-JP" altLang="en-US" sz="800" u="sng" dirty="0">
-                <a:solidFill>
-                  <a:srgbClr val="C00000"/>
-                </a:solidFill>
-                <a:latin typeface="游ゴシック" panose="020B0400000000000000" pitchFamily="50" charset="-128"/>
-                <a:ea typeface="游ゴシック" panose="020B0400000000000000" pitchFamily="50" charset="-128"/>
-              </a:rPr>
-              <a:t>ライントレース</a:t>
-            </a:r>
-            <a:endParaRPr lang="en-US" altLang="ja-JP" sz="800" u="sng" dirty="0">
-              <a:solidFill>
-                <a:srgbClr val="C00000"/>
-              </a:solidFill>
-              <a:latin typeface="游ゴシック" panose="020B0400000000000000" pitchFamily="50" charset="-128"/>
-              <a:ea typeface="游ゴシック" panose="020B0400000000000000" pitchFamily="50" charset="-128"/>
-            </a:endParaRPr>
-          </a:p>
-          <a:p>
-            <a:endParaRPr lang="en-US" altLang="ja-JP" sz="800" dirty="0">
-              <a:latin typeface="游ゴシック" panose="020B0400000000000000" pitchFamily="50" charset="-128"/>
-              <a:ea typeface="游ゴシック" panose="020B0400000000000000" pitchFamily="50" charset="-128"/>
-            </a:endParaRPr>
-          </a:p>
-          <a:p>
-            <a:r>
-              <a:rPr lang="ja-JP" altLang="en-US" sz="800" dirty="0">
-                <a:latin typeface="游ゴシック" panose="020B0400000000000000" pitchFamily="50" charset="-128"/>
-                <a:ea typeface="游ゴシック" panose="020B0400000000000000" pitchFamily="50" charset="-128"/>
-              </a:rPr>
-              <a:t>ゴールまでたどり着くのにも、</a:t>
-            </a:r>
-            <a:endParaRPr lang="en-US" altLang="ja-JP" sz="800" dirty="0">
-              <a:latin typeface="游ゴシック" panose="020B0400000000000000" pitchFamily="50" charset="-128"/>
-              <a:ea typeface="游ゴシック" panose="020B0400000000000000" pitchFamily="50" charset="-128"/>
-            </a:endParaRPr>
-          </a:p>
-          <a:p>
-            <a:r>
-              <a:rPr lang="ja-JP" altLang="en-US" sz="800" dirty="0">
-                <a:solidFill>
-                  <a:srgbClr val="FF0000"/>
-                </a:solidFill>
-                <a:latin typeface="游ゴシック" panose="020B0400000000000000" pitchFamily="50" charset="-128"/>
-                <a:ea typeface="游ゴシック" panose="020B0400000000000000" pitchFamily="50" charset="-128"/>
-              </a:rPr>
-              <a:t>どんなコースでも</a:t>
-            </a:r>
-            <a:r>
-              <a:rPr lang="ja-JP" altLang="en-US" sz="800" dirty="0">
-                <a:latin typeface="游ゴシック" panose="020B0400000000000000" pitchFamily="50" charset="-128"/>
-                <a:ea typeface="游ゴシック" panose="020B0400000000000000" pitchFamily="50" charset="-128"/>
-              </a:rPr>
-              <a:t>走れるようにするにも、</a:t>
-            </a:r>
-            <a:endParaRPr lang="en-US" altLang="ja-JP" sz="800" dirty="0">
-              <a:latin typeface="游ゴシック" panose="020B0400000000000000" pitchFamily="50" charset="-128"/>
-              <a:ea typeface="游ゴシック" panose="020B0400000000000000" pitchFamily="50" charset="-128"/>
-            </a:endParaRPr>
-          </a:p>
-          <a:p>
-            <a:r>
-              <a:rPr lang="ja-JP" altLang="en-US" sz="800" dirty="0">
-                <a:latin typeface="游ゴシック" panose="020B0400000000000000" pitchFamily="50" charset="-128"/>
-                <a:ea typeface="游ゴシック" panose="020B0400000000000000" pitchFamily="50" charset="-128"/>
-              </a:rPr>
-              <a:t>必要不可欠なものです。</a:t>
-            </a:r>
-            <a:endParaRPr lang="en-US" altLang="ja-JP" sz="800" dirty="0">
-              <a:latin typeface="游ゴシック" panose="020B0400000000000000" pitchFamily="50" charset="-128"/>
-              <a:ea typeface="游ゴシック" panose="020B0400000000000000" pitchFamily="50" charset="-128"/>
-            </a:endParaRPr>
-          </a:p>
-          <a:p>
-            <a:endParaRPr lang="en-US" altLang="ja-JP" sz="800" dirty="0">
-              <a:latin typeface="游ゴシック" panose="020B0400000000000000" pitchFamily="50" charset="-128"/>
-              <a:ea typeface="游ゴシック" panose="020B0400000000000000" pitchFamily="50" charset="-128"/>
-            </a:endParaRPr>
-          </a:p>
-          <a:p>
-            <a:endParaRPr lang="en-US" altLang="ja-JP" sz="800" strike="sngStrike" dirty="0">
-              <a:latin typeface="游ゴシック" panose="020B0400000000000000" pitchFamily="50" charset="-128"/>
-              <a:ea typeface="游ゴシック" panose="020B0400000000000000" pitchFamily="50" charset="-128"/>
-            </a:endParaRPr>
-          </a:p>
-          <a:p>
-            <a:r>
-              <a:rPr lang="ja-JP" altLang="en-US" sz="800" strike="sngStrike" dirty="0">
-                <a:latin typeface="游ゴシック" panose="020B0400000000000000" pitchFamily="50" charset="-128"/>
-                <a:ea typeface="游ゴシック" panose="020B0400000000000000" pitchFamily="50" charset="-128"/>
-              </a:rPr>
-              <a:t>ライントレースには、</a:t>
-            </a:r>
-            <a:endParaRPr lang="en-US" altLang="ja-JP" sz="800" strike="sngStrike" dirty="0">
-              <a:latin typeface="游ゴシック" panose="020B0400000000000000" pitchFamily="50" charset="-128"/>
-              <a:ea typeface="游ゴシック" panose="020B0400000000000000" pitchFamily="50" charset="-128"/>
-            </a:endParaRPr>
-          </a:p>
-          <a:p>
-            <a:r>
-              <a:rPr lang="ja-JP" altLang="en-US" sz="800" strike="sngStrike" dirty="0">
-                <a:latin typeface="游ゴシック" panose="020B0400000000000000" pitchFamily="50" charset="-128"/>
-                <a:ea typeface="游ゴシック" panose="020B0400000000000000" pitchFamily="50" charset="-128"/>
-              </a:rPr>
-              <a:t>・</a:t>
-            </a:r>
-            <a:r>
-              <a:rPr lang="en-US" altLang="ja-JP" sz="800" strike="sngStrike" dirty="0">
-                <a:latin typeface="游ゴシック" panose="020B0400000000000000" pitchFamily="50" charset="-128"/>
-                <a:ea typeface="游ゴシック" panose="020B0400000000000000" pitchFamily="50" charset="-128"/>
-              </a:rPr>
-              <a:t>PID</a:t>
-            </a:r>
-            <a:r>
-              <a:rPr lang="ja-JP" altLang="en-US" sz="800" strike="sngStrike" dirty="0">
-                <a:latin typeface="游ゴシック" panose="020B0400000000000000" pitchFamily="50" charset="-128"/>
-                <a:ea typeface="游ゴシック" panose="020B0400000000000000" pitchFamily="50" charset="-128"/>
-              </a:rPr>
-              <a:t>制御</a:t>
-            </a:r>
-            <a:endParaRPr lang="en-US" altLang="ja-JP" sz="800" strike="sngStrike" dirty="0">
-              <a:latin typeface="游ゴシック" panose="020B0400000000000000" pitchFamily="50" charset="-128"/>
-              <a:ea typeface="游ゴシック" panose="020B0400000000000000" pitchFamily="50" charset="-128"/>
-            </a:endParaRPr>
-          </a:p>
-          <a:p>
-            <a:r>
-              <a:rPr lang="ja-JP" altLang="en-US" sz="800" strike="sngStrike" dirty="0">
-                <a:latin typeface="游ゴシック" panose="020B0400000000000000" pitchFamily="50" charset="-128"/>
-                <a:ea typeface="游ゴシック" panose="020B0400000000000000" pitchFamily="50" charset="-128"/>
-              </a:rPr>
-              <a:t>・速度調整</a:t>
-            </a:r>
-            <a:endParaRPr lang="en-US" altLang="ja-JP" sz="800" strike="sngStrike" dirty="0">
-              <a:latin typeface="游ゴシック" panose="020B0400000000000000" pitchFamily="50" charset="-128"/>
-              <a:ea typeface="游ゴシック" panose="020B0400000000000000" pitchFamily="50" charset="-128"/>
-            </a:endParaRPr>
-          </a:p>
-          <a:p>
-            <a:r>
-              <a:rPr lang="ja-JP" altLang="en-US" sz="800" strike="sngStrike" dirty="0">
-                <a:latin typeface="游ゴシック" panose="020B0400000000000000" pitchFamily="50" charset="-128"/>
-                <a:ea typeface="游ゴシック" panose="020B0400000000000000" pitchFamily="50" charset="-128"/>
-              </a:rPr>
-              <a:t>・環境光対策</a:t>
-            </a:r>
-            <a:endParaRPr lang="en-US" altLang="ja-JP" sz="800" strike="sngStrike" dirty="0">
-              <a:latin typeface="游ゴシック" panose="020B0400000000000000" pitchFamily="50" charset="-128"/>
-              <a:ea typeface="游ゴシック" panose="020B0400000000000000" pitchFamily="50" charset="-128"/>
-            </a:endParaRPr>
-          </a:p>
-          <a:p>
-            <a:endParaRPr lang="en-US" altLang="ja-JP" sz="800" dirty="0">
-              <a:latin typeface="游ゴシック" panose="020B0400000000000000" pitchFamily="50" charset="-128"/>
-              <a:ea typeface="游ゴシック" panose="020B0400000000000000" pitchFamily="50" charset="-128"/>
-            </a:endParaRPr>
-          </a:p>
-          <a:p>
-            <a:endParaRPr kumimoji="1" lang="ja-JP" altLang="en-US" sz="800" dirty="0"/>
-          </a:p>
-        </p:txBody>
-      </p:sp>
     </p:spTree>
     <p:extLst>
       <p:ext uri="{BB962C8B-B14F-4D97-AF65-F5344CB8AC3E}">
-        <p14:creationId xmlns:p14="http://schemas.microsoft.com/office/powerpoint/2010/main" val="1055576379"/>
+        <p14:creationId xmlns:p14="http://schemas.microsoft.com/office/powerpoint/2010/main" val="3641168935"/>
       </p:ext>
     </p:extLst>
   </p:cSld>
@@ -5442,7 +5583,7 @@
         </p:nvSpPr>
         <p:spPr>
           <a:xfrm>
-            <a:off x="10426" y="1171890"/>
+            <a:off x="10425" y="1167178"/>
             <a:ext cx="2980766" cy="3577530"/>
           </a:xfrm>
           <a:prstGeom prst="rect">
@@ -5498,7 +5639,7 @@
         </p:nvSpPr>
         <p:spPr>
           <a:xfrm>
-            <a:off x="3112581" y="61834"/>
+            <a:off x="3174924" y="0"/>
             <a:ext cx="6023883" cy="6580414"/>
           </a:xfrm>
           <a:prstGeom prst="rect">
@@ -5549,154 +5690,24 @@
       </p:sp>
       <p:sp>
         <p:nvSpPr>
-          <p:cNvPr id="7" name="テキスト ボックス 6"/>
-          <p:cNvSpPr txBox="1"/>
-          <p:nvPr/>
-        </p:nvSpPr>
-        <p:spPr>
-          <a:xfrm>
-            <a:off x="6870541" y="935852"/>
-            <a:ext cx="2059928" cy="1077218"/>
+          <p:cNvPr id="10" name="正方形/長方形 9"/>
+          <p:cNvSpPr/>
+          <p:nvPr/>
+        </p:nvSpPr>
+        <p:spPr>
+          <a:xfrm>
+            <a:off x="3233009" y="81601"/>
+            <a:ext cx="5845225" cy="2333297"/>
           </a:xfrm>
           <a:prstGeom prst="rect">
             <a:avLst/>
           </a:prstGeom>
-          <a:noFill/>
-        </p:spPr>
-        <p:txBody>
-          <a:bodyPr wrap="square" rtlCol="0">
-            <a:spAutoFit/>
-          </a:bodyPr>
-          <a:lstStyle/>
-          <a:p>
-            <a:r>
-              <a:rPr lang="ja-JP" altLang="en-US" sz="800" dirty="0" smtClean="0"/>
-              <a:t>モータへのパワーの与え方</a:t>
-            </a:r>
-            <a:endParaRPr lang="en-US" altLang="ja-JP" sz="800" dirty="0" smtClean="0"/>
-          </a:p>
-          <a:p>
-            <a:endParaRPr kumimoji="1" lang="en-US" altLang="ja-JP" sz="800" dirty="0"/>
-          </a:p>
-          <a:p>
-            <a:r>
-              <a:rPr kumimoji="1" lang="ja-JP" altLang="en-US" sz="800" dirty="0" smtClean="0"/>
-              <a:t>モータに大きなパワーをかけて発進しようとすると、その反動で走行体上部が大きく振れる→反対側に傾けてバランスを取ろうとする</a:t>
-            </a:r>
-            <a:r>
-              <a:rPr kumimoji="1" lang="ja-JP" altLang="en-US" sz="800" dirty="0" smtClean="0"/>
-              <a:t>。</a:t>
-            </a:r>
-            <a:r>
-              <a:rPr lang="ja-JP" altLang="en-US" sz="800" dirty="0" smtClean="0"/>
-              <a:t>→</a:t>
-            </a:r>
-            <a:r>
-              <a:rPr lang="ja-JP" altLang="en-US" sz="800" dirty="0" smtClean="0"/>
-              <a:t>かえってスピードが出ない</a:t>
-            </a:r>
-            <a:r>
-              <a:rPr lang="ja-JP" altLang="en-US" sz="800" dirty="0" smtClean="0"/>
-              <a:t>。</a:t>
-            </a:r>
-            <a:endParaRPr kumimoji="1" lang="en-US" altLang="ja-JP" sz="800" dirty="0"/>
-          </a:p>
-          <a:p>
-            <a:r>
-              <a:rPr kumimoji="1" lang="ja-JP" altLang="en-US" sz="800" dirty="0" smtClean="0"/>
-              <a:t>小さすぎるパワーでは、その場で静止してしまう</a:t>
-            </a:r>
-            <a:r>
-              <a:rPr kumimoji="1" lang="ja-JP" altLang="en-US" sz="800" dirty="0" smtClean="0"/>
-              <a:t>。</a:t>
-            </a:r>
-            <a:endParaRPr kumimoji="1" lang="en-US" altLang="ja-JP" sz="800" dirty="0" smtClean="0"/>
-          </a:p>
-        </p:txBody>
-      </p:sp>
-      <p:sp>
-        <p:nvSpPr>
-          <p:cNvPr id="26" name="テキスト ボックス 25"/>
-          <p:cNvSpPr txBox="1"/>
-          <p:nvPr/>
-        </p:nvSpPr>
-        <p:spPr>
-          <a:xfrm>
-            <a:off x="5014411" y="912515"/>
-            <a:ext cx="1726152" cy="707886"/>
-          </a:xfrm>
-          <a:prstGeom prst="rect">
-            <a:avLst/>
-          </a:prstGeom>
-          <a:noFill/>
-        </p:spPr>
-        <p:txBody>
-          <a:bodyPr wrap="square" rtlCol="0">
-            <a:spAutoFit/>
-          </a:bodyPr>
-          <a:lstStyle/>
-          <a:p>
-            <a:r>
-              <a:rPr lang="ja-JP" altLang="en-US" sz="800" dirty="0" smtClean="0"/>
-              <a:t>尻尾の</a:t>
-            </a:r>
-            <a:r>
-              <a:rPr lang="ja-JP" altLang="en-US" sz="800" dirty="0" smtClean="0"/>
-              <a:t>反動を考慮する</a:t>
-            </a:r>
-            <a:endParaRPr lang="en-US" altLang="ja-JP" sz="800" dirty="0" smtClean="0"/>
-          </a:p>
-          <a:p>
-            <a:endParaRPr kumimoji="1" lang="en-US" altLang="ja-JP" sz="800" dirty="0" smtClean="0"/>
-          </a:p>
-          <a:p>
-            <a:r>
-              <a:rPr lang="ja-JP" altLang="en-US" sz="800" dirty="0" smtClean="0"/>
-              <a:t>起立した状態から、尻尾を上げスタートする</a:t>
-            </a:r>
-            <a:r>
-              <a:rPr lang="ja-JP" altLang="en-US" sz="800" dirty="0" smtClean="0"/>
-              <a:t>。ゆっくり</a:t>
-            </a:r>
-            <a:r>
-              <a:rPr lang="ja-JP" altLang="en-US" sz="800" dirty="0"/>
-              <a:t>過</a:t>
-            </a:r>
-            <a:r>
-              <a:rPr lang="ja-JP" altLang="en-US" sz="800" dirty="0" smtClean="0"/>
-              <a:t>ぎると、後ろに傾く</a:t>
-            </a:r>
-            <a:r>
-              <a:rPr lang="ja-JP" altLang="en-US" sz="800" dirty="0" smtClean="0"/>
-              <a:t>。早すぎる</a:t>
-            </a:r>
-            <a:r>
-              <a:rPr lang="ja-JP" altLang="en-US" sz="800" dirty="0" smtClean="0"/>
-              <a:t>と反動により、ぐらつく</a:t>
-            </a:r>
-            <a:r>
-              <a:rPr lang="ja-JP" altLang="en-US" sz="800" dirty="0" smtClean="0"/>
-              <a:t>。</a:t>
-            </a:r>
-            <a:endParaRPr lang="en-US" altLang="ja-JP" sz="800" dirty="0" smtClean="0"/>
-          </a:p>
-        </p:txBody>
-      </p:sp>
-      <p:sp>
-        <p:nvSpPr>
-          <p:cNvPr id="10" name="正方形/長方形 9"/>
-          <p:cNvSpPr/>
-          <p:nvPr/>
-        </p:nvSpPr>
-        <p:spPr>
-          <a:xfrm>
-            <a:off x="3137409" y="140486"/>
-            <a:ext cx="5845225" cy="1959228"/>
-          </a:xfrm>
-          <a:prstGeom prst="rect">
-            <a:avLst/>
-          </a:prstGeom>
-          <a:noFill/>
+          <a:solidFill>
+            <a:schemeClr val="accent1">
+              <a:lumMod val="20000"/>
+              <a:lumOff val="80000"/>
+            </a:schemeClr>
+          </a:solidFill>
         </p:spPr>
         <p:style>
           <a:lnRef idx="2">
@@ -5731,13 +5742,15 @@
         </p:nvSpPr>
         <p:spPr>
           <a:xfrm>
-            <a:off x="3133185" y="2178366"/>
-            <a:ext cx="5853671" cy="4380679"/>
+            <a:off x="3232758" y="2465261"/>
+            <a:ext cx="5853671" cy="4002844"/>
           </a:xfrm>
           <a:prstGeom prst="rect">
             <a:avLst/>
           </a:prstGeom>
-          <a:noFill/>
+          <a:solidFill>
+            <a:srgbClr val="FFCCFF"/>
+          </a:solidFill>
         </p:spPr>
         <p:style>
           <a:lnRef idx="2">
@@ -5766,19 +5779,26 @@
       </p:sp>
       <p:sp>
         <p:nvSpPr>
-          <p:cNvPr id="11" name="テキスト ボックス 10"/>
+          <p:cNvPr id="36" name="テキスト ボックス 35"/>
           <p:cNvSpPr txBox="1"/>
           <p:nvPr/>
         </p:nvSpPr>
         <p:spPr>
           <a:xfrm>
-            <a:off x="103729" y="1413049"/>
-            <a:ext cx="2819226" cy="1938992"/>
+            <a:off x="3278112" y="919396"/>
+            <a:ext cx="1145443" cy="523220"/>
           </a:xfrm>
           <a:prstGeom prst="rect">
             <a:avLst/>
           </a:prstGeom>
           <a:noFill/>
+          <a:ln>
+            <a:solidFill>
+              <a:schemeClr val="accent1">
+                <a:lumMod val="50000"/>
+              </a:schemeClr>
+            </a:solidFill>
+          </a:ln>
         </p:spPr>
         <p:txBody>
           <a:bodyPr wrap="square" rtlCol="0">
@@ -5786,239 +5806,57 @@
           </a:bodyPr>
           <a:lstStyle/>
           <a:p>
-            <a:endParaRPr lang="en-US" altLang="ja-JP" sz="800" dirty="0"/>
-          </a:p>
-          <a:p>
-            <a:r>
-              <a:rPr kumimoji="1" lang="ja-JP" altLang="en-US" sz="800" dirty="0" smtClean="0"/>
-              <a:t>１</a:t>
-            </a:r>
-            <a:r>
-              <a:rPr kumimoji="1" lang="ja-JP" altLang="en-US" sz="800" dirty="0" smtClean="0"/>
-              <a:t>．安定</a:t>
-            </a:r>
-            <a:r>
-              <a:rPr lang="ja-JP" altLang="en-US" sz="800" dirty="0" smtClean="0"/>
-              <a:t>し</a:t>
-            </a:r>
-            <a:r>
-              <a:rPr lang="ja-JP" altLang="en-US" sz="800" dirty="0"/>
-              <a:t>た</a:t>
-            </a:r>
-            <a:r>
-              <a:rPr kumimoji="1" lang="ja-JP" altLang="en-US" sz="800" dirty="0" smtClean="0"/>
-              <a:t>スタート</a:t>
-            </a:r>
-            <a:r>
-              <a:rPr kumimoji="1" lang="en-US" altLang="ja-JP" sz="800" dirty="0" smtClean="0"/>
-              <a:t>(</a:t>
-            </a:r>
-            <a:r>
-              <a:rPr lang="ja-JP" altLang="en-US" sz="800" dirty="0" smtClean="0"/>
-              <a:t>発進する</a:t>
-            </a:r>
-            <a:r>
-              <a:rPr lang="en-US" altLang="ja-JP" sz="800" dirty="0" smtClean="0"/>
-              <a:t>)</a:t>
-            </a:r>
-            <a:r>
-              <a:rPr lang="ja-JP" altLang="en-US" sz="800" dirty="0" smtClean="0"/>
-              <a:t>に必要な機能</a:t>
-            </a:r>
-            <a:endParaRPr lang="en-US" altLang="ja-JP" sz="800" dirty="0" smtClean="0"/>
-          </a:p>
-          <a:p>
-            <a:r>
-              <a:rPr lang="en-US" altLang="ja-JP" sz="800" dirty="0" smtClean="0"/>
-              <a:t/>
-            </a:r>
-            <a:br>
-              <a:rPr lang="en-US" altLang="ja-JP" sz="800" dirty="0" smtClean="0"/>
-            </a:br>
-            <a:r>
-              <a:rPr lang="ja-JP" altLang="en-US" sz="800" dirty="0" smtClean="0"/>
-              <a:t>　　　 </a:t>
-            </a:r>
-            <a:r>
-              <a:rPr lang="en-US" altLang="ja-JP" sz="800" dirty="0" smtClean="0"/>
-              <a:t>a. Bluetooth</a:t>
-            </a:r>
-            <a:r>
-              <a:rPr lang="ja-JP" altLang="en-US" sz="800" dirty="0" smtClean="0"/>
-              <a:t>からのスタートの合図を受け取る</a:t>
-            </a:r>
-            <a:endParaRPr lang="en-US" altLang="ja-JP" sz="800" dirty="0" smtClean="0"/>
-          </a:p>
-          <a:p>
-            <a:r>
-              <a:rPr lang="ja-JP" altLang="en-US" sz="800" dirty="0" smtClean="0"/>
-              <a:t>　　　 </a:t>
-            </a:r>
-            <a:r>
-              <a:rPr lang="en-US" altLang="ja-JP" sz="800" dirty="0" smtClean="0"/>
-              <a:t>b.</a:t>
-            </a:r>
-            <a:r>
-              <a:rPr lang="ja-JP" altLang="en-US" sz="800" dirty="0" smtClean="0"/>
-              <a:t>尻尾を動かす</a:t>
-            </a:r>
-            <a:endParaRPr lang="en-US" altLang="ja-JP" sz="800" dirty="0" smtClean="0"/>
-          </a:p>
-          <a:p>
-            <a:r>
-              <a:rPr lang="ja-JP" altLang="en-US" sz="800" dirty="0" smtClean="0"/>
-              <a:t>    　　</a:t>
-            </a:r>
-            <a:r>
-              <a:rPr lang="en-US" altLang="ja-JP" sz="800" dirty="0" smtClean="0"/>
-              <a:t>c.</a:t>
-            </a:r>
-            <a:r>
-              <a:rPr lang="ja-JP" altLang="en-US" sz="800" dirty="0" smtClean="0"/>
-              <a:t>モーター</a:t>
-            </a:r>
-            <a:r>
-              <a:rPr lang="ja-JP" altLang="en-US" sz="800" dirty="0" smtClean="0"/>
-              <a:t>を前進させる方向に駆動する</a:t>
-            </a:r>
-            <a:endParaRPr lang="en-US" altLang="ja-JP" sz="800" dirty="0" smtClean="0"/>
-          </a:p>
-          <a:p>
-            <a:endParaRPr lang="en-US" altLang="ja-JP" sz="800" dirty="0" smtClean="0"/>
-          </a:p>
-          <a:p>
-            <a:r>
-              <a:rPr lang="ja-JP" altLang="en-US" sz="800" dirty="0" smtClean="0"/>
-              <a:t>２．</a:t>
-            </a:r>
-            <a:r>
-              <a:rPr lang="ja-JP" altLang="en-US" sz="800" dirty="0" smtClean="0"/>
-              <a:t>ライントレース</a:t>
-            </a:r>
-            <a:r>
-              <a:rPr lang="ja-JP" altLang="en-US" sz="800" dirty="0" smtClean="0"/>
-              <a:t>走行に関する機能</a:t>
-            </a:r>
-            <a:endParaRPr lang="en-US" altLang="ja-JP" sz="800" dirty="0" smtClean="0"/>
-          </a:p>
-          <a:p>
-            <a:endParaRPr lang="en-US" altLang="ja-JP" sz="800" dirty="0"/>
-          </a:p>
-          <a:p>
-            <a:r>
-              <a:rPr lang="en-US" altLang="ja-JP" sz="800" dirty="0" smtClean="0"/>
-              <a:t>         a.</a:t>
-            </a:r>
-            <a:r>
-              <a:rPr lang="ja-JP" altLang="en-US" sz="800" dirty="0" smtClean="0"/>
-              <a:t>ライン</a:t>
-            </a:r>
-            <a:r>
-              <a:rPr lang="ja-JP" altLang="en-US" sz="800" dirty="0" smtClean="0"/>
-              <a:t>を認識する</a:t>
-            </a:r>
-            <a:r>
-              <a:rPr lang="ja-JP" altLang="en-US" sz="800" dirty="0" smtClean="0"/>
-              <a:t>こと</a:t>
-            </a:r>
-            <a:r>
-              <a:rPr lang="en-US" altLang="ja-JP" sz="800" dirty="0" smtClean="0"/>
-              <a:t>(</a:t>
-            </a:r>
-            <a:r>
-              <a:rPr lang="ja-JP" altLang="en-US" sz="800" dirty="0" smtClean="0"/>
-              <a:t>どんな照度であっても</a:t>
-            </a:r>
-            <a:r>
-              <a:rPr lang="en-US" altLang="ja-JP" sz="800" dirty="0" smtClean="0"/>
-              <a:t>)</a:t>
-            </a:r>
-            <a:endParaRPr lang="en-US" altLang="ja-JP" sz="800" dirty="0"/>
-          </a:p>
-          <a:p>
-            <a:r>
-              <a:rPr lang="en-US" altLang="ja-JP" sz="800" dirty="0" smtClean="0"/>
-              <a:t>         b.</a:t>
-            </a:r>
-            <a:r>
-              <a:rPr lang="ja-JP" altLang="en-US" sz="800" dirty="0" smtClean="0"/>
-              <a:t>安定</a:t>
-            </a:r>
-            <a:r>
-              <a:rPr lang="ja-JP" altLang="en-US" sz="800" dirty="0" smtClean="0"/>
-              <a:t>した走行を継続すること</a:t>
-            </a:r>
-            <a:endParaRPr lang="en-US" altLang="ja-JP" sz="800" dirty="0" smtClean="0"/>
-          </a:p>
-          <a:p>
-            <a:pPr marL="228600" indent="-228600">
-              <a:buAutoNum type="alphaLcPeriod" startAt="2"/>
-            </a:pPr>
-            <a:endParaRPr lang="en-US" altLang="ja-JP" sz="800" dirty="0"/>
-          </a:p>
-          <a:p>
-            <a:r>
-              <a:rPr lang="ja-JP" altLang="en-US" sz="800" dirty="0" smtClean="0"/>
-              <a:t>これらの挙動をおこさないようにする。</a:t>
-            </a:r>
-            <a:endParaRPr lang="en-US" altLang="ja-JP" sz="800" dirty="0" smtClean="0"/>
-          </a:p>
-          <a:p>
-            <a:endParaRPr kumimoji="1" lang="en-US" altLang="ja-JP" sz="800" dirty="0"/>
-          </a:p>
-          <a:p>
-            <a:endParaRPr kumimoji="1" lang="ja-JP" altLang="en-US" sz="800" dirty="0"/>
-          </a:p>
-        </p:txBody>
-      </p:sp>
-      <p:sp>
-        <p:nvSpPr>
-          <p:cNvPr id="36" name="テキスト ボックス 35"/>
-          <p:cNvSpPr txBox="1"/>
-          <p:nvPr/>
-        </p:nvSpPr>
-        <p:spPr>
-          <a:xfrm>
-            <a:off x="3207891" y="920463"/>
-            <a:ext cx="1787248" cy="707886"/>
-          </a:xfrm>
-          <a:prstGeom prst="rect">
-            <a:avLst/>
-          </a:prstGeom>
-          <a:noFill/>
-        </p:spPr>
-        <p:txBody>
-          <a:bodyPr wrap="square" rtlCol="0">
-            <a:spAutoFit/>
-          </a:bodyPr>
-          <a:lstStyle/>
-          <a:p>
-            <a:r>
-              <a:rPr lang="en-US" altLang="ja-JP" sz="800" dirty="0" smtClean="0"/>
+            <a:r>
+              <a:rPr lang="en-US" altLang="ja-JP" sz="700" dirty="0" smtClean="0">
+                <a:latin typeface="游ゴシック" panose="020B0400000000000000" pitchFamily="50" charset="-128"/>
+                <a:ea typeface="游ゴシック" panose="020B0400000000000000" pitchFamily="50" charset="-128"/>
+              </a:rPr>
               <a:t>Bluetooth</a:t>
             </a:r>
             <a:r>
-              <a:rPr lang="ja-JP" altLang="en-US" sz="800" dirty="0" smtClean="0"/>
+              <a:rPr lang="ja-JP" altLang="en-US" sz="700" dirty="0" smtClean="0">
+                <a:latin typeface="游ゴシック" panose="020B0400000000000000" pitchFamily="50" charset="-128"/>
+                <a:ea typeface="游ゴシック" panose="020B0400000000000000" pitchFamily="50" charset="-128"/>
+              </a:rPr>
               <a:t>の通信を行う。</a:t>
             </a:r>
-            <a:endParaRPr lang="en-US" altLang="ja-JP" sz="800" dirty="0" smtClean="0"/>
-          </a:p>
-          <a:p>
-            <a:endParaRPr lang="en-US" altLang="ja-JP" sz="800" dirty="0"/>
-          </a:p>
-          <a:p>
-            <a:r>
-              <a:rPr lang="ja-JP" altLang="en-US" sz="800" dirty="0" smtClean="0"/>
-              <a:t>スタートの合図を</a:t>
-            </a:r>
-            <a:r>
-              <a:rPr lang="ja-JP" altLang="en-US" sz="800" dirty="0" smtClean="0"/>
-              <a:t>、走行を司るオブジェクトに通知する。</a:t>
-            </a:r>
-            <a:endParaRPr lang="en-US" altLang="ja-JP" sz="800" dirty="0" smtClean="0"/>
-          </a:p>
-          <a:p>
-            <a:endParaRPr lang="en-US" altLang="ja-JP" sz="800" dirty="0"/>
+            <a:endParaRPr lang="en-US" altLang="ja-JP" sz="700" dirty="0" smtClean="0">
+              <a:latin typeface="游ゴシック" panose="020B0400000000000000" pitchFamily="50" charset="-128"/>
+              <a:ea typeface="游ゴシック" panose="020B0400000000000000" pitchFamily="50" charset="-128"/>
+            </a:endParaRPr>
+          </a:p>
+          <a:p>
+            <a:endParaRPr lang="en-US" altLang="ja-JP" sz="700" dirty="0">
+              <a:latin typeface="游ゴシック" panose="020B0400000000000000" pitchFamily="50" charset="-128"/>
+              <a:ea typeface="游ゴシック" panose="020B0400000000000000" pitchFamily="50" charset="-128"/>
+            </a:endParaRPr>
+          </a:p>
+          <a:p>
+            <a:r>
+              <a:rPr lang="ja-JP" altLang="en-US" sz="700" dirty="0" smtClean="0">
+                <a:latin typeface="游ゴシック" panose="020B0400000000000000" pitchFamily="50" charset="-128"/>
+                <a:ea typeface="游ゴシック" panose="020B0400000000000000" pitchFamily="50" charset="-128"/>
+              </a:rPr>
+              <a:t>①スタート</a:t>
+            </a:r>
+            <a:r>
+              <a:rPr lang="ja-JP" altLang="en-US" sz="700" dirty="0" smtClean="0">
+                <a:latin typeface="游ゴシック" panose="020B0400000000000000" pitchFamily="50" charset="-128"/>
+                <a:ea typeface="游ゴシック" panose="020B0400000000000000" pitchFamily="50" charset="-128"/>
+              </a:rPr>
+              <a:t>の合図を、</a:t>
+            </a:r>
+            <a:r>
+              <a:rPr lang="ja-JP" altLang="en-US" sz="700" dirty="0" smtClean="0">
+                <a:latin typeface="游ゴシック" panose="020B0400000000000000" pitchFamily="50" charset="-128"/>
+                <a:ea typeface="游ゴシック" panose="020B0400000000000000" pitchFamily="50" charset="-128"/>
+              </a:rPr>
+              <a:t>走行体で受信する。</a:t>
+            </a:r>
+            <a:endParaRPr lang="en-US" altLang="ja-JP" sz="700" dirty="0" smtClean="0">
+              <a:latin typeface="游ゴシック" panose="020B0400000000000000" pitchFamily="50" charset="-128"/>
+              <a:ea typeface="游ゴシック" panose="020B0400000000000000" pitchFamily="50" charset="-128"/>
+            </a:endParaRPr>
           </a:p>
         </p:txBody>
       </p:sp>
@@ -6096,15 +5934,16 @@
         </p:nvSpPr>
         <p:spPr>
           <a:xfrm>
-            <a:off x="3238084" y="232845"/>
-            <a:ext cx="5612968" cy="299685"/>
+            <a:off x="3269076" y="136397"/>
+            <a:ext cx="5717779" cy="396134"/>
           </a:xfrm>
           <a:prstGeom prst="roundRect">
             <a:avLst/>
           </a:prstGeom>
           <a:solidFill>
-            <a:schemeClr val="bg1">
-              <a:lumMod val="95000"/>
+            <a:schemeClr val="accent1">
+              <a:lumMod val="20000"/>
+              <a:lumOff val="80000"/>
             </a:schemeClr>
           </a:solidFill>
           <a:ln>
@@ -6168,16 +6007,14 @@
         </p:nvSpPr>
         <p:spPr>
           <a:xfrm>
-            <a:off x="3159502" y="2244674"/>
-            <a:ext cx="5655692" cy="295630"/>
+            <a:off x="3271110" y="2544821"/>
+            <a:ext cx="5715745" cy="411122"/>
           </a:xfrm>
           <a:prstGeom prst="roundRect">
             <a:avLst/>
           </a:prstGeom>
           <a:solidFill>
-            <a:schemeClr val="bg1">
-              <a:lumMod val="95000"/>
-            </a:schemeClr>
+            <a:srgbClr val="FFCCFF"/>
           </a:solidFill>
         </p:spPr>
         <p:style>
@@ -6225,8 +6062,8 @@
         </p:nvSpPr>
         <p:spPr>
           <a:xfrm>
-            <a:off x="3238084" y="585690"/>
-            <a:ext cx="1776327" cy="296316"/>
+            <a:off x="3269076" y="579670"/>
+            <a:ext cx="1164165" cy="296316"/>
           </a:xfrm>
           <a:prstGeom prst="roundRect">
             <a:avLst/>
@@ -6274,11 +6111,6 @@
               </a:rPr>
               <a:t>通信</a:t>
             </a:r>
-            <a:endParaRPr lang="ja-JP" altLang="en-US" sz="1000" dirty="0">
-              <a:solidFill>
-                <a:schemeClr val="tx1"/>
-              </a:solidFill>
-            </a:endParaRPr>
           </a:p>
         </p:txBody>
       </p:sp>
@@ -6290,8 +6122,8 @@
         </p:nvSpPr>
         <p:spPr>
           <a:xfrm>
-            <a:off x="5057816" y="585450"/>
-            <a:ext cx="1800183" cy="296316"/>
+            <a:off x="4743044" y="577805"/>
+            <a:ext cx="4243811" cy="296316"/>
           </a:xfrm>
           <a:prstGeom prst="roundRect">
             <a:avLst/>
@@ -6329,7 +6161,31 @@
                   <a:schemeClr val="tx1"/>
                 </a:solidFill>
               </a:rPr>
-              <a:t>尻尾の制御</a:t>
+              <a:t>尻尾の</a:t>
+            </a:r>
+            <a:r>
+              <a:rPr lang="ja-JP" altLang="en-US" sz="1000" dirty="0" smtClean="0">
+                <a:solidFill>
+                  <a:schemeClr val="tx1"/>
+                </a:solidFill>
+              </a:rPr>
+              <a:t>制御・モータ</a:t>
+            </a:r>
+            <a:r>
+              <a:rPr lang="en-US" altLang="ja-JP" sz="1000" dirty="0" smtClean="0">
+                <a:solidFill>
+                  <a:schemeClr val="tx1"/>
+                </a:solidFill>
+              </a:rPr>
+              <a:t>―</a:t>
+            </a:r>
+            <a:r>
+              <a:rPr lang="ja-JP" altLang="en-US" sz="1000" dirty="0" smtClean="0">
+                <a:solidFill>
+                  <a:schemeClr val="tx1"/>
+                </a:solidFill>
+              </a:rPr>
+              <a:t>の駆動</a:t>
             </a:r>
             <a:endParaRPr lang="ja-JP" altLang="en-US" sz="1000" dirty="0">
               <a:solidFill>
@@ -6341,14 +6197,14 @@
       </p:sp>
       <p:sp>
         <p:nvSpPr>
-          <p:cNvPr id="42" name="角丸四角形 41"/>
+          <p:cNvPr id="43" name="角丸四角形 42"/>
           <p:cNvSpPr/>
           <p:nvPr/>
         </p:nvSpPr>
         <p:spPr>
           <a:xfrm>
-            <a:off x="6910663" y="579936"/>
-            <a:ext cx="1901626" cy="296316"/>
+            <a:off x="3296163" y="3005609"/>
+            <a:ext cx="1934785" cy="293667"/>
           </a:xfrm>
           <a:prstGeom prst="roundRect">
             <a:avLst/>
@@ -6381,28 +6237,28 @@
           <a:p>
             <a:pPr algn="ctr"/>
             <a:r>
-              <a:rPr lang="ja-JP" altLang="en-US" sz="1000" dirty="0">
+              <a:rPr lang="ja-JP" altLang="en-US" sz="1000" dirty="0" smtClean="0">
                 <a:solidFill>
                   <a:schemeClr val="tx1"/>
                 </a:solidFill>
               </a:rPr>
-              <a:t>モータ</a:t>
-            </a:r>
-            <a:r>
-              <a:rPr lang="en-US" altLang="ja-JP" sz="1000" dirty="0">
+              <a:t>ライン</a:t>
+            </a:r>
+            <a:r>
+              <a:rPr lang="ja-JP" altLang="en-US" sz="1000" dirty="0" smtClean="0">
                 <a:solidFill>
                   <a:schemeClr val="tx1"/>
                 </a:solidFill>
               </a:rPr>
-              <a:t>―</a:t>
-            </a:r>
-            <a:r>
-              <a:rPr lang="ja-JP" altLang="en-US" sz="1000" dirty="0">
+              <a:t>の</a:t>
+            </a:r>
+            <a:r>
+              <a:rPr lang="ja-JP" altLang="en-US" sz="1000" dirty="0" smtClean="0">
                 <a:solidFill>
                   <a:schemeClr val="tx1"/>
                 </a:solidFill>
               </a:rPr>
-              <a:t>の駆動</a:t>
+              <a:t>判定の統合化</a:t>
             </a:r>
             <a:endParaRPr lang="ja-JP" altLang="en-US" sz="1000" dirty="0">
               <a:solidFill>
@@ -6414,14 +6270,235 @@
       </p:sp>
       <p:sp>
         <p:nvSpPr>
-          <p:cNvPr id="43" name="角丸四角形 42"/>
+          <p:cNvPr id="44" name="テキスト ボックス 43"/>
+          <p:cNvSpPr txBox="1"/>
+          <p:nvPr/>
+        </p:nvSpPr>
+        <p:spPr>
+          <a:xfrm>
+            <a:off x="3310788" y="3361089"/>
+            <a:ext cx="1924533" cy="1492716"/>
+          </a:xfrm>
+          <a:prstGeom prst="rect">
+            <a:avLst/>
+          </a:prstGeom>
+          <a:noFill/>
+          <a:ln>
+            <a:solidFill>
+              <a:schemeClr val="accent1">
+                <a:lumMod val="50000"/>
+              </a:schemeClr>
+            </a:solidFill>
+          </a:ln>
+        </p:spPr>
+        <p:txBody>
+          <a:bodyPr wrap="square" rtlCol="0">
+            <a:spAutoFit/>
+          </a:bodyPr>
+          <a:lstStyle/>
+          <a:p>
+            <a:r>
+              <a:rPr lang="ja-JP" altLang="en-US" sz="700" dirty="0" smtClean="0">
+                <a:latin typeface="游ゴシック" panose="020B0400000000000000" pitchFamily="50" charset="-128"/>
+                <a:ea typeface="游ゴシック" panose="020B0400000000000000" pitchFamily="50" charset="-128"/>
+              </a:rPr>
+              <a:t>光センサの値によって</a:t>
+            </a:r>
+            <a:r>
+              <a:rPr lang="ja-JP" altLang="en-US" sz="700" dirty="0" smtClean="0">
+                <a:latin typeface="游ゴシック" panose="020B0400000000000000" pitchFamily="50" charset="-128"/>
+                <a:ea typeface="游ゴシック" panose="020B0400000000000000" pitchFamily="50" charset="-128"/>
+              </a:rPr>
+              <a:t>、ライン</a:t>
+            </a:r>
+            <a:r>
+              <a:rPr lang="ja-JP" altLang="en-US" sz="700" dirty="0">
+                <a:latin typeface="游ゴシック" panose="020B0400000000000000" pitchFamily="50" charset="-128"/>
+                <a:ea typeface="游ゴシック" panose="020B0400000000000000" pitchFamily="50" charset="-128"/>
+              </a:rPr>
+              <a:t>の</a:t>
+            </a:r>
+            <a:r>
+              <a:rPr lang="ja-JP" altLang="en-US" sz="700" dirty="0" smtClean="0">
+                <a:latin typeface="游ゴシック" panose="020B0400000000000000" pitchFamily="50" charset="-128"/>
+                <a:ea typeface="游ゴシック" panose="020B0400000000000000" pitchFamily="50" charset="-128"/>
+              </a:rPr>
+              <a:t>エッジを</a:t>
+            </a:r>
+            <a:r>
+              <a:rPr lang="ja-JP" altLang="en-US" sz="700" dirty="0" smtClean="0">
+                <a:latin typeface="游ゴシック" panose="020B0400000000000000" pitchFamily="50" charset="-128"/>
+                <a:ea typeface="游ゴシック" panose="020B0400000000000000" pitchFamily="50" charset="-128"/>
+              </a:rPr>
+              <a:t>認識して走行する。</a:t>
+            </a:r>
+            <a:endParaRPr lang="en-US" altLang="ja-JP" sz="700" dirty="0" smtClean="0">
+              <a:latin typeface="游ゴシック" panose="020B0400000000000000" pitchFamily="50" charset="-128"/>
+              <a:ea typeface="游ゴシック" panose="020B0400000000000000" pitchFamily="50" charset="-128"/>
+            </a:endParaRPr>
+          </a:p>
+          <a:p>
+            <a:endParaRPr lang="en-US" altLang="ja-JP" sz="700" dirty="0">
+              <a:latin typeface="游ゴシック" panose="020B0400000000000000" pitchFamily="50" charset="-128"/>
+              <a:ea typeface="游ゴシック" panose="020B0400000000000000" pitchFamily="50" charset="-128"/>
+            </a:endParaRPr>
+          </a:p>
+          <a:p>
+            <a:r>
+              <a:rPr lang="ja-JP" altLang="en-US" sz="700" dirty="0" smtClean="0">
+                <a:latin typeface="游ゴシック" panose="020B0400000000000000" pitchFamily="50" charset="-128"/>
+                <a:ea typeface="游ゴシック" panose="020B0400000000000000" pitchFamily="50" charset="-128"/>
+              </a:rPr>
+              <a:t>白地の明るさと、黒ラインの暗さを基準としたしきい値の設定が必要となる。</a:t>
+            </a:r>
+            <a:endParaRPr lang="en-US" altLang="ja-JP" sz="700" dirty="0" smtClean="0">
+              <a:latin typeface="游ゴシック" panose="020B0400000000000000" pitchFamily="50" charset="-128"/>
+              <a:ea typeface="游ゴシック" panose="020B0400000000000000" pitchFamily="50" charset="-128"/>
+            </a:endParaRPr>
+          </a:p>
+          <a:p>
+            <a:r>
+              <a:rPr lang="ja-JP" altLang="en-US" sz="700" dirty="0" smtClean="0">
+                <a:latin typeface="游ゴシック" panose="020B0400000000000000" pitchFamily="50" charset="-128"/>
+                <a:ea typeface="游ゴシック" panose="020B0400000000000000" pitchFamily="50" charset="-128"/>
+              </a:rPr>
+              <a:t>走行する環境により、これら</a:t>
+            </a:r>
+            <a:r>
+              <a:rPr lang="ja-JP" altLang="en-US" sz="700" dirty="0" smtClean="0">
+                <a:latin typeface="游ゴシック" panose="020B0400000000000000" pitchFamily="50" charset="-128"/>
+                <a:ea typeface="游ゴシック" panose="020B0400000000000000" pitchFamily="50" charset="-128"/>
+              </a:rPr>
+              <a:t>は変動する</a:t>
+            </a:r>
+            <a:r>
+              <a:rPr lang="ja-JP" altLang="en-US" sz="700" dirty="0" smtClean="0">
+                <a:latin typeface="游ゴシック" panose="020B0400000000000000" pitchFamily="50" charset="-128"/>
+                <a:ea typeface="游ゴシック" panose="020B0400000000000000" pitchFamily="50" charset="-128"/>
+              </a:rPr>
+              <a:t>ものと考える。</a:t>
+            </a:r>
+            <a:endParaRPr lang="en-US" altLang="ja-JP" sz="700" dirty="0" smtClean="0">
+              <a:latin typeface="游ゴシック" panose="020B0400000000000000" pitchFamily="50" charset="-128"/>
+              <a:ea typeface="游ゴシック" panose="020B0400000000000000" pitchFamily="50" charset="-128"/>
+            </a:endParaRPr>
+          </a:p>
+          <a:p>
+            <a:endParaRPr lang="en-US" altLang="ja-JP" sz="700" dirty="0">
+              <a:latin typeface="游ゴシック" panose="020B0400000000000000" pitchFamily="50" charset="-128"/>
+              <a:ea typeface="游ゴシック" panose="020B0400000000000000" pitchFamily="50" charset="-128"/>
+            </a:endParaRPr>
+          </a:p>
+          <a:p>
+            <a:r>
+              <a:rPr lang="ja-JP" altLang="en-US" sz="700" dirty="0" smtClean="0">
+                <a:latin typeface="游ゴシック" panose="020B0400000000000000" pitchFamily="50" charset="-128"/>
+                <a:ea typeface="游ゴシック" panose="020B0400000000000000" pitchFamily="50" charset="-128"/>
+              </a:rPr>
+              <a:t>スタート前に</a:t>
+            </a:r>
+            <a:r>
+              <a:rPr lang="ja-JP" altLang="en-US" sz="700" b="1" dirty="0" smtClean="0">
+                <a:solidFill>
+                  <a:srgbClr val="FF0000"/>
+                </a:solidFill>
+                <a:latin typeface="游ゴシック" panose="020B0400000000000000" pitchFamily="50" charset="-128"/>
+                <a:ea typeface="游ゴシック" panose="020B0400000000000000" pitchFamily="50" charset="-128"/>
+              </a:rPr>
+              <a:t>キャリブレーション</a:t>
+            </a:r>
+            <a:r>
+              <a:rPr lang="ja-JP" altLang="en-US" sz="700" dirty="0" smtClean="0">
+                <a:latin typeface="游ゴシック" panose="020B0400000000000000" pitchFamily="50" charset="-128"/>
+                <a:ea typeface="游ゴシック" panose="020B0400000000000000" pitchFamily="50" charset="-128"/>
+              </a:rPr>
+              <a:t>を行い</a:t>
+            </a:r>
+            <a:r>
+              <a:rPr lang="ja-JP" altLang="en-US" sz="700" dirty="0" smtClean="0">
+                <a:latin typeface="游ゴシック" panose="020B0400000000000000" pitchFamily="50" charset="-128"/>
+                <a:ea typeface="游ゴシック" panose="020B0400000000000000" pitchFamily="50" charset="-128"/>
+              </a:rPr>
+              <a:t>。「し</a:t>
+            </a:r>
+            <a:r>
+              <a:rPr lang="ja-JP" altLang="en-US" sz="700" dirty="0" smtClean="0">
+                <a:latin typeface="游ゴシック" panose="020B0400000000000000" pitchFamily="50" charset="-128"/>
+                <a:ea typeface="游ゴシック" panose="020B0400000000000000" pitchFamily="50" charset="-128"/>
+              </a:rPr>
+              <a:t>きい</a:t>
+            </a:r>
+            <a:r>
+              <a:rPr lang="ja-JP" altLang="en-US" sz="700" dirty="0" smtClean="0">
+                <a:latin typeface="游ゴシック" panose="020B0400000000000000" pitchFamily="50" charset="-128"/>
+                <a:ea typeface="游ゴシック" panose="020B0400000000000000" pitchFamily="50" charset="-128"/>
+              </a:rPr>
+              <a:t>値」を</a:t>
+            </a:r>
+            <a:r>
+              <a:rPr lang="ja-JP" altLang="en-US" sz="700" dirty="0" smtClean="0">
+                <a:latin typeface="游ゴシック" panose="020B0400000000000000" pitchFamily="50" charset="-128"/>
+                <a:ea typeface="游ゴシック" panose="020B0400000000000000" pitchFamily="50" charset="-128"/>
+              </a:rPr>
+              <a:t>適切なものに調整する。</a:t>
+            </a:r>
+            <a:endParaRPr lang="en-US" altLang="ja-JP" sz="700" dirty="0" smtClean="0">
+              <a:latin typeface="游ゴシック" panose="020B0400000000000000" pitchFamily="50" charset="-128"/>
+              <a:ea typeface="游ゴシック" panose="020B0400000000000000" pitchFamily="50" charset="-128"/>
+            </a:endParaRPr>
+          </a:p>
+          <a:p>
+            <a:endParaRPr lang="en-US" altLang="ja-JP" sz="700" dirty="0">
+              <a:latin typeface="游ゴシック" panose="020B0400000000000000" pitchFamily="50" charset="-128"/>
+              <a:ea typeface="游ゴシック" panose="020B0400000000000000" pitchFamily="50" charset="-128"/>
+            </a:endParaRPr>
+          </a:p>
+          <a:p>
+            <a:r>
+              <a:rPr lang="ja-JP" altLang="en-US" sz="700" dirty="0" smtClean="0">
+                <a:latin typeface="游ゴシック" panose="020B0400000000000000" pitchFamily="50" charset="-128"/>
+                <a:ea typeface="游ゴシック" panose="020B0400000000000000" pitchFamily="50" charset="-128"/>
+              </a:rPr>
+              <a:t>また、走行中にも光センサの値を</a:t>
+            </a:r>
+            <a:r>
+              <a:rPr lang="ja-JP" altLang="en-US" sz="700" dirty="0" smtClean="0">
+                <a:latin typeface="游ゴシック" panose="020B0400000000000000" pitchFamily="50" charset="-128"/>
+                <a:ea typeface="游ゴシック" panose="020B0400000000000000" pitchFamily="50" charset="-128"/>
+              </a:rPr>
+              <a:t>収集し</a:t>
+            </a:r>
+            <a:r>
+              <a:rPr lang="ja-JP" altLang="en-US" sz="700" dirty="0" smtClean="0">
+                <a:latin typeface="游ゴシック" panose="020B0400000000000000" pitchFamily="50" charset="-128"/>
+                <a:ea typeface="游ゴシック" panose="020B0400000000000000" pitchFamily="50" charset="-128"/>
+              </a:rPr>
+              <a:t>、しきい値の調整を行う</a:t>
+            </a:r>
+            <a:r>
+              <a:rPr lang="ja-JP" altLang="en-US" sz="700" dirty="0" smtClean="0">
+                <a:latin typeface="游ゴシック" panose="020B0400000000000000" pitchFamily="50" charset="-128"/>
+                <a:ea typeface="游ゴシック" panose="020B0400000000000000" pitchFamily="50" charset="-128"/>
+              </a:rPr>
+              <a:t>。</a:t>
+            </a:r>
+            <a:endParaRPr lang="en-US" altLang="ja-JP" sz="700" dirty="0" smtClean="0">
+              <a:latin typeface="游ゴシック" panose="020B0400000000000000" pitchFamily="50" charset="-128"/>
+              <a:ea typeface="游ゴシック" panose="020B0400000000000000" pitchFamily="50" charset="-128"/>
+            </a:endParaRPr>
+          </a:p>
+        </p:txBody>
+      </p:sp>
+      <p:sp>
+        <p:nvSpPr>
+          <p:cNvPr id="53" name="角丸四角形 52"/>
           <p:cNvSpPr/>
           <p:nvPr/>
         </p:nvSpPr>
         <p:spPr>
           <a:xfrm>
-            <a:off x="7000411" y="2588183"/>
-            <a:ext cx="1825213" cy="296316"/>
+            <a:off x="5326131" y="3004285"/>
+            <a:ext cx="3667261" cy="296316"/>
           </a:xfrm>
           <a:prstGeom prst="roundRect">
             <a:avLst/>
@@ -6459,7 +6536,7 @@
                   <a:schemeClr val="tx1"/>
                 </a:solidFill>
               </a:rPr>
-              <a:t>ラインの認識</a:t>
+              <a:t>安定した走行の継続</a:t>
             </a:r>
             <a:endParaRPr lang="ja-JP" altLang="en-US" sz="1000" dirty="0">
               <a:solidFill>
@@ -6471,145 +6548,24 @@
       </p:sp>
       <p:sp>
         <p:nvSpPr>
-          <p:cNvPr id="44" name="テキスト ボックス 43"/>
-          <p:cNvSpPr txBox="1"/>
-          <p:nvPr/>
-        </p:nvSpPr>
-        <p:spPr>
-          <a:xfrm>
-            <a:off x="6994909" y="2905890"/>
-            <a:ext cx="1770785" cy="1815882"/>
-          </a:xfrm>
-          <a:prstGeom prst="rect">
-            <a:avLst/>
-          </a:prstGeom>
-          <a:noFill/>
-        </p:spPr>
-        <p:txBody>
-          <a:bodyPr wrap="square" rtlCol="0">
-            <a:spAutoFit/>
-          </a:bodyPr>
-          <a:lstStyle/>
-          <a:p>
-            <a:r>
-              <a:rPr lang="ja-JP" altLang="en-US" sz="800" dirty="0" smtClean="0"/>
-              <a:t>光センサの値によって</a:t>
-            </a:r>
-            <a:r>
-              <a:rPr lang="ja-JP" altLang="en-US" sz="800" dirty="0"/>
-              <a:t>、</a:t>
-            </a:r>
-            <a:r>
-              <a:rPr lang="ja-JP" altLang="en-US" sz="800" dirty="0" smtClean="0"/>
-              <a:t>ライン</a:t>
-            </a:r>
-            <a:r>
-              <a:rPr lang="en-US" altLang="ja-JP" sz="800" dirty="0" smtClean="0"/>
-              <a:t>(</a:t>
-            </a:r>
-            <a:r>
-              <a:rPr lang="ja-JP" altLang="en-US" sz="800" dirty="0" smtClean="0"/>
-              <a:t>ライン</a:t>
-            </a:r>
-            <a:r>
-              <a:rPr lang="ja-JP" altLang="en-US" sz="800" dirty="0"/>
-              <a:t>の</a:t>
-            </a:r>
-            <a:r>
-              <a:rPr lang="ja-JP" altLang="en-US" sz="800" dirty="0" smtClean="0"/>
-              <a:t>エッジ</a:t>
-            </a:r>
-            <a:r>
-              <a:rPr lang="en-US" altLang="ja-JP" sz="800" dirty="0" smtClean="0"/>
-              <a:t>)</a:t>
-            </a:r>
-            <a:r>
-              <a:rPr lang="ja-JP" altLang="en-US" sz="800" dirty="0" smtClean="0"/>
-              <a:t>を</a:t>
-            </a:r>
-            <a:r>
-              <a:rPr lang="ja-JP" altLang="en-US" sz="800" dirty="0" smtClean="0"/>
-              <a:t>認識して走行する。</a:t>
-            </a:r>
-            <a:endParaRPr lang="en-US" altLang="ja-JP" sz="800" dirty="0" smtClean="0"/>
-          </a:p>
-          <a:p>
-            <a:endParaRPr lang="en-US" altLang="ja-JP" sz="800" dirty="0"/>
-          </a:p>
-          <a:p>
-            <a:r>
-              <a:rPr lang="ja-JP" altLang="en-US" sz="800" dirty="0" smtClean="0"/>
-              <a:t>白</a:t>
-            </a:r>
-            <a:r>
-              <a:rPr lang="ja-JP" altLang="en-US" sz="800" dirty="0" smtClean="0"/>
-              <a:t>地の明るさと、黒ラインの暗さを基準としたしきい値の設定が必要となる。</a:t>
-            </a:r>
-            <a:endParaRPr lang="en-US" altLang="ja-JP" sz="800" dirty="0" smtClean="0"/>
-          </a:p>
-          <a:p>
-            <a:r>
-              <a:rPr lang="ja-JP" altLang="en-US" sz="800" dirty="0" smtClean="0"/>
-              <a:t>走行する環境により、これらは変化するものと考える。</a:t>
-            </a:r>
-            <a:endParaRPr lang="en-US" altLang="ja-JP" sz="800" dirty="0" smtClean="0"/>
-          </a:p>
-          <a:p>
-            <a:endParaRPr lang="en-US" altLang="ja-JP" sz="800" dirty="0"/>
-          </a:p>
-          <a:p>
-            <a:r>
-              <a:rPr lang="ja-JP" altLang="en-US" sz="800" dirty="0" smtClean="0"/>
-              <a:t>スタート前に</a:t>
-            </a:r>
-            <a:r>
-              <a:rPr lang="ja-JP" altLang="en-US" sz="800" b="1" dirty="0" smtClean="0">
-                <a:solidFill>
-                  <a:srgbClr val="FF0000"/>
-                </a:solidFill>
-              </a:rPr>
-              <a:t>キャリブレーション</a:t>
-            </a:r>
-            <a:r>
-              <a:rPr lang="ja-JP" altLang="en-US" sz="800" dirty="0" smtClean="0"/>
-              <a:t>を行い。しきい値を適切なものに調整する。</a:t>
-            </a:r>
-            <a:endParaRPr lang="en-US" altLang="ja-JP" sz="800" dirty="0" smtClean="0"/>
-          </a:p>
-          <a:p>
-            <a:endParaRPr lang="en-US" altLang="ja-JP" sz="800" dirty="0"/>
-          </a:p>
-          <a:p>
-            <a:r>
-              <a:rPr lang="ja-JP" altLang="en-US" sz="800" dirty="0" smtClean="0"/>
-              <a:t>また、走行中にも光センサの値を収集保管し、しきい値の調整を行う。</a:t>
-            </a:r>
-            <a:endParaRPr lang="en-US" altLang="ja-JP" sz="800" dirty="0" smtClean="0"/>
-          </a:p>
-          <a:p>
-            <a:endParaRPr lang="en-US" altLang="ja-JP" sz="800" dirty="0"/>
-          </a:p>
-        </p:txBody>
-      </p:sp>
-      <p:sp>
-        <p:nvSpPr>
-          <p:cNvPr id="53" name="角丸四角形 52"/>
+          <p:cNvPr id="8" name="角丸四角形 7"/>
           <p:cNvSpPr/>
           <p:nvPr/>
         </p:nvSpPr>
         <p:spPr>
           <a:xfrm>
-            <a:off x="3163567" y="2593101"/>
-            <a:ext cx="3706974" cy="296316"/>
+            <a:off x="5330504" y="3338523"/>
+            <a:ext cx="3658517" cy="253848"/>
           </a:xfrm>
           <a:prstGeom prst="roundRect">
             <a:avLst/>
           </a:prstGeom>
           <a:solidFill>
-            <a:schemeClr val="bg1">
-              <a:lumMod val="95000"/>
-            </a:schemeClr>
+            <a:schemeClr val="bg1"/>
           </a:solidFill>
+          <a:ln>
+            <a:noFill/>
+          </a:ln>
         </p:spPr>
         <p:style>
           <a:lnRef idx="2">
@@ -6633,14 +6589,54 @@
           <a:p>
             <a:pPr algn="ctr"/>
             <a:r>
-              <a:rPr lang="ja-JP" altLang="en-US" sz="1000" dirty="0" smtClean="0">
+              <a:rPr lang="ja-JP" altLang="en-US" sz="800" dirty="0" smtClean="0">
                 <a:solidFill>
                   <a:schemeClr val="tx1"/>
                 </a:solidFill>
               </a:rPr>
-              <a:t>安定した走行の継続</a:t>
-            </a:r>
-            <a:endParaRPr lang="ja-JP" altLang="en-US" sz="1000" dirty="0">
+              <a:t>事故</a:t>
+            </a:r>
+            <a:r>
+              <a:rPr lang="en-US" altLang="ja-JP" sz="800" dirty="0" smtClean="0">
+                <a:solidFill>
+                  <a:schemeClr val="tx1"/>
+                </a:solidFill>
+              </a:rPr>
+              <a:t> (</a:t>
+            </a:r>
+            <a:r>
+              <a:rPr kumimoji="1" lang="ja-JP" altLang="en-US" sz="800" dirty="0" smtClean="0">
+                <a:solidFill>
+                  <a:schemeClr val="tx1"/>
+                </a:solidFill>
+              </a:rPr>
+              <a:t>転倒／コースアウト</a:t>
+            </a:r>
+            <a:r>
+              <a:rPr kumimoji="1" lang="en-US" altLang="ja-JP" sz="800" dirty="0" smtClean="0">
+                <a:solidFill>
+                  <a:schemeClr val="tx1"/>
+                </a:solidFill>
+              </a:rPr>
+              <a:t>)</a:t>
+            </a:r>
+            <a:r>
+              <a:rPr kumimoji="1" lang="ja-JP" altLang="en-US" sz="800" dirty="0" smtClean="0">
+                <a:solidFill>
+                  <a:schemeClr val="tx1"/>
+                </a:solidFill>
+              </a:rPr>
+              <a:t>の原因となる</a:t>
+            </a:r>
+            <a:r>
+              <a:rPr kumimoji="1" lang="ja-JP" altLang="en-US" sz="800" dirty="0" smtClean="0">
+                <a:solidFill>
+                  <a:schemeClr val="tx1"/>
+                </a:solidFill>
+              </a:rPr>
+              <a:t>もの</a:t>
+            </a:r>
+            <a:endParaRPr kumimoji="1" lang="en-US" altLang="ja-JP" sz="800" dirty="0" smtClean="0">
               <a:solidFill>
                 <a:schemeClr val="tx1"/>
               </a:solidFill>
@@ -6650,117 +6646,14 @@
       </p:sp>
       <p:sp>
         <p:nvSpPr>
-          <p:cNvPr id="8" name="角丸四角形 7"/>
-          <p:cNvSpPr/>
-          <p:nvPr/>
-        </p:nvSpPr>
-        <p:spPr>
-          <a:xfrm>
-            <a:off x="3185567" y="2924747"/>
-            <a:ext cx="3668914" cy="611710"/>
-          </a:xfrm>
-          <a:prstGeom prst="roundRect">
-            <a:avLst/>
-          </a:prstGeom>
-          <a:solidFill>
-            <a:schemeClr val="bg1"/>
-          </a:solidFill>
-          <a:ln>
-            <a:noFill/>
-          </a:ln>
-        </p:spPr>
-        <p:style>
-          <a:lnRef idx="2">
-            <a:schemeClr val="accent1">
-              <a:shade val="50000"/>
-            </a:schemeClr>
-          </a:lnRef>
-          <a:fillRef idx="1">
-            <a:schemeClr val="accent1"/>
-          </a:fillRef>
-          <a:effectRef idx="0">
-            <a:schemeClr val="accent1"/>
-          </a:effectRef>
-          <a:fontRef idx="minor">
-            <a:schemeClr val="lt1"/>
-          </a:fontRef>
-        </p:style>
-        <p:txBody>
-          <a:bodyPr rtlCol="0" anchor="ctr"/>
-          <a:lstStyle/>
-          <a:p>
-            <a:r>
-              <a:rPr lang="ja-JP" altLang="en-US" sz="900" dirty="0" smtClean="0">
-                <a:solidFill>
-                  <a:schemeClr val="tx1"/>
-                </a:solidFill>
-              </a:rPr>
-              <a:t>事故</a:t>
-            </a:r>
-            <a:r>
-              <a:rPr lang="en-US" altLang="ja-JP" sz="900" dirty="0" smtClean="0">
-                <a:solidFill>
-                  <a:schemeClr val="tx1"/>
-                </a:solidFill>
-              </a:rPr>
-              <a:t> (</a:t>
-            </a:r>
-            <a:r>
-              <a:rPr kumimoji="1" lang="ja-JP" altLang="en-US" sz="900" dirty="0" smtClean="0">
-                <a:solidFill>
-                  <a:schemeClr val="tx1"/>
-                </a:solidFill>
-              </a:rPr>
-              <a:t>転倒／コースアウト</a:t>
-            </a:r>
-            <a:r>
-              <a:rPr kumimoji="1" lang="en-US" altLang="ja-JP" sz="900" dirty="0" smtClean="0">
-                <a:solidFill>
-                  <a:schemeClr val="tx1"/>
-                </a:solidFill>
-              </a:rPr>
-              <a:t>)</a:t>
-            </a:r>
-            <a:r>
-              <a:rPr kumimoji="1" lang="ja-JP" altLang="en-US" sz="900" dirty="0" smtClean="0">
-                <a:solidFill>
-                  <a:schemeClr val="tx1"/>
-                </a:solidFill>
-              </a:rPr>
-              <a:t>の原因となるもの</a:t>
-            </a:r>
-            <a:endParaRPr kumimoji="1" lang="en-US" altLang="ja-JP" sz="900" dirty="0" smtClean="0">
-              <a:solidFill>
-                <a:schemeClr val="tx1"/>
-              </a:solidFill>
-            </a:endParaRPr>
-          </a:p>
-          <a:p>
-            <a:endParaRPr lang="en-US" altLang="ja-JP" sz="900" dirty="0">
-              <a:solidFill>
-                <a:schemeClr val="tx1"/>
-              </a:solidFill>
-            </a:endParaRPr>
-          </a:p>
-          <a:p>
-            <a:endParaRPr kumimoji="1" lang="en-US" altLang="ja-JP" sz="900" dirty="0" smtClean="0">
-              <a:solidFill>
-                <a:schemeClr val="tx1"/>
-              </a:solidFill>
-            </a:endParaRPr>
-          </a:p>
-        </p:txBody>
-      </p:sp>
-      <p:sp>
-        <p:nvSpPr>
           <p:cNvPr id="20" name="テキスト ボックス 19"/>
           <p:cNvSpPr txBox="1"/>
           <p:nvPr/>
         </p:nvSpPr>
         <p:spPr>
           <a:xfrm>
-            <a:off x="3501589" y="3208927"/>
-            <a:ext cx="731667" cy="230832"/>
+            <a:off x="5306950" y="3662807"/>
+            <a:ext cx="1566423" cy="215444"/>
           </a:xfrm>
           <a:prstGeom prst="rect">
             <a:avLst/>
@@ -6782,14 +6675,14 @@
           <a:p>
             <a:pPr algn="ctr"/>
             <a:r>
-              <a:rPr kumimoji="1" lang="ja-JP" altLang="en-US" sz="900" dirty="0" smtClean="0">
+              <a:rPr kumimoji="1" lang="ja-JP" altLang="en-US" sz="800" dirty="0" smtClean="0">
                 <a:solidFill>
                   <a:srgbClr val="FF0000"/>
                 </a:solidFill>
               </a:rPr>
               <a:t>急ハンドル</a:t>
             </a:r>
-            <a:endParaRPr kumimoji="1" lang="ja-JP" altLang="en-US" sz="900" dirty="0">
+            <a:endParaRPr kumimoji="1" lang="ja-JP" altLang="en-US" sz="800" dirty="0">
               <a:solidFill>
                 <a:srgbClr val="FF0000"/>
               </a:solidFill>
@@ -6805,8 +6698,8 @@
         </p:nvSpPr>
         <p:spPr>
           <a:xfrm>
-            <a:off x="4529995" y="3202062"/>
-            <a:ext cx="864794" cy="230832"/>
+            <a:off x="7294143" y="3658653"/>
+            <a:ext cx="777382" cy="215444"/>
           </a:xfrm>
           <a:prstGeom prst="rect">
             <a:avLst/>
@@ -6828,14 +6721,14 @@
           <a:p>
             <a:pPr algn="ctr"/>
             <a:r>
-              <a:rPr kumimoji="1" lang="ja-JP" altLang="en-US" sz="900" dirty="0" smtClean="0">
+              <a:rPr kumimoji="1" lang="ja-JP" altLang="en-US" sz="800" dirty="0" smtClean="0">
                 <a:solidFill>
                   <a:srgbClr val="FF0000"/>
                 </a:solidFill>
               </a:rPr>
               <a:t>急アクセル</a:t>
             </a:r>
-            <a:endParaRPr kumimoji="1" lang="ja-JP" altLang="en-US" sz="900" dirty="0">
+            <a:endParaRPr kumimoji="1" lang="ja-JP" altLang="en-US" sz="800" dirty="0">
               <a:solidFill>
                 <a:srgbClr val="FF0000"/>
               </a:solidFill>
@@ -6851,8 +6744,8 @@
         </p:nvSpPr>
         <p:spPr>
           <a:xfrm>
-            <a:off x="5552523" y="3186660"/>
-            <a:ext cx="869649" cy="230832"/>
+            <a:off x="8129359" y="3663635"/>
+            <a:ext cx="804988" cy="215444"/>
           </a:xfrm>
           <a:prstGeom prst="rect">
             <a:avLst/>
@@ -6874,14 +6767,14 @@
           <a:p>
             <a:pPr algn="ctr"/>
             <a:r>
-              <a:rPr kumimoji="1" lang="ja-JP" altLang="en-US" sz="900" dirty="0" smtClean="0">
+              <a:rPr kumimoji="1" lang="ja-JP" altLang="en-US" sz="800" dirty="0" smtClean="0">
                 <a:solidFill>
                   <a:srgbClr val="FF0000"/>
                 </a:solidFill>
               </a:rPr>
               <a:t>急ブレーキ</a:t>
             </a:r>
-            <a:endParaRPr kumimoji="1" lang="ja-JP" altLang="en-US" sz="900" dirty="0">
+            <a:endParaRPr kumimoji="1" lang="ja-JP" altLang="en-US" sz="800" dirty="0">
               <a:solidFill>
                 <a:srgbClr val="FF0000"/>
               </a:solidFill>
@@ -6897,13 +6790,20 @@
         </p:nvSpPr>
         <p:spPr>
           <a:xfrm>
-            <a:off x="4934480" y="3915306"/>
-            <a:ext cx="1952498" cy="1569660"/>
+            <a:off x="7328917" y="4348236"/>
+            <a:ext cx="1463334" cy="1169551"/>
           </a:xfrm>
           <a:prstGeom prst="rect">
             <a:avLst/>
           </a:prstGeom>
           <a:noFill/>
+          <a:ln>
+            <a:solidFill>
+              <a:schemeClr val="accent1">
+                <a:lumMod val="50000"/>
+              </a:schemeClr>
+            </a:solidFill>
+          </a:ln>
         </p:spPr>
         <p:txBody>
           <a:bodyPr wrap="square" rtlCol="0">
@@ -6912,52 +6812,68 @@
           <a:lstStyle/>
           <a:p>
             <a:r>
-              <a:rPr lang="ja-JP" altLang="en-US" sz="800" dirty="0" smtClean="0"/>
-              <a:t>走行中にスピードを制御し、急加速、急減速を</a:t>
-            </a:r>
-            <a:r>
-              <a:rPr lang="ja-JP" altLang="en-US" sz="800" dirty="0" smtClean="0"/>
-              <a:t>しない。</a:t>
-            </a:r>
-            <a:endParaRPr lang="en-US" altLang="ja-JP" sz="800" dirty="0" smtClean="0"/>
-          </a:p>
-          <a:p>
-            <a:endParaRPr lang="en-US" altLang="ja-JP" sz="800" dirty="0" smtClean="0"/>
-          </a:p>
-          <a:p>
-            <a:r>
-              <a:rPr kumimoji="1" lang="ja-JP" altLang="en-US" sz="800" dirty="0" smtClean="0"/>
-              <a:t>これにより、走行体の前後のバランスを大きく崩すことなく走行し、転倒のリスクを減らす。</a:t>
-            </a:r>
-            <a:endParaRPr kumimoji="1" lang="en-US" altLang="ja-JP" sz="800" dirty="0" smtClean="0"/>
-          </a:p>
-          <a:p>
-            <a:endParaRPr lang="en-US" altLang="ja-JP" sz="800" dirty="0" smtClean="0"/>
-          </a:p>
-          <a:p>
-            <a:r>
-              <a:rPr lang="ja-JP" altLang="en-US" sz="800" dirty="0" smtClean="0"/>
-              <a:t>また、前後の振幅を少なくすることでパワーの無駄遣いを減少させる。</a:t>
-            </a:r>
-            <a:endParaRPr lang="en-US" altLang="ja-JP" sz="800" dirty="0"/>
-          </a:p>
-          <a:p>
-            <a:endParaRPr kumimoji="1" lang="en-US" altLang="ja-JP" sz="800" dirty="0" smtClean="0"/>
-          </a:p>
-          <a:p>
-            <a:r>
-              <a:rPr kumimoji="1" lang="ja-JP" altLang="en-US" sz="800" dirty="0" smtClean="0"/>
-              <a:t>直線では「</a:t>
-            </a:r>
-            <a:r>
-              <a:rPr lang="ja-JP" altLang="en-US" sz="800" dirty="0" smtClean="0"/>
-              <a:t>加速」</a:t>
-            </a:r>
-            <a:r>
-              <a:rPr kumimoji="1" lang="ja-JP" altLang="en-US" sz="800" dirty="0" smtClean="0"/>
-              <a:t>、カーブでは「減速」することにより、コースアウトを防止する。</a:t>
-            </a:r>
-            <a:endParaRPr kumimoji="1" lang="en-US" altLang="ja-JP" sz="800" dirty="0" smtClean="0"/>
+              <a:rPr lang="ja-JP" altLang="en-US" sz="700" dirty="0" smtClean="0">
+                <a:latin typeface="游ゴシック" panose="020B0400000000000000" pitchFamily="50" charset="-128"/>
+                <a:ea typeface="游ゴシック" panose="020B0400000000000000" pitchFamily="50" charset="-128"/>
+              </a:rPr>
+              <a:t>走行中にスピードを制御し、急加速、急減速をしない。</a:t>
+            </a:r>
+            <a:endParaRPr lang="en-US" altLang="ja-JP" sz="700" dirty="0" smtClean="0">
+              <a:latin typeface="游ゴシック" panose="020B0400000000000000" pitchFamily="50" charset="-128"/>
+              <a:ea typeface="游ゴシック" panose="020B0400000000000000" pitchFamily="50" charset="-128"/>
+            </a:endParaRPr>
+          </a:p>
+          <a:p>
+            <a:endParaRPr lang="en-US" altLang="ja-JP" sz="700" dirty="0" smtClean="0">
+              <a:latin typeface="游ゴシック" panose="020B0400000000000000" pitchFamily="50" charset="-128"/>
+              <a:ea typeface="游ゴシック" panose="020B0400000000000000" pitchFamily="50" charset="-128"/>
+            </a:endParaRPr>
+          </a:p>
+          <a:p>
+            <a:r>
+              <a:rPr kumimoji="1" lang="ja-JP" altLang="en-US" sz="700" dirty="0" smtClean="0">
+                <a:latin typeface="游ゴシック" panose="020B0400000000000000" pitchFamily="50" charset="-128"/>
+                <a:ea typeface="游ゴシック" panose="020B0400000000000000" pitchFamily="50" charset="-128"/>
+              </a:rPr>
+              <a:t>走行体</a:t>
+            </a:r>
+            <a:r>
+              <a:rPr kumimoji="1" lang="ja-JP" altLang="en-US" sz="700" dirty="0" smtClean="0">
+                <a:latin typeface="游ゴシック" panose="020B0400000000000000" pitchFamily="50" charset="-128"/>
+                <a:ea typeface="游ゴシック" panose="020B0400000000000000" pitchFamily="50" charset="-128"/>
+              </a:rPr>
+              <a:t>の前後のバランスを大きく崩すことなく走行し、転倒のリスクを減らす。</a:t>
+            </a:r>
+            <a:endParaRPr kumimoji="1" lang="en-US" altLang="ja-JP" sz="700" dirty="0" smtClean="0">
+              <a:latin typeface="游ゴシック" panose="020B0400000000000000" pitchFamily="50" charset="-128"/>
+              <a:ea typeface="游ゴシック" panose="020B0400000000000000" pitchFamily="50" charset="-128"/>
+            </a:endParaRPr>
+          </a:p>
+          <a:p>
+            <a:endParaRPr lang="en-US" altLang="ja-JP" sz="700" dirty="0" smtClean="0">
+              <a:latin typeface="游ゴシック" panose="020B0400000000000000" pitchFamily="50" charset="-128"/>
+              <a:ea typeface="游ゴシック" panose="020B0400000000000000" pitchFamily="50" charset="-128"/>
+            </a:endParaRPr>
+          </a:p>
+          <a:p>
+            <a:r>
+              <a:rPr lang="ja-JP" altLang="en-US" sz="700" dirty="0" smtClean="0">
+                <a:latin typeface="游ゴシック" panose="020B0400000000000000" pitchFamily="50" charset="-128"/>
+                <a:ea typeface="游ゴシック" panose="020B0400000000000000" pitchFamily="50" charset="-128"/>
+              </a:rPr>
+              <a:t>また、前後の振幅を少なくすることでパワーの無駄遣いを減少させる</a:t>
+            </a:r>
+            <a:r>
+              <a:rPr lang="ja-JP" altLang="en-US" sz="700" dirty="0" smtClean="0">
+                <a:latin typeface="游ゴシック" panose="020B0400000000000000" pitchFamily="50" charset="-128"/>
+                <a:ea typeface="游ゴシック" panose="020B0400000000000000" pitchFamily="50" charset="-128"/>
+              </a:rPr>
+              <a:t>。</a:t>
+            </a:r>
+            <a:endParaRPr lang="en-US" altLang="ja-JP" sz="700" dirty="0">
+              <a:latin typeface="游ゴシック" panose="020B0400000000000000" pitchFamily="50" charset="-128"/>
+              <a:ea typeface="游ゴシック" panose="020B0400000000000000" pitchFamily="50" charset="-128"/>
+            </a:endParaRPr>
           </a:p>
         </p:txBody>
       </p:sp>
@@ -6969,13 +6885,20 @@
         </p:nvSpPr>
         <p:spPr>
           <a:xfrm>
-            <a:off x="3132240" y="3925397"/>
-            <a:ext cx="1941120" cy="1079416"/>
+            <a:off x="5406753" y="4333477"/>
+            <a:ext cx="1497738" cy="1169551"/>
           </a:xfrm>
           <a:prstGeom prst="rect">
             <a:avLst/>
           </a:prstGeom>
           <a:noFill/>
+          <a:ln>
+            <a:solidFill>
+              <a:schemeClr val="accent1">
+                <a:lumMod val="50000"/>
+              </a:schemeClr>
+            </a:solidFill>
+          </a:ln>
         </p:spPr>
         <p:txBody>
           <a:bodyPr wrap="square" rtlCol="0">
@@ -6984,67 +6907,125 @@
           <a:lstStyle/>
           <a:p>
             <a:r>
-              <a:rPr lang="ja-JP" altLang="en-US" sz="800" dirty="0" smtClean="0"/>
+              <a:rPr lang="ja-JP" altLang="en-US" sz="700" dirty="0" smtClean="0">
+                <a:latin typeface="游ゴシック" panose="020B0400000000000000" pitchFamily="50" charset="-128"/>
+                <a:ea typeface="游ゴシック" panose="020B0400000000000000" pitchFamily="50" charset="-128"/>
+              </a:rPr>
               <a:t>ライントレースの際の旋回角度</a:t>
             </a:r>
             <a:r>
-              <a:rPr lang="en-US" altLang="ja-JP" sz="800" dirty="0" smtClean="0"/>
+              <a:rPr lang="en-US" altLang="ja-JP" sz="700" dirty="0" smtClean="0">
+                <a:latin typeface="游ゴシック" panose="020B0400000000000000" pitchFamily="50" charset="-128"/>
+                <a:ea typeface="游ゴシック" panose="020B0400000000000000" pitchFamily="50" charset="-128"/>
+              </a:rPr>
               <a:t>(</a:t>
             </a:r>
             <a:r>
-              <a:rPr lang="ja-JP" altLang="en-US" sz="800" dirty="0" smtClean="0"/>
+              <a:rPr lang="ja-JP" altLang="en-US" sz="700" dirty="0" smtClean="0">
+                <a:latin typeface="游ゴシック" panose="020B0400000000000000" pitchFamily="50" charset="-128"/>
+                <a:ea typeface="游ゴシック" panose="020B0400000000000000" pitchFamily="50" charset="-128"/>
+              </a:rPr>
               <a:t>ハンドルの切れ角</a:t>
             </a:r>
             <a:r>
-              <a:rPr lang="en-US" altLang="ja-JP" sz="800" dirty="0" smtClean="0"/>
+              <a:rPr lang="en-US" altLang="ja-JP" sz="700" dirty="0" smtClean="0">
+                <a:latin typeface="游ゴシック" panose="020B0400000000000000" pitchFamily="50" charset="-128"/>
+                <a:ea typeface="游ゴシック" panose="020B0400000000000000" pitchFamily="50" charset="-128"/>
+              </a:rPr>
               <a:t>)</a:t>
             </a:r>
             <a:r>
-              <a:rPr lang="ja-JP" altLang="en-US" sz="800" dirty="0" smtClean="0"/>
+              <a:rPr lang="ja-JP" altLang="en-US" sz="700" dirty="0" smtClean="0">
+                <a:latin typeface="游ゴシック" panose="020B0400000000000000" pitchFamily="50" charset="-128"/>
+                <a:ea typeface="游ゴシック" panose="020B0400000000000000" pitchFamily="50" charset="-128"/>
+              </a:rPr>
               <a:t>を求めるために、フィードバック制御</a:t>
             </a:r>
             <a:r>
-              <a:rPr lang="en-US" altLang="ja-JP" sz="800" dirty="0" smtClean="0"/>
+              <a:rPr lang="en-US" altLang="ja-JP" sz="700" dirty="0" smtClean="0">
+                <a:latin typeface="游ゴシック" panose="020B0400000000000000" pitchFamily="50" charset="-128"/>
+                <a:ea typeface="游ゴシック" panose="020B0400000000000000" pitchFamily="50" charset="-128"/>
+              </a:rPr>
               <a:t>(PID</a:t>
             </a:r>
             <a:r>
-              <a:rPr lang="ja-JP" altLang="en-US" sz="800" dirty="0" smtClean="0"/>
+              <a:rPr lang="ja-JP" altLang="en-US" sz="700" dirty="0" smtClean="0">
+                <a:latin typeface="游ゴシック" panose="020B0400000000000000" pitchFamily="50" charset="-128"/>
+                <a:ea typeface="游ゴシック" panose="020B0400000000000000" pitchFamily="50" charset="-128"/>
+              </a:rPr>
               <a:t>制御</a:t>
             </a:r>
             <a:r>
-              <a:rPr lang="en-US" altLang="ja-JP" sz="800" dirty="0" smtClean="0"/>
+              <a:rPr lang="en-US" altLang="ja-JP" sz="700" dirty="0" smtClean="0">
+                <a:latin typeface="游ゴシック" panose="020B0400000000000000" pitchFamily="50" charset="-128"/>
+                <a:ea typeface="游ゴシック" panose="020B0400000000000000" pitchFamily="50" charset="-128"/>
+              </a:rPr>
               <a:t>)</a:t>
             </a:r>
             <a:r>
-              <a:rPr lang="ja-JP" altLang="en-US" sz="800" dirty="0" smtClean="0"/>
+              <a:rPr lang="ja-JP" altLang="en-US" sz="700" dirty="0" smtClean="0">
+                <a:latin typeface="游ゴシック" panose="020B0400000000000000" pitchFamily="50" charset="-128"/>
+                <a:ea typeface="游ゴシック" panose="020B0400000000000000" pitchFamily="50" charset="-128"/>
+              </a:rPr>
               <a:t>を行う。</a:t>
             </a:r>
-            <a:endParaRPr lang="en-US" altLang="ja-JP" sz="800" dirty="0" smtClean="0"/>
-          </a:p>
-          <a:p>
-            <a:endParaRPr lang="en-US" altLang="ja-JP" sz="800" dirty="0" smtClean="0"/>
-          </a:p>
-          <a:p>
-            <a:r>
-              <a:rPr lang="en-US" altLang="ja-JP" sz="800" dirty="0" smtClean="0"/>
+            <a:endParaRPr lang="en-US" altLang="ja-JP" sz="700" dirty="0" smtClean="0">
+              <a:latin typeface="游ゴシック" panose="020B0400000000000000" pitchFamily="50" charset="-128"/>
+              <a:ea typeface="游ゴシック" panose="020B0400000000000000" pitchFamily="50" charset="-128"/>
+            </a:endParaRPr>
+          </a:p>
+          <a:p>
+            <a:endParaRPr lang="en-US" altLang="ja-JP" sz="700" dirty="0" smtClean="0">
+              <a:latin typeface="游ゴシック" panose="020B0400000000000000" pitchFamily="50" charset="-128"/>
+              <a:ea typeface="游ゴシック" panose="020B0400000000000000" pitchFamily="50" charset="-128"/>
+            </a:endParaRPr>
+          </a:p>
+          <a:p>
+            <a:r>
+              <a:rPr lang="en-US" altLang="ja-JP" sz="700" dirty="0" smtClean="0">
+                <a:latin typeface="游ゴシック" panose="020B0400000000000000" pitchFamily="50" charset="-128"/>
+                <a:ea typeface="游ゴシック" panose="020B0400000000000000" pitchFamily="50" charset="-128"/>
+              </a:rPr>
               <a:t>PID</a:t>
             </a:r>
             <a:r>
-              <a:rPr lang="ja-JP" altLang="en-US" sz="800" dirty="0" smtClean="0"/>
+              <a:rPr lang="ja-JP" altLang="en-US" sz="700" dirty="0" smtClean="0">
+                <a:latin typeface="游ゴシック" panose="020B0400000000000000" pitchFamily="50" charset="-128"/>
+                <a:ea typeface="游ゴシック" panose="020B0400000000000000" pitchFamily="50" charset="-128"/>
+              </a:rPr>
               <a:t>ゲインは、走行中情報から求める。また、走行体のスピードにより、</a:t>
             </a:r>
             <a:r>
-              <a:rPr lang="en-US" altLang="ja-JP" sz="800" dirty="0" smtClean="0"/>
+              <a:rPr lang="en-US" altLang="ja-JP" sz="700" dirty="0" smtClean="0">
+                <a:latin typeface="游ゴシック" panose="020B0400000000000000" pitchFamily="50" charset="-128"/>
+                <a:ea typeface="游ゴシック" panose="020B0400000000000000" pitchFamily="50" charset="-128"/>
+              </a:rPr>
               <a:t>PID</a:t>
             </a:r>
             <a:r>
-              <a:rPr lang="ja-JP" altLang="en-US" sz="800" dirty="0" smtClean="0"/>
-              <a:t>それぞれのパラメータを切り替える。</a:t>
-            </a:r>
-            <a:endParaRPr lang="en-US" altLang="ja-JP" sz="800" dirty="0" smtClean="0"/>
-          </a:p>
-          <a:p>
-            <a:endParaRPr lang="en-US" altLang="ja-JP" sz="800" dirty="0" smtClean="0"/>
+              <a:rPr lang="ja-JP" altLang="en-US" sz="700" dirty="0" smtClean="0">
+                <a:latin typeface="游ゴシック" panose="020B0400000000000000" pitchFamily="50" charset="-128"/>
+                <a:ea typeface="游ゴシック" panose="020B0400000000000000" pitchFamily="50" charset="-128"/>
+              </a:rPr>
+              <a:t>それぞれのパラメータを切り替える</a:t>
+            </a:r>
+            <a:r>
+              <a:rPr lang="ja-JP" altLang="en-US" sz="700" dirty="0" smtClean="0">
+                <a:latin typeface="游ゴシック" panose="020B0400000000000000" pitchFamily="50" charset="-128"/>
+                <a:ea typeface="游ゴシック" panose="020B0400000000000000" pitchFamily="50" charset="-128"/>
+              </a:rPr>
+              <a:t>。</a:t>
+            </a:r>
+            <a:endParaRPr lang="en-US" altLang="ja-JP" sz="700" dirty="0" smtClean="0">
+              <a:latin typeface="游ゴシック" panose="020B0400000000000000" pitchFamily="50" charset="-128"/>
+              <a:ea typeface="游ゴシック" panose="020B0400000000000000" pitchFamily="50" charset="-128"/>
+            </a:endParaRPr>
+          </a:p>
+          <a:p>
+            <a:endParaRPr lang="en-US" altLang="ja-JP" sz="700" dirty="0" smtClean="0">
+              <a:latin typeface="游ゴシック" panose="020B0400000000000000" pitchFamily="50" charset="-128"/>
+              <a:ea typeface="游ゴシック" panose="020B0400000000000000" pitchFamily="50" charset="-128"/>
+            </a:endParaRPr>
           </a:p>
         </p:txBody>
       </p:sp>
@@ -7056,8 +7037,8 @@
         </p:nvSpPr>
         <p:spPr>
           <a:xfrm>
-            <a:off x="3185567" y="3561495"/>
-            <a:ext cx="3668914" cy="330777"/>
+            <a:off x="5306281" y="3912283"/>
+            <a:ext cx="3687111" cy="275460"/>
           </a:xfrm>
           <a:prstGeom prst="roundRect">
             <a:avLst/>
@@ -7091,14 +7072,14 @@
           <a:p>
             <a:pPr algn="ctr"/>
             <a:r>
-              <a:rPr lang="ja-JP" altLang="en-US" sz="900" b="1" dirty="0" smtClean="0">
+              <a:rPr lang="ja-JP" altLang="en-US" sz="800" b="1" dirty="0" smtClean="0">
                 <a:solidFill>
                   <a:srgbClr val="FF0000"/>
                 </a:solidFill>
               </a:rPr>
               <a:t>これらの挙動は厳禁！</a:t>
             </a:r>
-            <a:endParaRPr lang="en-US" altLang="ja-JP" sz="900" b="1" dirty="0">
+            <a:endParaRPr lang="en-US" altLang="ja-JP" sz="800" b="1" dirty="0">
               <a:solidFill>
                 <a:srgbClr val="FF0000"/>
               </a:solidFill>
@@ -7114,11 +7095,13 @@
         </p:nvSpPr>
         <p:spPr>
           <a:xfrm>
-            <a:off x="3241669" y="1632563"/>
-            <a:ext cx="3668993" cy="398682"/>
+            <a:off x="3275614" y="2131469"/>
+            <a:ext cx="5717778" cy="235964"/>
           </a:xfrm>
           <a:prstGeom prst="roundRect">
-            <a:avLst/>
+            <a:avLst>
+              <a:gd name="adj" fmla="val 7736"/>
+            </a:avLst>
           </a:prstGeom>
           <a:solidFill>
             <a:schemeClr val="bg1"/>
@@ -7158,7 +7141,17 @@
                   </a:schemeClr>
                 </a:solidFill>
               </a:rPr>
-              <a:t>発進に特化した制御を行う</a:t>
+              <a:t>安定化</a:t>
+            </a:r>
+            <a:r>
+              <a:rPr lang="ja-JP" altLang="en-US" sz="900" b="1" dirty="0">
+                <a:solidFill>
+                  <a:schemeClr val="accent1">
+                    <a:lumMod val="50000"/>
+                  </a:schemeClr>
+                </a:solidFill>
+              </a:rPr>
+              <a:t>スタート</a:t>
             </a:r>
             <a:endParaRPr lang="en-US" altLang="ja-JP" sz="900" b="1" dirty="0">
               <a:solidFill>
@@ -7178,11 +7171,13 @@
         </p:nvSpPr>
         <p:spPr>
           <a:xfrm>
-            <a:off x="3181556" y="5508000"/>
-            <a:ext cx="3697805" cy="934710"/>
+            <a:off x="5294090" y="5568150"/>
+            <a:ext cx="3697805" cy="875845"/>
           </a:xfrm>
           <a:prstGeom prst="roundRect">
-            <a:avLst/>
+            <a:avLst>
+              <a:gd name="adj" fmla="val 5254"/>
+            </a:avLst>
           </a:prstGeom>
           <a:solidFill>
             <a:schemeClr val="bg1"/>
@@ -7210,9 +7205,10 @@
           </a:fontRef>
         </p:style>
         <p:txBody>
-          <a:bodyPr rtlCol="0" anchor="t" anchorCtr="0"/>
-          <a:lstStyle/>
-          <a:p>
+          <a:bodyPr rtlCol="0" anchor="b" anchorCtr="0"/>
+          <a:lstStyle/>
+          <a:p>
+            <a:pPr algn="ctr"/>
             <a:r>
               <a:rPr lang="ja-JP" altLang="en-US" sz="900" b="1" dirty="0" smtClean="0">
                 <a:solidFill>
@@ -7241,7 +7237,7 @@
         </p:nvSpPr>
         <p:spPr>
           <a:xfrm>
-            <a:off x="3264245" y="5924106"/>
+            <a:off x="5406753" y="5778000"/>
             <a:ext cx="1497738" cy="383763"/>
           </a:xfrm>
           <a:prstGeom prst="roundRect">
@@ -7315,8 +7311,8 @@
         </p:nvSpPr>
         <p:spPr>
           <a:xfrm>
-            <a:off x="5199430" y="5924107"/>
-            <a:ext cx="1582370" cy="372517"/>
+            <a:off x="7334095" y="5789246"/>
+            <a:ext cx="1458155" cy="372517"/>
           </a:xfrm>
           <a:prstGeom prst="roundRect">
             <a:avLst/>
@@ -7379,7 +7375,7 @@
         </p:nvSpPr>
         <p:spPr>
           <a:xfrm>
-            <a:off x="4871567" y="5989878"/>
+            <a:off x="6968708" y="5832944"/>
             <a:ext cx="252295" cy="262627"/>
           </a:xfrm>
           <a:prstGeom prst="plus">
@@ -7424,11 +7420,13 @@
         </p:nvSpPr>
         <p:spPr>
           <a:xfrm>
-            <a:off x="7000411" y="5508000"/>
-            <a:ext cx="1930057" cy="914281"/>
+            <a:off x="3282598" y="5568150"/>
+            <a:ext cx="1930057" cy="885005"/>
           </a:xfrm>
           <a:prstGeom prst="roundRect">
-            <a:avLst/>
+            <a:avLst>
+              <a:gd name="adj" fmla="val 5554"/>
+            </a:avLst>
           </a:prstGeom>
           <a:solidFill>
             <a:schemeClr val="bg1"/>
@@ -7468,27 +7466,7 @@
                   </a:schemeClr>
                 </a:solidFill>
               </a:rPr>
-              <a:t>走行体に走行中情報を提供する。</a:t>
-            </a:r>
-            <a:endParaRPr lang="en-US" altLang="ja-JP" sz="900" b="1" dirty="0" smtClean="0">
-              <a:solidFill>
-                <a:schemeClr val="accent1">
-                  <a:lumMod val="50000"/>
-                </a:schemeClr>
-              </a:solidFill>
-            </a:endParaRPr>
-          </a:p>
-          <a:p>
-            <a:pPr algn="ctr"/>
-            <a:r>
-              <a:rPr lang="ja-JP" altLang="en-US" sz="900" b="1" dirty="0" smtClean="0">
-                <a:solidFill>
-                  <a:schemeClr val="accent1">
-                    <a:lumMod val="50000"/>
-                  </a:schemeClr>
-                </a:solidFill>
-              </a:rPr>
-              <a:t>ナビゲーションを行う。</a:t>
+              <a:t>ナビゲーション</a:t>
             </a:r>
             <a:endParaRPr lang="en-US" altLang="ja-JP" sz="900" b="1" dirty="0">
               <a:solidFill>
@@ -7508,8 +7486,8 @@
         </p:nvSpPr>
         <p:spPr>
           <a:xfrm>
-            <a:off x="7097196" y="5657471"/>
-            <a:ext cx="1749068" cy="307669"/>
+            <a:off x="3351610" y="5673322"/>
+            <a:ext cx="1795786" cy="224230"/>
           </a:xfrm>
           <a:prstGeom prst="roundRect">
             <a:avLst/>
@@ -7540,7 +7518,7 @@
           </a:fontRef>
         </p:style>
         <p:txBody>
-          <a:bodyPr rtlCol="0" anchor="t" anchorCtr="0"/>
+          <a:bodyPr rtlCol="0" anchor="ctr" anchorCtr="0"/>
           <a:lstStyle/>
           <a:p>
             <a:pPr algn="ctr"/>
@@ -7552,7 +7530,17 @@
                   </a:schemeClr>
                 </a:solidFill>
               </a:rPr>
-              <a:t>収集したセンサー値を集積する</a:t>
+              <a:t>モニタ</a:t>
+            </a:r>
+            <a:r>
+              <a:rPr lang="ja-JP" altLang="en-US" sz="900" b="1" dirty="0" smtClean="0">
+                <a:solidFill>
+                  <a:schemeClr val="accent1">
+                    <a:lumMod val="50000"/>
+                  </a:schemeClr>
+                </a:solidFill>
+              </a:rPr>
+              <a:t>データの集積</a:t>
             </a:r>
             <a:endParaRPr lang="en-US" altLang="ja-JP" sz="900" b="1" dirty="0">
               <a:solidFill>
@@ -7566,57 +7554,14 @@
       </p:sp>
       <p:sp>
         <p:nvSpPr>
-          <p:cNvPr id="68" name="下矢印 67"/>
-          <p:cNvSpPr/>
-          <p:nvPr/>
-        </p:nvSpPr>
-        <p:spPr>
-          <a:xfrm rot="5400000">
-            <a:off x="6837283" y="5944193"/>
-            <a:ext cx="195795" cy="155625"/>
-          </a:xfrm>
-          <a:prstGeom prst="downArrow">
-            <a:avLst/>
-          </a:prstGeom>
-          <a:solidFill>
-            <a:srgbClr val="FFC000"/>
-          </a:solidFill>
-        </p:spPr>
-        <p:style>
-          <a:lnRef idx="2">
-            <a:schemeClr val="accent1">
-              <a:shade val="50000"/>
-            </a:schemeClr>
-          </a:lnRef>
-          <a:fillRef idx="1">
-            <a:schemeClr val="accent1"/>
-          </a:fillRef>
-          <a:effectRef idx="0">
-            <a:schemeClr val="accent1"/>
-          </a:effectRef>
-          <a:fontRef idx="minor">
-            <a:schemeClr val="lt1"/>
-          </a:fontRef>
-        </p:style>
-        <p:txBody>
-          <a:bodyPr rtlCol="0" anchor="ctr"/>
-          <a:lstStyle/>
-          <a:p>
-            <a:pPr algn="ctr"/>
-            <a:endParaRPr kumimoji="1" lang="ja-JP" altLang="en-US" sz="1000" dirty="0" smtClean="0"/>
-          </a:p>
-        </p:txBody>
-      </p:sp>
-      <p:sp>
-        <p:nvSpPr>
           <p:cNvPr id="59" name="角丸四角形 58"/>
           <p:cNvSpPr/>
           <p:nvPr/>
         </p:nvSpPr>
         <p:spPr>
           <a:xfrm>
-            <a:off x="7058957" y="5114030"/>
-            <a:ext cx="1753332" cy="228674"/>
+            <a:off x="3303937" y="4900107"/>
+            <a:ext cx="1930057" cy="264047"/>
           </a:xfrm>
           <a:prstGeom prst="roundRect">
             <a:avLst/>
@@ -7659,7 +7604,7 @@
                   </a:schemeClr>
                 </a:solidFill>
               </a:rPr>
-              <a:t>キャリブレーションを行う</a:t>
+              <a:t>キャリブレーション</a:t>
             </a:r>
             <a:endParaRPr lang="en-US" altLang="ja-JP" sz="900" b="1" dirty="0">
               <a:solidFill>
@@ -7679,8 +7624,8 @@
         </p:nvSpPr>
         <p:spPr>
           <a:xfrm>
-            <a:off x="7900505" y="5312087"/>
-            <a:ext cx="195795" cy="293751"/>
+            <a:off x="6088967" y="5448984"/>
+            <a:ext cx="195795" cy="266146"/>
           </a:xfrm>
           <a:prstGeom prst="downArrow">
             <a:avLst/>
@@ -7711,6 +7656,1723 @@
           <a:p>
             <a:pPr algn="ctr"/>
             <a:endParaRPr kumimoji="1" lang="ja-JP" altLang="en-US" sz="1000" dirty="0" smtClean="0"/>
+          </a:p>
+        </p:txBody>
+      </p:sp>
+      <p:sp>
+        <p:nvSpPr>
+          <p:cNvPr id="26" name="テキスト ボックス 25"/>
+          <p:cNvSpPr txBox="1"/>
+          <p:nvPr/>
+        </p:nvSpPr>
+        <p:spPr>
+          <a:xfrm>
+            <a:off x="4767331" y="919396"/>
+            <a:ext cx="1117599" cy="523220"/>
+          </a:xfrm>
+          <a:prstGeom prst="rect">
+            <a:avLst/>
+          </a:prstGeom>
+          <a:noFill/>
+          <a:ln>
+            <a:solidFill>
+              <a:schemeClr val="accent1">
+                <a:lumMod val="50000"/>
+              </a:schemeClr>
+            </a:solidFill>
+          </a:ln>
+        </p:spPr>
+        <p:txBody>
+          <a:bodyPr wrap="square" rtlCol="0">
+            <a:spAutoFit/>
+          </a:bodyPr>
+          <a:lstStyle/>
+          <a:p>
+            <a:r>
+              <a:rPr lang="ja-JP" altLang="en-US" sz="700" dirty="0" smtClean="0">
+                <a:latin typeface="游ゴシック" panose="020B0400000000000000" pitchFamily="50" charset="-128"/>
+                <a:ea typeface="游ゴシック" panose="020B0400000000000000" pitchFamily="50" charset="-128"/>
+              </a:rPr>
+              <a:t>起立</a:t>
+            </a:r>
+            <a:r>
+              <a:rPr lang="ja-JP" altLang="en-US" sz="700" dirty="0" smtClean="0">
+                <a:latin typeface="游ゴシック" panose="020B0400000000000000" pitchFamily="50" charset="-128"/>
+                <a:ea typeface="游ゴシック" panose="020B0400000000000000" pitchFamily="50" charset="-128"/>
+              </a:rPr>
+              <a:t>した状態から</a:t>
+            </a:r>
+            <a:r>
+              <a:rPr lang="ja-JP" altLang="en-US" sz="700" dirty="0" smtClean="0">
+                <a:latin typeface="游ゴシック" panose="020B0400000000000000" pitchFamily="50" charset="-128"/>
+                <a:ea typeface="游ゴシック" panose="020B0400000000000000" pitchFamily="50" charset="-128"/>
+              </a:rPr>
+              <a:t>、</a:t>
+            </a:r>
+            <a:endParaRPr lang="en-US" altLang="ja-JP" sz="700" dirty="0" smtClean="0">
+              <a:latin typeface="游ゴシック" panose="020B0400000000000000" pitchFamily="50" charset="-128"/>
+              <a:ea typeface="游ゴシック" panose="020B0400000000000000" pitchFamily="50" charset="-128"/>
+            </a:endParaRPr>
+          </a:p>
+          <a:p>
+            <a:endParaRPr lang="en-US" altLang="ja-JP" sz="700" dirty="0" smtClean="0">
+              <a:latin typeface="游ゴシック" panose="020B0400000000000000" pitchFamily="50" charset="-128"/>
+              <a:ea typeface="游ゴシック" panose="020B0400000000000000" pitchFamily="50" charset="-128"/>
+            </a:endParaRPr>
+          </a:p>
+          <a:p>
+            <a:r>
+              <a:rPr lang="ja-JP" altLang="en-US" sz="700" dirty="0" smtClean="0">
+                <a:latin typeface="游ゴシック" panose="020B0400000000000000" pitchFamily="50" charset="-128"/>
+                <a:ea typeface="游ゴシック" panose="020B0400000000000000" pitchFamily="50" charset="-128"/>
+              </a:rPr>
+              <a:t>②尻尾を回し、走行体を前方に傾ける</a:t>
+            </a:r>
+            <a:endParaRPr lang="en-US" altLang="ja-JP" sz="700" dirty="0" smtClean="0">
+              <a:latin typeface="游ゴシック" panose="020B0400000000000000" pitchFamily="50" charset="-128"/>
+              <a:ea typeface="游ゴシック" panose="020B0400000000000000" pitchFamily="50" charset="-128"/>
+            </a:endParaRPr>
+          </a:p>
+        </p:txBody>
+      </p:sp>
+      <p:sp>
+        <p:nvSpPr>
+          <p:cNvPr id="7" name="テキスト ボックス 6"/>
+          <p:cNvSpPr txBox="1"/>
+          <p:nvPr/>
+        </p:nvSpPr>
+        <p:spPr>
+          <a:xfrm>
+            <a:off x="3280492" y="1503503"/>
+            <a:ext cx="5706363" cy="369332"/>
+          </a:xfrm>
+          <a:prstGeom prst="rect">
+            <a:avLst/>
+          </a:prstGeom>
+          <a:noFill/>
+          <a:ln>
+            <a:solidFill>
+              <a:schemeClr val="accent1">
+                <a:lumMod val="50000"/>
+              </a:schemeClr>
+            </a:solidFill>
+          </a:ln>
+        </p:spPr>
+        <p:txBody>
+          <a:bodyPr wrap="square" rtlCol="0">
+            <a:spAutoFit/>
+          </a:bodyPr>
+          <a:lstStyle/>
+          <a:p>
+            <a:r>
+              <a:rPr kumimoji="1" lang="en-US" altLang="ja-JP" sz="600" dirty="0" smtClean="0">
+                <a:latin typeface="游ゴシック" panose="020B0400000000000000" pitchFamily="50" charset="-128"/>
+                <a:ea typeface="游ゴシック" panose="020B0400000000000000" pitchFamily="50" charset="-128"/>
+              </a:rPr>
+              <a:t>※</a:t>
+            </a:r>
+            <a:r>
+              <a:rPr kumimoji="1" lang="ja-JP" altLang="en-US" sz="600" dirty="0" smtClean="0">
+                <a:latin typeface="游ゴシック" panose="020B0400000000000000" pitchFamily="50" charset="-128"/>
+                <a:ea typeface="游ゴシック" panose="020B0400000000000000" pitchFamily="50" charset="-128"/>
+              </a:rPr>
+              <a:t> 大きな</a:t>
+            </a:r>
+            <a:r>
+              <a:rPr kumimoji="1" lang="ja-JP" altLang="en-US" sz="600" dirty="0" smtClean="0">
+                <a:latin typeface="游ゴシック" panose="020B0400000000000000" pitchFamily="50" charset="-128"/>
+                <a:ea typeface="游ゴシック" panose="020B0400000000000000" pitchFamily="50" charset="-128"/>
+              </a:rPr>
+              <a:t>パワーをかけて発進しようとすると</a:t>
+            </a:r>
+            <a:r>
+              <a:rPr kumimoji="1" lang="ja-JP" altLang="en-US" sz="600" dirty="0" smtClean="0">
+                <a:latin typeface="游ゴシック" panose="020B0400000000000000" pitchFamily="50" charset="-128"/>
+                <a:ea typeface="游ゴシック" panose="020B0400000000000000" pitchFamily="50" charset="-128"/>
+              </a:rPr>
+              <a:t>、反動で頭頂部が</a:t>
+            </a:r>
+            <a:r>
+              <a:rPr kumimoji="1" lang="ja-JP" altLang="en-US" sz="600" dirty="0" smtClean="0">
+                <a:latin typeface="游ゴシック" panose="020B0400000000000000" pitchFamily="50" charset="-128"/>
+                <a:ea typeface="游ゴシック" panose="020B0400000000000000" pitchFamily="50" charset="-128"/>
+              </a:rPr>
+              <a:t>大きく</a:t>
+            </a:r>
+            <a:r>
+              <a:rPr kumimoji="1" lang="ja-JP" altLang="en-US" sz="600" dirty="0" smtClean="0">
+                <a:latin typeface="游ゴシック" panose="020B0400000000000000" pitchFamily="50" charset="-128"/>
+                <a:ea typeface="游ゴシック" panose="020B0400000000000000" pitchFamily="50" charset="-128"/>
+              </a:rPr>
+              <a:t>振れる。  → さらに反対側</a:t>
+            </a:r>
+            <a:r>
+              <a:rPr kumimoji="1" lang="ja-JP" altLang="en-US" sz="600" dirty="0" smtClean="0">
+                <a:latin typeface="游ゴシック" panose="020B0400000000000000" pitchFamily="50" charset="-128"/>
+                <a:ea typeface="游ゴシック" panose="020B0400000000000000" pitchFamily="50" charset="-128"/>
+              </a:rPr>
+              <a:t>に傾けてバランスを取ろうとする</a:t>
+            </a:r>
+            <a:r>
+              <a:rPr kumimoji="1" lang="ja-JP" altLang="en-US" sz="600" dirty="0" smtClean="0">
+                <a:latin typeface="游ゴシック" panose="020B0400000000000000" pitchFamily="50" charset="-128"/>
+                <a:ea typeface="游ゴシック" panose="020B0400000000000000" pitchFamily="50" charset="-128"/>
+              </a:rPr>
+              <a:t>。</a:t>
+            </a:r>
+            <a:endParaRPr kumimoji="1" lang="en-US" altLang="ja-JP" sz="600" dirty="0" smtClean="0">
+              <a:latin typeface="游ゴシック" panose="020B0400000000000000" pitchFamily="50" charset="-128"/>
+              <a:ea typeface="游ゴシック" panose="020B0400000000000000" pitchFamily="50" charset="-128"/>
+            </a:endParaRPr>
+          </a:p>
+          <a:p>
+            <a:r>
+              <a:rPr lang="ja-JP" altLang="en-US" sz="600" dirty="0">
+                <a:latin typeface="游ゴシック" panose="020B0400000000000000" pitchFamily="50" charset="-128"/>
+                <a:ea typeface="游ゴシック" panose="020B0400000000000000" pitchFamily="50" charset="-128"/>
+              </a:rPr>
+              <a:t>　</a:t>
+            </a:r>
+            <a:r>
+              <a:rPr lang="ja-JP" altLang="en-US" sz="600" dirty="0" smtClean="0">
+                <a:latin typeface="游ゴシック" panose="020B0400000000000000" pitchFamily="50" charset="-128"/>
+                <a:ea typeface="游ゴシック" panose="020B0400000000000000" pitchFamily="50" charset="-128"/>
+              </a:rPr>
+              <a:t>　　　　　　　　　　　　　　　　　　　　　　　　　　　　　　　　　　</a:t>
+            </a:r>
+            <a:r>
+              <a:rPr lang="ja-JP" altLang="en-US" sz="600" dirty="0">
+                <a:latin typeface="游ゴシック" panose="020B0400000000000000" pitchFamily="50" charset="-128"/>
+                <a:ea typeface="游ゴシック" panose="020B0400000000000000" pitchFamily="50" charset="-128"/>
+              </a:rPr>
+              <a:t> </a:t>
+            </a:r>
+            <a:r>
+              <a:rPr lang="ja-JP" altLang="en-US" sz="600" dirty="0" smtClean="0">
+                <a:latin typeface="游ゴシック" panose="020B0400000000000000" pitchFamily="50" charset="-128"/>
+                <a:ea typeface="游ゴシック" panose="020B0400000000000000" pitchFamily="50" charset="-128"/>
+              </a:rPr>
+              <a:t>  </a:t>
+            </a:r>
+            <a:r>
+              <a:rPr lang="ja-JP" altLang="en-US" sz="600" dirty="0" smtClean="0">
+                <a:latin typeface="游ゴシック" panose="020B0400000000000000" pitchFamily="50" charset="-128"/>
+                <a:ea typeface="游ゴシック" panose="020B0400000000000000" pitchFamily="50" charset="-128"/>
+              </a:rPr>
+              <a:t>→ かえって</a:t>
+            </a:r>
+            <a:r>
+              <a:rPr lang="ja-JP" altLang="en-US" sz="600" dirty="0" smtClean="0">
+                <a:latin typeface="游ゴシック" panose="020B0400000000000000" pitchFamily="50" charset="-128"/>
+                <a:ea typeface="游ゴシック" panose="020B0400000000000000" pitchFamily="50" charset="-128"/>
+              </a:rPr>
+              <a:t>スピードが出ない</a:t>
+            </a:r>
+            <a:r>
+              <a:rPr lang="ja-JP" altLang="en-US" sz="600" dirty="0" smtClean="0">
+                <a:latin typeface="游ゴシック" panose="020B0400000000000000" pitchFamily="50" charset="-128"/>
+                <a:ea typeface="游ゴシック" panose="020B0400000000000000" pitchFamily="50" charset="-128"/>
+              </a:rPr>
+              <a:t>。       </a:t>
+            </a:r>
+            <a:endParaRPr kumimoji="1" lang="en-US" altLang="ja-JP" sz="600" dirty="0">
+              <a:latin typeface="游ゴシック" panose="020B0400000000000000" pitchFamily="50" charset="-128"/>
+              <a:ea typeface="游ゴシック" panose="020B0400000000000000" pitchFamily="50" charset="-128"/>
+            </a:endParaRPr>
+          </a:p>
+          <a:p>
+            <a:r>
+              <a:rPr kumimoji="1" lang="ja-JP" altLang="en-US" sz="600" dirty="0" smtClean="0">
+                <a:latin typeface="游ゴシック" panose="020B0400000000000000" pitchFamily="50" charset="-128"/>
+                <a:ea typeface="游ゴシック" panose="020B0400000000000000" pitchFamily="50" charset="-128"/>
+              </a:rPr>
+              <a:t>　　　　　　　　　　　　　　　　　　　　　　　　　　　　　　　　　　　　→ 小さすぎる</a:t>
+            </a:r>
+            <a:r>
+              <a:rPr kumimoji="1" lang="ja-JP" altLang="en-US" sz="600" dirty="0" smtClean="0">
+                <a:latin typeface="游ゴシック" panose="020B0400000000000000" pitchFamily="50" charset="-128"/>
+                <a:ea typeface="游ゴシック" panose="020B0400000000000000" pitchFamily="50" charset="-128"/>
+              </a:rPr>
+              <a:t>パワーでは、その場で静止してしまう</a:t>
+            </a:r>
+            <a:r>
+              <a:rPr kumimoji="1" lang="ja-JP" altLang="en-US" sz="600" dirty="0" smtClean="0">
+                <a:latin typeface="游ゴシック" panose="020B0400000000000000" pitchFamily="50" charset="-128"/>
+                <a:ea typeface="游ゴシック" panose="020B0400000000000000" pitchFamily="50" charset="-128"/>
+              </a:rPr>
+              <a:t>。</a:t>
+            </a:r>
+            <a:endParaRPr kumimoji="1" lang="en-US" altLang="ja-JP" sz="600" dirty="0" smtClean="0">
+              <a:latin typeface="游ゴシック" panose="020B0400000000000000" pitchFamily="50" charset="-128"/>
+              <a:ea typeface="游ゴシック" panose="020B0400000000000000" pitchFamily="50" charset="-128"/>
+            </a:endParaRPr>
+          </a:p>
+        </p:txBody>
+      </p:sp>
+      <p:sp>
+        <p:nvSpPr>
+          <p:cNvPr id="54" name="下矢印 53"/>
+          <p:cNvSpPr/>
+          <p:nvPr/>
+        </p:nvSpPr>
+        <p:spPr>
+          <a:xfrm>
+            <a:off x="8088337" y="5448983"/>
+            <a:ext cx="195795" cy="280675"/>
+          </a:xfrm>
+          <a:prstGeom prst="downArrow">
+            <a:avLst/>
+          </a:prstGeom>
+          <a:solidFill>
+            <a:srgbClr val="FFC000"/>
+          </a:solidFill>
+        </p:spPr>
+        <p:style>
+          <a:lnRef idx="2">
+            <a:schemeClr val="accent1">
+              <a:shade val="50000"/>
+            </a:schemeClr>
+          </a:lnRef>
+          <a:fillRef idx="1">
+            <a:schemeClr val="accent1"/>
+          </a:fillRef>
+          <a:effectRef idx="0">
+            <a:schemeClr val="accent1"/>
+          </a:effectRef>
+          <a:fontRef idx="minor">
+            <a:schemeClr val="lt1"/>
+          </a:fontRef>
+        </p:style>
+        <p:txBody>
+          <a:bodyPr rtlCol="0" anchor="ctr"/>
+          <a:lstStyle/>
+          <a:p>
+            <a:pPr algn="ctr"/>
+            <a:endParaRPr kumimoji="1" lang="ja-JP" altLang="en-US" sz="1000" dirty="0" smtClean="0"/>
+          </a:p>
+        </p:txBody>
+      </p:sp>
+      <p:sp>
+        <p:nvSpPr>
+          <p:cNvPr id="61" name="下矢印 60"/>
+          <p:cNvSpPr/>
+          <p:nvPr/>
+        </p:nvSpPr>
+        <p:spPr>
+          <a:xfrm>
+            <a:off x="6065358" y="4122384"/>
+            <a:ext cx="195795" cy="206944"/>
+          </a:xfrm>
+          <a:prstGeom prst="downArrow">
+            <a:avLst/>
+          </a:prstGeom>
+          <a:solidFill>
+            <a:srgbClr val="FFC000"/>
+          </a:solidFill>
+        </p:spPr>
+        <p:style>
+          <a:lnRef idx="2">
+            <a:schemeClr val="accent1">
+              <a:shade val="50000"/>
+            </a:schemeClr>
+          </a:lnRef>
+          <a:fillRef idx="1">
+            <a:schemeClr val="accent1"/>
+          </a:fillRef>
+          <a:effectRef idx="0">
+            <a:schemeClr val="accent1"/>
+          </a:effectRef>
+          <a:fontRef idx="minor">
+            <a:schemeClr val="lt1"/>
+          </a:fontRef>
+        </p:style>
+        <p:txBody>
+          <a:bodyPr rtlCol="0" anchor="ctr"/>
+          <a:lstStyle/>
+          <a:p>
+            <a:pPr algn="ctr"/>
+            <a:endParaRPr kumimoji="1" lang="ja-JP" altLang="en-US" sz="1000" dirty="0" smtClean="0"/>
+          </a:p>
+        </p:txBody>
+      </p:sp>
+      <p:sp>
+        <p:nvSpPr>
+          <p:cNvPr id="62" name="下矢印 61"/>
+          <p:cNvSpPr/>
+          <p:nvPr/>
+        </p:nvSpPr>
+        <p:spPr>
+          <a:xfrm>
+            <a:off x="8018548" y="4122383"/>
+            <a:ext cx="195795" cy="206944"/>
+          </a:xfrm>
+          <a:prstGeom prst="downArrow">
+            <a:avLst/>
+          </a:prstGeom>
+          <a:solidFill>
+            <a:srgbClr val="FFC000"/>
+          </a:solidFill>
+        </p:spPr>
+        <p:style>
+          <a:lnRef idx="2">
+            <a:schemeClr val="accent1">
+              <a:shade val="50000"/>
+            </a:schemeClr>
+          </a:lnRef>
+          <a:fillRef idx="1">
+            <a:schemeClr val="accent1"/>
+          </a:fillRef>
+          <a:effectRef idx="0">
+            <a:schemeClr val="accent1"/>
+          </a:effectRef>
+          <a:fontRef idx="minor">
+            <a:schemeClr val="lt1"/>
+          </a:fontRef>
+        </p:style>
+        <p:txBody>
+          <a:bodyPr rtlCol="0" anchor="ctr"/>
+          <a:lstStyle/>
+          <a:p>
+            <a:pPr algn="ctr"/>
+            <a:endParaRPr kumimoji="1" lang="ja-JP" altLang="en-US" sz="1000" dirty="0" smtClean="0"/>
+          </a:p>
+        </p:txBody>
+      </p:sp>
+      <p:sp>
+        <p:nvSpPr>
+          <p:cNvPr id="67" name="テキスト ボックス 66"/>
+          <p:cNvSpPr txBox="1"/>
+          <p:nvPr/>
+        </p:nvSpPr>
+        <p:spPr>
+          <a:xfrm>
+            <a:off x="6248676" y="923103"/>
+            <a:ext cx="1137449" cy="523220"/>
+          </a:xfrm>
+          <a:prstGeom prst="rect">
+            <a:avLst/>
+          </a:prstGeom>
+          <a:noFill/>
+          <a:ln>
+            <a:solidFill>
+              <a:schemeClr val="accent1">
+                <a:lumMod val="50000"/>
+              </a:schemeClr>
+            </a:solidFill>
+          </a:ln>
+        </p:spPr>
+        <p:txBody>
+          <a:bodyPr wrap="square" rtlCol="0">
+            <a:spAutoFit/>
+          </a:bodyPr>
+          <a:lstStyle/>
+          <a:p>
+            <a:endParaRPr lang="en-US" altLang="ja-JP" sz="700" dirty="0" smtClean="0">
+              <a:latin typeface="游ゴシック" panose="020B0400000000000000" pitchFamily="50" charset="-128"/>
+              <a:ea typeface="游ゴシック" panose="020B0400000000000000" pitchFamily="50" charset="-128"/>
+            </a:endParaRPr>
+          </a:p>
+          <a:p>
+            <a:endParaRPr lang="en-US" altLang="ja-JP" sz="700" dirty="0" smtClean="0">
+              <a:latin typeface="游ゴシック" panose="020B0400000000000000" pitchFamily="50" charset="-128"/>
+              <a:ea typeface="游ゴシック" panose="020B0400000000000000" pitchFamily="50" charset="-128"/>
+            </a:endParaRPr>
+          </a:p>
+          <a:p>
+            <a:r>
+              <a:rPr lang="ja-JP" altLang="en-US" sz="700" dirty="0" smtClean="0">
+                <a:latin typeface="游ゴシック" panose="020B0400000000000000" pitchFamily="50" charset="-128"/>
+                <a:ea typeface="游ゴシック" panose="020B0400000000000000" pitchFamily="50" charset="-128"/>
+              </a:rPr>
+              <a:t>③モーターを駆動し、前方へ直進する</a:t>
+            </a:r>
+            <a:endParaRPr lang="en-US" altLang="ja-JP" sz="700" dirty="0" smtClean="0">
+              <a:latin typeface="游ゴシック" panose="020B0400000000000000" pitchFamily="50" charset="-128"/>
+              <a:ea typeface="游ゴシック" panose="020B0400000000000000" pitchFamily="50" charset="-128"/>
+            </a:endParaRPr>
+          </a:p>
+        </p:txBody>
+      </p:sp>
+      <p:sp>
+        <p:nvSpPr>
+          <p:cNvPr id="9" name="右矢印 8"/>
+          <p:cNvSpPr/>
+          <p:nvPr/>
+        </p:nvSpPr>
+        <p:spPr>
+          <a:xfrm>
+            <a:off x="4338067" y="1214479"/>
+            <a:ext cx="407941" cy="183007"/>
+          </a:xfrm>
+          <a:prstGeom prst="rightArrow">
+            <a:avLst/>
+          </a:prstGeom>
+          <a:solidFill>
+            <a:schemeClr val="accent1"/>
+          </a:solidFill>
+          <a:ln>
+            <a:solidFill>
+              <a:schemeClr val="accent1"/>
+            </a:solidFill>
+          </a:ln>
+        </p:spPr>
+        <p:style>
+          <a:lnRef idx="2">
+            <a:schemeClr val="accent1">
+              <a:shade val="50000"/>
+            </a:schemeClr>
+          </a:lnRef>
+          <a:fillRef idx="1">
+            <a:schemeClr val="accent1"/>
+          </a:fillRef>
+          <a:effectRef idx="0">
+            <a:schemeClr val="accent1"/>
+          </a:effectRef>
+          <a:fontRef idx="minor">
+            <a:schemeClr val="lt1"/>
+          </a:fontRef>
+        </p:style>
+        <p:txBody>
+          <a:bodyPr rtlCol="0" anchor="ctr"/>
+          <a:lstStyle/>
+          <a:p>
+            <a:pPr algn="ctr"/>
+            <a:endParaRPr kumimoji="1" lang="ja-JP" altLang="en-US" sz="1000" dirty="0" smtClean="0"/>
+          </a:p>
+        </p:txBody>
+      </p:sp>
+      <p:sp>
+        <p:nvSpPr>
+          <p:cNvPr id="71" name="テキスト ボックス 70"/>
+          <p:cNvSpPr txBox="1"/>
+          <p:nvPr/>
+        </p:nvSpPr>
+        <p:spPr>
+          <a:xfrm>
+            <a:off x="7761883" y="926301"/>
+            <a:ext cx="1224972" cy="523220"/>
+          </a:xfrm>
+          <a:prstGeom prst="rect">
+            <a:avLst/>
+          </a:prstGeom>
+          <a:noFill/>
+          <a:ln>
+            <a:solidFill>
+              <a:schemeClr val="accent1">
+                <a:lumMod val="50000"/>
+              </a:schemeClr>
+            </a:solidFill>
+          </a:ln>
+        </p:spPr>
+        <p:txBody>
+          <a:bodyPr wrap="square" rtlCol="0">
+            <a:spAutoFit/>
+          </a:bodyPr>
+          <a:lstStyle/>
+          <a:p>
+            <a:endParaRPr lang="en-US" altLang="ja-JP" sz="700" dirty="0" smtClean="0">
+              <a:latin typeface="游ゴシック" panose="020B0400000000000000" pitchFamily="50" charset="-128"/>
+              <a:ea typeface="游ゴシック" panose="020B0400000000000000" pitchFamily="50" charset="-128"/>
+            </a:endParaRPr>
+          </a:p>
+          <a:p>
+            <a:endParaRPr lang="en-US" altLang="ja-JP" sz="700" dirty="0">
+              <a:latin typeface="游ゴシック" panose="020B0400000000000000" pitchFamily="50" charset="-128"/>
+              <a:ea typeface="游ゴシック" panose="020B0400000000000000" pitchFamily="50" charset="-128"/>
+            </a:endParaRPr>
+          </a:p>
+          <a:p>
+            <a:r>
+              <a:rPr lang="ja-JP" altLang="en-US" sz="700" dirty="0" smtClean="0">
+                <a:latin typeface="游ゴシック" panose="020B0400000000000000" pitchFamily="50" charset="-128"/>
+                <a:ea typeface="游ゴシック" panose="020B0400000000000000" pitchFamily="50" charset="-128"/>
+              </a:rPr>
+              <a:t>④後方へ傾かない程度に加速する</a:t>
+            </a:r>
+            <a:endParaRPr lang="en-US" altLang="ja-JP" sz="700" dirty="0" smtClean="0">
+              <a:latin typeface="游ゴシック" panose="020B0400000000000000" pitchFamily="50" charset="-128"/>
+              <a:ea typeface="游ゴシック" panose="020B0400000000000000" pitchFamily="50" charset="-128"/>
+            </a:endParaRPr>
+          </a:p>
+        </p:txBody>
+      </p:sp>
+      <p:sp>
+        <p:nvSpPr>
+          <p:cNvPr id="72" name="右矢印 71"/>
+          <p:cNvSpPr/>
+          <p:nvPr/>
+        </p:nvSpPr>
+        <p:spPr>
+          <a:xfrm>
+            <a:off x="7352326" y="1222736"/>
+            <a:ext cx="398345" cy="169692"/>
+          </a:xfrm>
+          <a:prstGeom prst="rightArrow">
+            <a:avLst/>
+          </a:prstGeom>
+          <a:solidFill>
+            <a:schemeClr val="accent1"/>
+          </a:solidFill>
+          <a:ln>
+            <a:solidFill>
+              <a:schemeClr val="accent1"/>
+            </a:solidFill>
+          </a:ln>
+        </p:spPr>
+        <p:style>
+          <a:lnRef idx="2">
+            <a:schemeClr val="accent1">
+              <a:shade val="50000"/>
+            </a:schemeClr>
+          </a:lnRef>
+          <a:fillRef idx="1">
+            <a:schemeClr val="accent1"/>
+          </a:fillRef>
+          <a:effectRef idx="0">
+            <a:schemeClr val="accent1"/>
+          </a:effectRef>
+          <a:fontRef idx="minor">
+            <a:schemeClr val="lt1"/>
+          </a:fontRef>
+        </p:style>
+        <p:txBody>
+          <a:bodyPr rtlCol="0" anchor="ctr"/>
+          <a:lstStyle/>
+          <a:p>
+            <a:pPr algn="ctr"/>
+            <a:endParaRPr kumimoji="1" lang="ja-JP" altLang="en-US" sz="1000" dirty="0" smtClean="0"/>
+          </a:p>
+        </p:txBody>
+      </p:sp>
+      <p:sp>
+        <p:nvSpPr>
+          <p:cNvPr id="69" name="右矢印 68"/>
+          <p:cNvSpPr/>
+          <p:nvPr/>
+        </p:nvSpPr>
+        <p:spPr>
+          <a:xfrm>
+            <a:off x="5850331" y="1212292"/>
+            <a:ext cx="398345" cy="169692"/>
+          </a:xfrm>
+          <a:prstGeom prst="rightArrow">
+            <a:avLst/>
+          </a:prstGeom>
+          <a:solidFill>
+            <a:schemeClr val="accent1"/>
+          </a:solidFill>
+          <a:ln>
+            <a:solidFill>
+              <a:schemeClr val="accent1"/>
+            </a:solidFill>
+          </a:ln>
+        </p:spPr>
+        <p:style>
+          <a:lnRef idx="2">
+            <a:schemeClr val="accent1">
+              <a:shade val="50000"/>
+            </a:schemeClr>
+          </a:lnRef>
+          <a:fillRef idx="1">
+            <a:schemeClr val="accent1"/>
+          </a:fillRef>
+          <a:effectRef idx="0">
+            <a:schemeClr val="accent1"/>
+          </a:effectRef>
+          <a:fontRef idx="minor">
+            <a:schemeClr val="lt1"/>
+          </a:fontRef>
+        </p:style>
+        <p:txBody>
+          <a:bodyPr rtlCol="0" anchor="ctr"/>
+          <a:lstStyle/>
+          <a:p>
+            <a:pPr algn="ctr"/>
+            <a:endParaRPr kumimoji="1" lang="ja-JP" altLang="en-US" sz="1000" dirty="0" smtClean="0"/>
+          </a:p>
+        </p:txBody>
+      </p:sp>
+      <p:sp>
+        <p:nvSpPr>
+          <p:cNvPr id="73" name="角丸四角形 72"/>
+          <p:cNvSpPr/>
+          <p:nvPr/>
+        </p:nvSpPr>
+        <p:spPr>
+          <a:xfrm>
+            <a:off x="3269076" y="1896359"/>
+            <a:ext cx="5717778" cy="207854"/>
+          </a:xfrm>
+          <a:prstGeom prst="roundRect">
+            <a:avLst>
+              <a:gd name="adj" fmla="val 7736"/>
+            </a:avLst>
+          </a:prstGeom>
+          <a:noFill/>
+          <a:ln>
+            <a:solidFill>
+              <a:srgbClr val="0070C0"/>
+            </a:solidFill>
+          </a:ln>
+        </p:spPr>
+        <p:style>
+          <a:lnRef idx="2">
+            <a:schemeClr val="accent1">
+              <a:shade val="50000"/>
+            </a:schemeClr>
+          </a:lnRef>
+          <a:fillRef idx="1">
+            <a:schemeClr val="accent1"/>
+          </a:fillRef>
+          <a:effectRef idx="0">
+            <a:schemeClr val="accent1"/>
+          </a:effectRef>
+          <a:fontRef idx="minor">
+            <a:schemeClr val="lt1"/>
+          </a:fontRef>
+        </p:style>
+        <p:txBody>
+          <a:bodyPr rtlCol="0" anchor="ctr"/>
+          <a:lstStyle/>
+          <a:p>
+            <a:pPr algn="ctr"/>
+            <a:r>
+              <a:rPr lang="ja-JP" altLang="en-US" sz="700" b="1" dirty="0" smtClean="0">
+                <a:solidFill>
+                  <a:schemeClr val="accent1">
+                    <a:lumMod val="50000"/>
+                  </a:schemeClr>
+                </a:solidFill>
+              </a:rPr>
+              <a:t>発進に</a:t>
+            </a:r>
+            <a:r>
+              <a:rPr lang="en-US" altLang="ja-JP" sz="700" b="1" dirty="0" smtClean="0">
+                <a:solidFill>
+                  <a:schemeClr val="accent1">
+                    <a:lumMod val="50000"/>
+                  </a:schemeClr>
+                </a:solidFill>
+              </a:rPr>
+              <a:t>1</a:t>
+            </a:r>
+            <a:r>
+              <a:rPr lang="ja-JP" altLang="en-US" sz="700" b="1" dirty="0" smtClean="0">
+                <a:solidFill>
+                  <a:schemeClr val="accent1">
+                    <a:lumMod val="50000"/>
+                  </a:schemeClr>
+                </a:solidFill>
+              </a:rPr>
+              <a:t>回のモーターの駆動だけでなく、細かい動作単位に分け、状態遷移による制御を行う</a:t>
+            </a:r>
+            <a:endParaRPr lang="en-US" altLang="ja-JP" sz="700" b="1" dirty="0" smtClean="0">
+              <a:solidFill>
+                <a:schemeClr val="accent1">
+                  <a:lumMod val="50000"/>
+                </a:schemeClr>
+              </a:solidFill>
+            </a:endParaRPr>
+          </a:p>
+        </p:txBody>
+      </p:sp>
+      <p:sp>
+        <p:nvSpPr>
+          <p:cNvPr id="75" name="角丸四角形 74"/>
+          <p:cNvSpPr/>
+          <p:nvPr/>
+        </p:nvSpPr>
+        <p:spPr>
+          <a:xfrm>
+            <a:off x="110202" y="1546534"/>
+            <a:ext cx="2698130" cy="557679"/>
+          </a:xfrm>
+          <a:prstGeom prst="roundRect">
+            <a:avLst>
+              <a:gd name="adj" fmla="val 7736"/>
+            </a:avLst>
+          </a:prstGeom>
+          <a:solidFill>
+            <a:schemeClr val="bg1"/>
+          </a:solidFill>
+          <a:ln>
+            <a:solidFill>
+              <a:srgbClr val="0070C0"/>
+            </a:solidFill>
+          </a:ln>
+        </p:spPr>
+        <p:style>
+          <a:lnRef idx="2">
+            <a:schemeClr val="accent1">
+              <a:shade val="50000"/>
+            </a:schemeClr>
+          </a:lnRef>
+          <a:fillRef idx="1">
+            <a:schemeClr val="accent1"/>
+          </a:fillRef>
+          <a:effectRef idx="0">
+            <a:schemeClr val="accent1"/>
+          </a:effectRef>
+          <a:fontRef idx="minor">
+            <a:schemeClr val="lt1"/>
+          </a:fontRef>
+        </p:style>
+        <p:txBody>
+          <a:bodyPr rtlCol="0" anchor="t" anchorCtr="0"/>
+          <a:lstStyle/>
+          <a:p>
+            <a:pPr algn="ctr"/>
+            <a:r>
+              <a:rPr lang="ja-JP" altLang="en-US" sz="900" b="1" dirty="0" smtClean="0">
+                <a:solidFill>
+                  <a:schemeClr val="accent1">
+                    <a:lumMod val="50000"/>
+                  </a:schemeClr>
+                </a:solidFill>
+              </a:rPr>
+              <a:t>安定化</a:t>
+            </a:r>
+            <a:r>
+              <a:rPr lang="ja-JP" altLang="en-US" sz="900" b="1" dirty="0">
+                <a:solidFill>
+                  <a:schemeClr val="accent1">
+                    <a:lumMod val="50000"/>
+                  </a:schemeClr>
+                </a:solidFill>
+              </a:rPr>
+              <a:t>スタート</a:t>
+            </a:r>
+            <a:endParaRPr lang="en-US" altLang="ja-JP" sz="900" b="1" dirty="0">
+              <a:solidFill>
+                <a:schemeClr val="accent1">
+                  <a:lumMod val="50000"/>
+                </a:schemeClr>
+              </a:solidFill>
+            </a:endParaRPr>
+          </a:p>
+        </p:txBody>
+      </p:sp>
+      <p:sp>
+        <p:nvSpPr>
+          <p:cNvPr id="76" name="角丸四角形 75"/>
+          <p:cNvSpPr/>
+          <p:nvPr/>
+        </p:nvSpPr>
+        <p:spPr>
+          <a:xfrm>
+            <a:off x="110202" y="2131469"/>
+            <a:ext cx="2698130" cy="1423620"/>
+          </a:xfrm>
+          <a:prstGeom prst="roundRect">
+            <a:avLst>
+              <a:gd name="adj" fmla="val 7736"/>
+            </a:avLst>
+          </a:prstGeom>
+          <a:solidFill>
+            <a:schemeClr val="bg1"/>
+          </a:solidFill>
+          <a:ln>
+            <a:solidFill>
+              <a:srgbClr val="0070C0"/>
+            </a:solidFill>
+          </a:ln>
+        </p:spPr>
+        <p:style>
+          <a:lnRef idx="2">
+            <a:schemeClr val="accent1">
+              <a:shade val="50000"/>
+            </a:schemeClr>
+          </a:lnRef>
+          <a:fillRef idx="1">
+            <a:schemeClr val="accent1"/>
+          </a:fillRef>
+          <a:effectRef idx="0">
+            <a:schemeClr val="accent1"/>
+          </a:effectRef>
+          <a:fontRef idx="minor">
+            <a:schemeClr val="lt1"/>
+          </a:fontRef>
+        </p:style>
+        <p:txBody>
+          <a:bodyPr rtlCol="0" anchor="t" anchorCtr="0"/>
+          <a:lstStyle/>
+          <a:p>
+            <a:pPr algn="ctr"/>
+            <a:r>
+              <a:rPr lang="ja-JP" altLang="en-US" sz="900" b="1" dirty="0" smtClean="0">
+                <a:solidFill>
+                  <a:schemeClr val="accent1">
+                    <a:lumMod val="50000"/>
+                  </a:schemeClr>
+                </a:solidFill>
+              </a:rPr>
+              <a:t>ナビゲーション</a:t>
+            </a:r>
+            <a:endParaRPr lang="en-US" altLang="ja-JP" sz="900" b="1" dirty="0" smtClean="0">
+              <a:solidFill>
+                <a:schemeClr val="accent1">
+                  <a:lumMod val="50000"/>
+                </a:schemeClr>
+              </a:solidFill>
+            </a:endParaRPr>
+          </a:p>
+        </p:txBody>
+      </p:sp>
+      <p:sp>
+        <p:nvSpPr>
+          <p:cNvPr id="79" name="角丸四角形 78"/>
+          <p:cNvSpPr/>
+          <p:nvPr/>
+        </p:nvSpPr>
+        <p:spPr>
+          <a:xfrm>
+            <a:off x="110202" y="3652577"/>
+            <a:ext cx="2698130" cy="994643"/>
+          </a:xfrm>
+          <a:prstGeom prst="roundRect">
+            <a:avLst>
+              <a:gd name="adj" fmla="val 7736"/>
+            </a:avLst>
+          </a:prstGeom>
+          <a:solidFill>
+            <a:schemeClr val="bg1"/>
+          </a:solidFill>
+          <a:ln>
+            <a:solidFill>
+              <a:srgbClr val="0070C0"/>
+            </a:solidFill>
+          </a:ln>
+        </p:spPr>
+        <p:style>
+          <a:lnRef idx="2">
+            <a:schemeClr val="accent1">
+              <a:shade val="50000"/>
+            </a:schemeClr>
+          </a:lnRef>
+          <a:fillRef idx="1">
+            <a:schemeClr val="accent1"/>
+          </a:fillRef>
+          <a:effectRef idx="0">
+            <a:schemeClr val="accent1"/>
+          </a:effectRef>
+          <a:fontRef idx="minor">
+            <a:schemeClr val="lt1"/>
+          </a:fontRef>
+        </p:style>
+        <p:txBody>
+          <a:bodyPr rtlCol="0" anchor="t" anchorCtr="0"/>
+          <a:lstStyle/>
+          <a:p>
+            <a:pPr algn="ctr"/>
+            <a:r>
+              <a:rPr lang="ja-JP" altLang="en-US" sz="900" b="1" dirty="0" smtClean="0">
+                <a:solidFill>
+                  <a:schemeClr val="accent1">
+                    <a:lumMod val="50000"/>
+                  </a:schemeClr>
+                </a:solidFill>
+              </a:rPr>
+              <a:t>ライントレース走行制御</a:t>
+            </a:r>
+            <a:endParaRPr lang="en-US" altLang="ja-JP" sz="900" b="1" dirty="0">
+              <a:solidFill>
+                <a:schemeClr val="accent1">
+                  <a:lumMod val="50000"/>
+                </a:schemeClr>
+              </a:solidFill>
+            </a:endParaRPr>
+          </a:p>
+        </p:txBody>
+      </p:sp>
+      <p:sp>
+        <p:nvSpPr>
+          <p:cNvPr id="77" name="角丸四角形 76"/>
+          <p:cNvSpPr/>
+          <p:nvPr/>
+        </p:nvSpPr>
+        <p:spPr>
+          <a:xfrm>
+            <a:off x="414980" y="3984214"/>
+            <a:ext cx="1999280" cy="217943"/>
+          </a:xfrm>
+          <a:prstGeom prst="roundRect">
+            <a:avLst>
+              <a:gd name="adj" fmla="val 7736"/>
+            </a:avLst>
+          </a:prstGeom>
+          <a:solidFill>
+            <a:schemeClr val="bg1"/>
+          </a:solidFill>
+          <a:ln>
+            <a:solidFill>
+              <a:srgbClr val="0070C0"/>
+            </a:solidFill>
+          </a:ln>
+        </p:spPr>
+        <p:style>
+          <a:lnRef idx="2">
+            <a:schemeClr val="accent1">
+              <a:shade val="50000"/>
+            </a:schemeClr>
+          </a:lnRef>
+          <a:fillRef idx="1">
+            <a:schemeClr val="accent1"/>
+          </a:fillRef>
+          <a:effectRef idx="0">
+            <a:schemeClr val="accent1"/>
+          </a:effectRef>
+          <a:fontRef idx="minor">
+            <a:schemeClr val="lt1"/>
+          </a:fontRef>
+        </p:style>
+        <p:txBody>
+          <a:bodyPr rtlCol="0" anchor="ctr"/>
+          <a:lstStyle/>
+          <a:p>
+            <a:pPr algn="ctr"/>
+            <a:r>
+              <a:rPr lang="en-US" altLang="ja-JP" sz="900" b="1" dirty="0" smtClean="0">
+                <a:solidFill>
+                  <a:schemeClr val="accent1">
+                    <a:lumMod val="50000"/>
+                  </a:schemeClr>
+                </a:solidFill>
+              </a:rPr>
+              <a:t>PID</a:t>
+            </a:r>
+            <a:r>
+              <a:rPr lang="ja-JP" altLang="en-US" sz="900" b="1" dirty="0" smtClean="0">
+                <a:solidFill>
+                  <a:schemeClr val="accent1">
+                    <a:lumMod val="50000"/>
+                  </a:schemeClr>
+                </a:solidFill>
+              </a:rPr>
+              <a:t>制御</a:t>
+            </a:r>
+            <a:endParaRPr lang="en-US" altLang="ja-JP" sz="900" b="1" dirty="0">
+              <a:solidFill>
+                <a:schemeClr val="accent1">
+                  <a:lumMod val="50000"/>
+                </a:schemeClr>
+              </a:solidFill>
+            </a:endParaRPr>
+          </a:p>
+        </p:txBody>
+      </p:sp>
+      <p:sp>
+        <p:nvSpPr>
+          <p:cNvPr id="78" name="角丸四角形 77"/>
+          <p:cNvSpPr/>
+          <p:nvPr/>
+        </p:nvSpPr>
+        <p:spPr>
+          <a:xfrm>
+            <a:off x="418348" y="4272013"/>
+            <a:ext cx="1990113" cy="226999"/>
+          </a:xfrm>
+          <a:prstGeom prst="roundRect">
+            <a:avLst>
+              <a:gd name="adj" fmla="val 7736"/>
+            </a:avLst>
+          </a:prstGeom>
+          <a:solidFill>
+            <a:schemeClr val="bg1"/>
+          </a:solidFill>
+          <a:ln>
+            <a:solidFill>
+              <a:srgbClr val="0070C0"/>
+            </a:solidFill>
+          </a:ln>
+        </p:spPr>
+        <p:style>
+          <a:lnRef idx="2">
+            <a:schemeClr val="accent1">
+              <a:shade val="50000"/>
+            </a:schemeClr>
+          </a:lnRef>
+          <a:fillRef idx="1">
+            <a:schemeClr val="accent1"/>
+          </a:fillRef>
+          <a:effectRef idx="0">
+            <a:schemeClr val="accent1"/>
+          </a:effectRef>
+          <a:fontRef idx="minor">
+            <a:schemeClr val="lt1"/>
+          </a:fontRef>
+        </p:style>
+        <p:txBody>
+          <a:bodyPr rtlCol="0" anchor="ctr"/>
+          <a:lstStyle/>
+          <a:p>
+            <a:pPr algn="ctr"/>
+            <a:r>
+              <a:rPr lang="ja-JP" altLang="en-US" sz="900" b="1" dirty="0" smtClean="0">
+                <a:solidFill>
+                  <a:schemeClr val="accent1">
+                    <a:lumMod val="50000"/>
+                  </a:schemeClr>
+                </a:solidFill>
+              </a:rPr>
+              <a:t>スピード制御</a:t>
+            </a:r>
+            <a:endParaRPr lang="en-US" altLang="ja-JP" sz="900" b="1" dirty="0" smtClean="0">
+              <a:solidFill>
+                <a:schemeClr val="accent1">
+                  <a:lumMod val="50000"/>
+                </a:schemeClr>
+              </a:solidFill>
+            </a:endParaRPr>
+          </a:p>
+        </p:txBody>
+      </p:sp>
+      <p:sp>
+        <p:nvSpPr>
+          <p:cNvPr id="80" name="角丸四角形 79"/>
+          <p:cNvSpPr/>
+          <p:nvPr/>
+        </p:nvSpPr>
+        <p:spPr>
+          <a:xfrm>
+            <a:off x="434653" y="1799950"/>
+            <a:ext cx="2016765" cy="232811"/>
+          </a:xfrm>
+          <a:prstGeom prst="roundRect">
+            <a:avLst>
+              <a:gd name="adj" fmla="val 7736"/>
+            </a:avLst>
+          </a:prstGeom>
+          <a:solidFill>
+            <a:schemeClr val="bg1"/>
+          </a:solidFill>
+          <a:ln>
+            <a:solidFill>
+              <a:srgbClr val="0070C0"/>
+            </a:solidFill>
+          </a:ln>
+        </p:spPr>
+        <p:style>
+          <a:lnRef idx="2">
+            <a:schemeClr val="accent1">
+              <a:shade val="50000"/>
+            </a:schemeClr>
+          </a:lnRef>
+          <a:fillRef idx="1">
+            <a:schemeClr val="accent1"/>
+          </a:fillRef>
+          <a:effectRef idx="0">
+            <a:schemeClr val="accent1"/>
+          </a:effectRef>
+          <a:fontRef idx="minor">
+            <a:schemeClr val="lt1"/>
+          </a:fontRef>
+        </p:style>
+        <p:txBody>
+          <a:bodyPr rtlCol="0" anchor="ctr"/>
+          <a:lstStyle/>
+          <a:p>
+            <a:pPr algn="ctr"/>
+            <a:r>
+              <a:rPr lang="en-US" altLang="ja-JP" sz="900" b="1" dirty="0" smtClean="0">
+                <a:solidFill>
+                  <a:schemeClr val="accent1">
+                    <a:lumMod val="50000"/>
+                  </a:schemeClr>
+                </a:solidFill>
+              </a:rPr>
+              <a:t>Bluetooth</a:t>
+            </a:r>
+            <a:r>
+              <a:rPr lang="ja-JP" altLang="en-US" sz="900" b="1" u="sng" dirty="0" smtClean="0">
+                <a:solidFill>
+                  <a:schemeClr val="accent1">
+                    <a:lumMod val="50000"/>
+                  </a:schemeClr>
+                </a:solidFill>
+              </a:rPr>
+              <a:t>通</a:t>
+            </a:r>
+            <a:r>
+              <a:rPr lang="ja-JP" altLang="en-US" sz="900" b="1" dirty="0" smtClean="0">
+                <a:solidFill>
+                  <a:schemeClr val="accent1">
+                    <a:lumMod val="50000"/>
+                  </a:schemeClr>
+                </a:solidFill>
+              </a:rPr>
+              <a:t>信</a:t>
+            </a:r>
+            <a:endParaRPr lang="en-US" altLang="ja-JP" sz="900" b="1" dirty="0">
+              <a:solidFill>
+                <a:schemeClr val="accent1">
+                  <a:lumMod val="50000"/>
+                </a:schemeClr>
+              </a:solidFill>
+            </a:endParaRPr>
+          </a:p>
+        </p:txBody>
+      </p:sp>
+      <p:sp>
+        <p:nvSpPr>
+          <p:cNvPr id="81" name="角丸四角形 80"/>
+          <p:cNvSpPr/>
+          <p:nvPr/>
+        </p:nvSpPr>
+        <p:spPr>
+          <a:xfrm>
+            <a:off x="434653" y="2348652"/>
+            <a:ext cx="2016766" cy="232811"/>
+          </a:xfrm>
+          <a:prstGeom prst="roundRect">
+            <a:avLst>
+              <a:gd name="adj" fmla="val 7736"/>
+            </a:avLst>
+          </a:prstGeom>
+          <a:solidFill>
+            <a:schemeClr val="bg1"/>
+          </a:solidFill>
+          <a:ln>
+            <a:solidFill>
+              <a:srgbClr val="0070C0"/>
+            </a:solidFill>
+          </a:ln>
+        </p:spPr>
+        <p:style>
+          <a:lnRef idx="2">
+            <a:schemeClr val="accent1">
+              <a:shade val="50000"/>
+            </a:schemeClr>
+          </a:lnRef>
+          <a:fillRef idx="1">
+            <a:schemeClr val="accent1"/>
+          </a:fillRef>
+          <a:effectRef idx="0">
+            <a:schemeClr val="accent1"/>
+          </a:effectRef>
+          <a:fontRef idx="minor">
+            <a:schemeClr val="lt1"/>
+          </a:fontRef>
+        </p:style>
+        <p:txBody>
+          <a:bodyPr rtlCol="0" anchor="ctr"/>
+          <a:lstStyle/>
+          <a:p>
+            <a:pPr algn="ctr"/>
+            <a:r>
+              <a:rPr lang="ja-JP" altLang="en-US" sz="900" b="1" dirty="0">
+                <a:solidFill>
+                  <a:schemeClr val="accent1">
+                    <a:lumMod val="50000"/>
+                  </a:schemeClr>
+                </a:solidFill>
+              </a:rPr>
+              <a:t>キャリブレーション</a:t>
+            </a:r>
+            <a:endParaRPr lang="en-US" altLang="ja-JP" sz="900" b="1" dirty="0">
+              <a:solidFill>
+                <a:schemeClr val="accent1">
+                  <a:lumMod val="50000"/>
+                </a:schemeClr>
+              </a:solidFill>
+            </a:endParaRPr>
+          </a:p>
+        </p:txBody>
+      </p:sp>
+      <p:sp>
+        <p:nvSpPr>
+          <p:cNvPr id="82" name="角丸四角形 81"/>
+          <p:cNvSpPr/>
+          <p:nvPr/>
+        </p:nvSpPr>
+        <p:spPr>
+          <a:xfrm>
+            <a:off x="434653" y="2634694"/>
+            <a:ext cx="2016765" cy="232811"/>
+          </a:xfrm>
+          <a:prstGeom prst="roundRect">
+            <a:avLst>
+              <a:gd name="adj" fmla="val 7736"/>
+            </a:avLst>
+          </a:prstGeom>
+          <a:solidFill>
+            <a:schemeClr val="bg1"/>
+          </a:solidFill>
+          <a:ln>
+            <a:solidFill>
+              <a:srgbClr val="0070C0"/>
+            </a:solidFill>
+          </a:ln>
+        </p:spPr>
+        <p:style>
+          <a:lnRef idx="2">
+            <a:schemeClr val="accent1">
+              <a:shade val="50000"/>
+            </a:schemeClr>
+          </a:lnRef>
+          <a:fillRef idx="1">
+            <a:schemeClr val="accent1"/>
+          </a:fillRef>
+          <a:effectRef idx="0">
+            <a:schemeClr val="accent1"/>
+          </a:effectRef>
+          <a:fontRef idx="minor">
+            <a:schemeClr val="lt1"/>
+          </a:fontRef>
+        </p:style>
+        <p:txBody>
+          <a:bodyPr rtlCol="0" anchor="ctr"/>
+          <a:lstStyle/>
+          <a:p>
+            <a:pPr algn="ctr"/>
+            <a:r>
+              <a:rPr lang="ja-JP" altLang="en-US" sz="900" b="1" dirty="0" smtClean="0">
+                <a:solidFill>
+                  <a:schemeClr val="accent1">
+                    <a:lumMod val="50000"/>
+                  </a:schemeClr>
+                </a:solidFill>
+              </a:rPr>
+              <a:t>しきい値の決定</a:t>
+            </a:r>
+            <a:endParaRPr lang="en-US" altLang="ja-JP" sz="900" b="1" dirty="0">
+              <a:solidFill>
+                <a:schemeClr val="accent1">
+                  <a:lumMod val="50000"/>
+                </a:schemeClr>
+              </a:solidFill>
+            </a:endParaRPr>
+          </a:p>
+        </p:txBody>
+      </p:sp>
+      <p:sp>
+        <p:nvSpPr>
+          <p:cNvPr id="83" name="角丸四角形 82"/>
+          <p:cNvSpPr/>
+          <p:nvPr/>
+        </p:nvSpPr>
+        <p:spPr>
+          <a:xfrm>
+            <a:off x="433254" y="3196189"/>
+            <a:ext cx="2022563" cy="232811"/>
+          </a:xfrm>
+          <a:prstGeom prst="roundRect">
+            <a:avLst>
+              <a:gd name="adj" fmla="val 7736"/>
+            </a:avLst>
+          </a:prstGeom>
+          <a:solidFill>
+            <a:schemeClr val="bg1"/>
+          </a:solidFill>
+          <a:ln>
+            <a:solidFill>
+              <a:srgbClr val="0070C0"/>
+            </a:solidFill>
+          </a:ln>
+        </p:spPr>
+        <p:style>
+          <a:lnRef idx="2">
+            <a:schemeClr val="accent1">
+              <a:shade val="50000"/>
+            </a:schemeClr>
+          </a:lnRef>
+          <a:fillRef idx="1">
+            <a:schemeClr val="accent1"/>
+          </a:fillRef>
+          <a:effectRef idx="0">
+            <a:schemeClr val="accent1"/>
+          </a:effectRef>
+          <a:fontRef idx="minor">
+            <a:schemeClr val="lt1"/>
+          </a:fontRef>
+        </p:style>
+        <p:txBody>
+          <a:bodyPr rtlCol="0" anchor="ctr"/>
+          <a:lstStyle/>
+          <a:p>
+            <a:pPr algn="ctr"/>
+            <a:r>
+              <a:rPr lang="ja-JP" altLang="en-US" sz="900" b="1" dirty="0" smtClean="0">
+                <a:solidFill>
+                  <a:schemeClr val="accent1">
+                    <a:lumMod val="50000"/>
+                  </a:schemeClr>
+                </a:solidFill>
+              </a:rPr>
+              <a:t>走行状況の管理</a:t>
+            </a:r>
+            <a:endParaRPr lang="en-US" altLang="ja-JP" sz="900" b="1" dirty="0">
+              <a:solidFill>
+                <a:schemeClr val="accent1">
+                  <a:lumMod val="50000"/>
+                </a:schemeClr>
+              </a:solidFill>
+            </a:endParaRPr>
+          </a:p>
+        </p:txBody>
+      </p:sp>
+      <p:sp>
+        <p:nvSpPr>
+          <p:cNvPr id="84" name="角丸四角形 83"/>
+          <p:cNvSpPr/>
+          <p:nvPr/>
+        </p:nvSpPr>
+        <p:spPr>
+          <a:xfrm>
+            <a:off x="3303937" y="5230414"/>
+            <a:ext cx="1930057" cy="233351"/>
+          </a:xfrm>
+          <a:prstGeom prst="roundRect">
+            <a:avLst/>
+          </a:prstGeom>
+          <a:solidFill>
+            <a:schemeClr val="bg1"/>
+          </a:solidFill>
+          <a:ln>
+            <a:solidFill>
+              <a:srgbClr val="0070C0"/>
+            </a:solidFill>
+          </a:ln>
+        </p:spPr>
+        <p:style>
+          <a:lnRef idx="2">
+            <a:schemeClr val="accent1">
+              <a:shade val="50000"/>
+            </a:schemeClr>
+          </a:lnRef>
+          <a:fillRef idx="1">
+            <a:schemeClr val="accent1"/>
+          </a:fillRef>
+          <a:effectRef idx="0">
+            <a:schemeClr val="accent1"/>
+          </a:effectRef>
+          <a:fontRef idx="minor">
+            <a:schemeClr val="lt1"/>
+          </a:fontRef>
+        </p:style>
+        <p:txBody>
+          <a:bodyPr rtlCol="0" anchor="ctr"/>
+          <a:lstStyle/>
+          <a:p>
+            <a:pPr algn="ctr"/>
+            <a:r>
+              <a:rPr lang="ja-JP" altLang="en-US" sz="900" b="1" dirty="0" smtClean="0">
+                <a:solidFill>
+                  <a:schemeClr val="accent1">
+                    <a:lumMod val="50000"/>
+                  </a:schemeClr>
+                </a:solidFill>
+              </a:rPr>
+              <a:t>しきい値の決定</a:t>
+            </a:r>
+            <a:endParaRPr lang="en-US" altLang="ja-JP" sz="900" b="1" dirty="0">
+              <a:solidFill>
+                <a:schemeClr val="accent1">
+                  <a:lumMod val="50000"/>
+                </a:schemeClr>
+              </a:solidFill>
+            </a:endParaRPr>
+          </a:p>
+        </p:txBody>
+      </p:sp>
+      <p:sp>
+        <p:nvSpPr>
+          <p:cNvPr id="74" name="下矢印 73"/>
+          <p:cNvSpPr/>
+          <p:nvPr/>
+        </p:nvSpPr>
+        <p:spPr>
+          <a:xfrm>
+            <a:off x="4211273" y="5427692"/>
+            <a:ext cx="195795" cy="197221"/>
+          </a:xfrm>
+          <a:prstGeom prst="downArrow">
+            <a:avLst/>
+          </a:prstGeom>
+          <a:solidFill>
+            <a:srgbClr val="FFC000"/>
+          </a:solidFill>
+        </p:spPr>
+        <p:style>
+          <a:lnRef idx="2">
+            <a:schemeClr val="accent1">
+              <a:shade val="50000"/>
+            </a:schemeClr>
+          </a:lnRef>
+          <a:fillRef idx="1">
+            <a:schemeClr val="accent1"/>
+          </a:fillRef>
+          <a:effectRef idx="0">
+            <a:schemeClr val="accent1"/>
+          </a:effectRef>
+          <a:fontRef idx="minor">
+            <a:schemeClr val="lt1"/>
+          </a:fontRef>
+        </p:style>
+        <p:txBody>
+          <a:bodyPr rtlCol="0" anchor="ctr"/>
+          <a:lstStyle/>
+          <a:p>
+            <a:pPr algn="ctr"/>
+            <a:endParaRPr kumimoji="1" lang="ja-JP" altLang="en-US" sz="1000" dirty="0" smtClean="0"/>
+          </a:p>
+        </p:txBody>
+      </p:sp>
+      <p:sp>
+        <p:nvSpPr>
+          <p:cNvPr id="85" name="下矢印 84"/>
+          <p:cNvSpPr/>
+          <p:nvPr/>
+        </p:nvSpPr>
+        <p:spPr>
+          <a:xfrm>
+            <a:off x="4211576" y="5094470"/>
+            <a:ext cx="195795" cy="197523"/>
+          </a:xfrm>
+          <a:prstGeom prst="downArrow">
+            <a:avLst/>
+          </a:prstGeom>
+          <a:solidFill>
+            <a:srgbClr val="FFC000"/>
+          </a:solidFill>
+        </p:spPr>
+        <p:style>
+          <a:lnRef idx="2">
+            <a:schemeClr val="accent1">
+              <a:shade val="50000"/>
+            </a:schemeClr>
+          </a:lnRef>
+          <a:fillRef idx="1">
+            <a:schemeClr val="accent1"/>
+          </a:fillRef>
+          <a:effectRef idx="0">
+            <a:schemeClr val="accent1"/>
+          </a:effectRef>
+          <a:fontRef idx="minor">
+            <a:schemeClr val="lt1"/>
+          </a:fontRef>
+        </p:style>
+        <p:txBody>
+          <a:bodyPr rtlCol="0" anchor="ctr"/>
+          <a:lstStyle/>
+          <a:p>
+            <a:pPr algn="ctr"/>
+            <a:endParaRPr kumimoji="1" lang="ja-JP" altLang="en-US" sz="1000" dirty="0" smtClean="0"/>
+          </a:p>
+        </p:txBody>
+      </p:sp>
+      <p:sp>
+        <p:nvSpPr>
+          <p:cNvPr id="86" name="角丸四角形 85"/>
+          <p:cNvSpPr/>
+          <p:nvPr/>
+        </p:nvSpPr>
+        <p:spPr>
+          <a:xfrm>
+            <a:off x="3351610" y="5921242"/>
+            <a:ext cx="1795786" cy="224230"/>
+          </a:xfrm>
+          <a:prstGeom prst="roundRect">
+            <a:avLst/>
+          </a:prstGeom>
+          <a:solidFill>
+            <a:schemeClr val="bg1"/>
+          </a:solidFill>
+          <a:ln>
+            <a:solidFill>
+              <a:srgbClr val="0070C0"/>
+            </a:solidFill>
+          </a:ln>
+        </p:spPr>
+        <p:style>
+          <a:lnRef idx="2">
+            <a:schemeClr val="accent1">
+              <a:shade val="50000"/>
+            </a:schemeClr>
+          </a:lnRef>
+          <a:fillRef idx="1">
+            <a:schemeClr val="accent1"/>
+          </a:fillRef>
+          <a:effectRef idx="0">
+            <a:schemeClr val="accent1"/>
+          </a:effectRef>
+          <a:fontRef idx="minor">
+            <a:schemeClr val="lt1"/>
+          </a:fontRef>
+        </p:style>
+        <p:txBody>
+          <a:bodyPr rtlCol="0" anchor="ctr" anchorCtr="0"/>
+          <a:lstStyle/>
+          <a:p>
+            <a:pPr algn="ctr"/>
+            <a:r>
+              <a:rPr lang="ja-JP" altLang="en-US" sz="900" b="1" dirty="0" smtClean="0">
+                <a:solidFill>
+                  <a:schemeClr val="accent1">
+                    <a:lumMod val="50000"/>
+                  </a:schemeClr>
+                </a:solidFill>
+              </a:rPr>
+              <a:t>走行状況の管理</a:t>
+            </a:r>
+            <a:endParaRPr lang="en-US" altLang="ja-JP" sz="900" b="1" dirty="0">
+              <a:solidFill>
+                <a:schemeClr val="accent1">
+                  <a:lumMod val="50000"/>
+                </a:schemeClr>
+              </a:solidFill>
+            </a:endParaRPr>
+          </a:p>
+        </p:txBody>
+      </p:sp>
+      <p:sp>
+        <p:nvSpPr>
+          <p:cNvPr id="87" name="角丸四角形 86"/>
+          <p:cNvSpPr/>
+          <p:nvPr/>
+        </p:nvSpPr>
+        <p:spPr>
+          <a:xfrm>
+            <a:off x="433254" y="2919631"/>
+            <a:ext cx="2016765" cy="232811"/>
+          </a:xfrm>
+          <a:prstGeom prst="roundRect">
+            <a:avLst>
+              <a:gd name="adj" fmla="val 7736"/>
+            </a:avLst>
+          </a:prstGeom>
+          <a:solidFill>
+            <a:schemeClr val="bg1"/>
+          </a:solidFill>
+          <a:ln>
+            <a:solidFill>
+              <a:srgbClr val="0070C0"/>
+            </a:solidFill>
+          </a:ln>
+        </p:spPr>
+        <p:style>
+          <a:lnRef idx="2">
+            <a:schemeClr val="accent1">
+              <a:shade val="50000"/>
+            </a:schemeClr>
+          </a:lnRef>
+          <a:fillRef idx="1">
+            <a:schemeClr val="accent1"/>
+          </a:fillRef>
+          <a:effectRef idx="0">
+            <a:schemeClr val="accent1"/>
+          </a:effectRef>
+          <a:fontRef idx="minor">
+            <a:schemeClr val="lt1"/>
+          </a:fontRef>
+        </p:style>
+        <p:txBody>
+          <a:bodyPr rtlCol="0" anchor="ctr"/>
+          <a:lstStyle/>
+          <a:p>
+            <a:pPr algn="ctr"/>
+            <a:r>
+              <a:rPr lang="ja-JP" altLang="en-US" sz="900" b="1" dirty="0" smtClean="0">
+                <a:solidFill>
+                  <a:schemeClr val="accent1">
+                    <a:lumMod val="50000"/>
+                  </a:schemeClr>
+                </a:solidFill>
+              </a:rPr>
+              <a:t>モニタデータの集積</a:t>
+            </a:r>
+            <a:endParaRPr lang="en-US" altLang="ja-JP" sz="900" b="1" dirty="0">
+              <a:solidFill>
+                <a:schemeClr val="accent1">
+                  <a:lumMod val="50000"/>
+                </a:schemeClr>
+              </a:solidFill>
+            </a:endParaRPr>
+          </a:p>
+        </p:txBody>
+      </p:sp>
+      <p:sp>
+        <p:nvSpPr>
+          <p:cNvPr id="88" name="角丸四角形 87"/>
+          <p:cNvSpPr/>
+          <p:nvPr/>
+        </p:nvSpPr>
+        <p:spPr>
+          <a:xfrm>
+            <a:off x="3310788" y="2157621"/>
+            <a:ext cx="1366619" cy="183660"/>
+          </a:xfrm>
+          <a:prstGeom prst="roundRect">
+            <a:avLst>
+              <a:gd name="adj" fmla="val 7736"/>
+            </a:avLst>
+          </a:prstGeom>
+          <a:solidFill>
+            <a:schemeClr val="bg1"/>
+          </a:solidFill>
+          <a:ln>
+            <a:solidFill>
+              <a:srgbClr val="0070C0"/>
+            </a:solidFill>
+          </a:ln>
+        </p:spPr>
+        <p:style>
+          <a:lnRef idx="2">
+            <a:schemeClr val="accent1">
+              <a:shade val="50000"/>
+            </a:schemeClr>
+          </a:lnRef>
+          <a:fillRef idx="1">
+            <a:schemeClr val="accent1"/>
+          </a:fillRef>
+          <a:effectRef idx="0">
+            <a:schemeClr val="accent1"/>
+          </a:effectRef>
+          <a:fontRef idx="minor">
+            <a:schemeClr val="lt1"/>
+          </a:fontRef>
+        </p:style>
+        <p:txBody>
+          <a:bodyPr rtlCol="0" anchor="ctr"/>
+          <a:lstStyle/>
+          <a:p>
+            <a:pPr algn="ctr"/>
+            <a:r>
+              <a:rPr lang="en-US" altLang="ja-JP" sz="900" b="1" dirty="0" smtClean="0">
+                <a:solidFill>
+                  <a:schemeClr val="accent1">
+                    <a:lumMod val="50000"/>
+                  </a:schemeClr>
+                </a:solidFill>
+              </a:rPr>
+              <a:t>Bluetooth</a:t>
+            </a:r>
+            <a:r>
+              <a:rPr lang="ja-JP" altLang="en-US" sz="900" b="1" u="sng" dirty="0" smtClean="0">
+                <a:solidFill>
+                  <a:schemeClr val="accent1">
+                    <a:lumMod val="50000"/>
+                  </a:schemeClr>
+                </a:solidFill>
+              </a:rPr>
+              <a:t>通</a:t>
+            </a:r>
+            <a:r>
+              <a:rPr lang="ja-JP" altLang="en-US" sz="900" b="1" dirty="0" smtClean="0">
+                <a:solidFill>
+                  <a:schemeClr val="accent1">
+                    <a:lumMod val="50000"/>
+                  </a:schemeClr>
+                </a:solidFill>
+              </a:rPr>
+              <a:t>信</a:t>
+            </a:r>
+            <a:endParaRPr lang="en-US" altLang="ja-JP" sz="900" b="1" dirty="0">
+              <a:solidFill>
+                <a:schemeClr val="accent1">
+                  <a:lumMod val="50000"/>
+                </a:schemeClr>
+              </a:solidFill>
+            </a:endParaRPr>
           </a:p>
         </p:txBody>
       </p:sp>
